--- a/Aspose.Slides.WebExtensions.Tests/TestData/SLIDESNET_44811/SLIDESNET-44811.pptx
+++ b/Aspose.Slides.WebExtensions.Tests/TestData/SLIDESNET_44811/SLIDESNET-44811.pptx
@@ -1,31 +1,31 @@
 
 <file path=ppt/presentation.xml><?xml version="1.0" encoding="utf-8"?>
-<p:presentation xmlns:a="http://schemas.openxmlformats.org/drawingml/2006/main" xmlns:r="http://schemas.openxmlformats.org/officeDocument/2006/relationships" xmlns:p="http://schemas.openxmlformats.org/presentationml/2006/main" saveSubsetFonts="1" autoCompressPictures="0">
+<p:presentation xmlns:a="http://schemas.openxmlformats.org/drawingml/2006/main" xmlns:r="http://schemas.openxmlformats.org/officeDocument/2006/relationships" xmlns:p="http://schemas.openxmlformats.org/presentationml/2006/main" removePersonalInfoOnSave="1" saveSubsetFonts="1" autoCompressPictures="0">
   <p:sldMasterIdLst>
-    <p:sldMasterId id="2147483660" r:id="rId1"/>
+    <p:sldMasterId id="2147483660" r:id="rId4"/>
   </p:sldMasterIdLst>
   <p:notesMasterIdLst>
-    <p:notesMasterId r:id="rId11"/>
+    <p:notesMasterId r:id="rId14"/>
   </p:notesMasterIdLst>
   <p:handoutMasterIdLst>
-    <p:handoutMasterId r:id="rId12"/>
+    <p:handoutMasterId r:id="rId15"/>
   </p:handoutMasterIdLst>
   <p:sldIdLst>
-    <p:sldId id="256" r:id="rId2"/>
-    <p:sldId id="271" r:id="rId3"/>
-    <p:sldId id="279" r:id="rId4"/>
-    <p:sldId id="281" r:id="rId5"/>
-    <p:sldId id="280" r:id="rId6"/>
-    <p:sldId id="257" r:id="rId7"/>
-    <p:sldId id="275" r:id="rId8"/>
-    <p:sldId id="276" r:id="rId9"/>
-    <p:sldId id="282" r:id="rId10"/>
+    <p:sldId id="256" r:id="rId5"/>
+    <p:sldId id="271" r:id="rId6"/>
+    <p:sldId id="279" r:id="rId7"/>
+    <p:sldId id="281" r:id="rId8"/>
+    <p:sldId id="280" r:id="rId9"/>
+    <p:sldId id="257" r:id="rId10"/>
+    <p:sldId id="275" r:id="rId11"/>
+    <p:sldId id="276" r:id="rId12"/>
+    <p:sldId id="282" r:id="rId13"/>
   </p:sldIdLst>
   <p:sldSz cx="12192000" cy="6858000"/>
   <p:notesSz cx="6858000" cy="9144000"/>
   <p:defaultTextStyle>
-    <a:defPPr rtl="0">
-      <a:defRPr lang="ru-RU"/>
+    <a:defPPr>
+      <a:defRPr lang="en-US"/>
     </a:defPPr>
     <a:lvl1pPr marL="0" algn="l" defTabSz="914400" rtl="0" eaLnBrk="1" latinLnBrk="0" hangingPunct="1">
       <a:defRPr sz="1800" kern="1200">
@@ -121,12 +121,12 @@
   <p:extLst>
     <p:ext uri="{521415D9-36F7-43E2-AB2F-B90AF26B5E84}">
       <p14:sectionLst xmlns:p14="http://schemas.microsoft.com/office/powerpoint/2010/main">
-        <p14:section name="Добро пожаловать" id="{E75E278A-FF0E-49A4-B170-79828D63BBAD}">
+        <p14:section name="Welcome" id="{E75E278A-FF0E-49A4-B170-79828D63BBAD}">
           <p14:sldIdLst>
             <p14:sldId id="256"/>
           </p14:sldIdLst>
         </p14:section>
-        <p14:section name="Конструктор, трансформация, добавление заметок, совместная работа, помощник" id="{B9B51309-D148-4332-87C2-07BE32FBCA3B}">
+        <p14:section name="Design, Morph, Annotate, Work Together, Tell Me" id="{B9B51309-D148-4332-87C2-07BE32FBCA3B}">
           <p14:sldIdLst>
             <p14:sldId id="271"/>
             <p14:sldId id="279"/>
@@ -137,7 +137,7 @@
             <p14:sldId id="276"/>
           </p14:sldIdLst>
         </p14:section>
-        <p14:section name="Подробнее" id="{2CC34DB2-6590-42C0-AD4B-A04C6060184E}">
+        <p14:section name="Learn More" id="{2CC34DB2-6590-42C0-AD4B-A04C6060184E}">
           <p14:sldIdLst>
             <p14:sldId id="282"/>
           </p14:sldIdLst>
@@ -167,7 +167,7 @@
 
 <file path=ppt/commentAuthors.xml><?xml version="1.0" encoding="utf-8"?>
 <p:cmAuthorLst xmlns:a="http://schemas.openxmlformats.org/drawingml/2006/main" xmlns:r="http://schemas.openxmlformats.org/officeDocument/2006/relationships" xmlns:p="http://schemas.openxmlformats.org/presentationml/2006/main">
-  <p:cmAuthor id="3" name="Автор" initials="A" lastIdx="0" clrIdx="2"/>
+  <p:cmAuthor id="2" name="Author" initials="A" lastIdx="0" clrIdx="1"/>
 </p:cmAuthorLst>
 </file>
 
@@ -195,7 +195,7 @@
       </p:grpSpPr>
       <p:sp>
         <p:nvSpPr>
-          <p:cNvPr id="2" name="Верхний колонтитул 1"/>
+          <p:cNvPr id="2" name="Header Placeholder 1"/>
           <p:cNvSpPr>
             <a:spLocks noGrp="1"/>
           </p:cNvSpPr>
@@ -220,14 +220,13 @@
             </a:lvl1pPr>
           </a:lstStyle>
           <a:p>
-            <a:pPr rtl="0"/>
-            <a:endParaRPr lang="ru-RU"/>
+            <a:endParaRPr lang="en-US" dirty="0"/>
           </a:p>
         </p:txBody>
       </p:sp>
       <p:sp>
         <p:nvSpPr>
-          <p:cNvPr id="3" name="Дата 2"/>
+          <p:cNvPr id="3" name="Date Placeholder 2"/>
           <p:cNvSpPr>
             <a:spLocks noGrp="1"/>
           </p:cNvSpPr>
@@ -252,18 +251,17 @@
             </a:lvl1pPr>
           </a:lstStyle>
           <a:p>
-            <a:pPr rtl="0"/>
-            <a:fld id="{3EF2CABD-ADFB-4662-86FE-964DAD288E0E}" type="datetime1">
-              <a:rPr lang="ru-RU" smtClean="0"/>
-              <a:t>17.03.2025</a:t>
+            <a:fld id="{80680FBE-A8DF-4758-9AC4-3A9E1039168F}" type="datetimeFigureOut">
+              <a:rPr lang="en-US" smtClean="0"/>
+              <a:t>3/3/2020</a:t>
             </a:fld>
-            <a:endParaRPr lang="ru-RU"/>
+            <a:endParaRPr lang="en-US" dirty="0"/>
           </a:p>
         </p:txBody>
       </p:sp>
       <p:sp>
         <p:nvSpPr>
-          <p:cNvPr id="4" name="Нижний колонтитул 3"/>
+          <p:cNvPr id="4" name="Footer Placeholder 3"/>
           <p:cNvSpPr>
             <a:spLocks noGrp="1"/>
           </p:cNvSpPr>
@@ -288,14 +286,13 @@
             </a:lvl1pPr>
           </a:lstStyle>
           <a:p>
-            <a:pPr rtl="0"/>
-            <a:endParaRPr lang="ru-RU"/>
+            <a:endParaRPr lang="en-US" dirty="0"/>
           </a:p>
         </p:txBody>
       </p:sp>
       <p:sp>
         <p:nvSpPr>
-          <p:cNvPr id="5" name="Номер слайда 4"/>
+          <p:cNvPr id="5" name="Slide Number Placeholder 4"/>
           <p:cNvSpPr>
             <a:spLocks noGrp="1"/>
           </p:cNvSpPr>
@@ -320,12 +317,11 @@
             </a:lvl1pPr>
           </a:lstStyle>
           <a:p>
-            <a:pPr rtl="0"/>
             <a:fld id="{9C679768-A2FC-4D08-91F6-8DCE6C566B36}" type="slidenum">
-              <a:rPr lang="ru-RU" smtClean="0"/>
+              <a:rPr lang="en-US" smtClean="0"/>
               <a:t>‹#›</a:t>
             </a:fld>
-            <a:endParaRPr lang="ru-RU"/>
+            <a:endParaRPr lang="en-US" dirty="0"/>
           </a:p>
         </p:txBody>
       </p:sp>
@@ -337,7 +333,6 @@
     </p:extLst>
   </p:cSld>
   <p:clrMap bg1="lt1" tx1="dk1" bg2="lt2" tx2="dk2" accent1="accent1" accent2="accent2" accent3="accent3" accent4="accent4" accent5="accent5" accent6="accent6" hlink="hlink" folHlink="folHlink"/>
-  <p:hf hdr="0" ftr="0" dt="0"/>
 </p:handoutMaster>
 </file>
 
@@ -365,7 +360,7 @@
       </p:grpSpPr>
       <p:sp>
         <p:nvSpPr>
-          <p:cNvPr id="2" name="Верхний колонтитул 1"/>
+          <p:cNvPr id="2" name="Header Placeholder 1"/>
           <p:cNvSpPr>
             <a:spLocks noGrp="1"/>
           </p:cNvSpPr>
@@ -390,14 +385,13 @@
             </a:lvl1pPr>
           </a:lstStyle>
           <a:p>
-            <a:pPr rtl="0"/>
-            <a:endParaRPr lang="ru-RU" noProof="0"/>
+            <a:endParaRPr lang="en-US" dirty="0"/>
           </a:p>
         </p:txBody>
       </p:sp>
       <p:sp>
         <p:nvSpPr>
-          <p:cNvPr id="3" name="Дата 2"/>
+          <p:cNvPr id="3" name="Date Placeholder 2"/>
           <p:cNvSpPr>
             <a:spLocks noGrp="1"/>
           </p:cNvSpPr>
@@ -422,18 +416,17 @@
             </a:lvl1pPr>
           </a:lstStyle>
           <a:p>
-            <a:fld id="{68B812D4-DBF0-450F-B19D-420CCD76CB60}" type="datetime1">
-              <a:rPr lang="ru-RU" smtClean="0"/>
-              <a:pPr/>
-              <a:t>17.03.2025</a:t>
+            <a:fld id="{EC13577B-6902-467D-A26C-08A0DD5E4E03}" type="datetimeFigureOut">
+              <a:rPr lang="en-US" smtClean="0"/>
+              <a:t>3/3/2020</a:t>
             </a:fld>
-            <a:endParaRPr lang="ru-RU" dirty="0"/>
+            <a:endParaRPr lang="en-US" dirty="0"/>
           </a:p>
         </p:txBody>
       </p:sp>
       <p:sp>
         <p:nvSpPr>
-          <p:cNvPr id="4" name="Образ слайда 3"/>
+          <p:cNvPr id="4" name="Slide Image Placeholder 3"/>
           <p:cNvSpPr>
             <a:spLocks noGrp="1" noRot="1" noChangeAspect="1"/>
           </p:cNvSpPr>
@@ -460,14 +453,13 @@
           <a:bodyPr vert="horz" lIns="91440" tIns="45720" rIns="91440" bIns="45720" rtlCol="0" anchor="ctr"/>
           <a:lstStyle/>
           <a:p>
-            <a:pPr rtl="0"/>
-            <a:endParaRPr lang="ru-RU" noProof="0"/>
+            <a:endParaRPr lang="en-US" dirty="0"/>
           </a:p>
         </p:txBody>
       </p:sp>
       <p:sp>
         <p:nvSpPr>
-          <p:cNvPr id="5" name="Заметки 4"/>
+          <p:cNvPr id="5" name="Notes Placeholder 4"/>
           <p:cNvSpPr>
             <a:spLocks noGrp="1"/>
           </p:cNvSpPr>
@@ -488,45 +480,45 @@
           <a:bodyPr vert="horz" lIns="91440" tIns="45720" rIns="91440" bIns="45720" rtlCol="0"/>
           <a:lstStyle/>
           <a:p>
-            <a:pPr lvl="0" rtl="0"/>
-            <a:r>
-              <a:rPr lang="ru-RU" noProof="0"/>
-              <a:t>Щелкните, чтобы изменить стили текста образца слайда</a:t>
+            <a:pPr lvl="0"/>
+            <a:r>
+              <a:rPr lang="en-US"/>
+              <a:t>Click to edit Master text styles</a:t>
             </a:r>
           </a:p>
           <a:p>
-            <a:pPr lvl="1" rtl="0"/>
-            <a:r>
-              <a:rPr lang="ru-RU" noProof="0"/>
-              <a:t>Второй уровень</a:t>
+            <a:pPr lvl="1"/>
+            <a:r>
+              <a:rPr lang="en-US"/>
+              <a:t>Second level</a:t>
             </a:r>
           </a:p>
           <a:p>
-            <a:pPr lvl="2" rtl="0"/>
-            <a:r>
-              <a:rPr lang="ru-RU" noProof="0"/>
-              <a:t>Третий уровень</a:t>
+            <a:pPr lvl="2"/>
+            <a:r>
+              <a:rPr lang="en-US"/>
+              <a:t>Third level</a:t>
             </a:r>
           </a:p>
           <a:p>
-            <a:pPr lvl="3" rtl="0"/>
-            <a:r>
-              <a:rPr lang="ru-RU" noProof="0"/>
-              <a:t>Четвертый уровень</a:t>
+            <a:pPr lvl="3"/>
+            <a:r>
+              <a:rPr lang="en-US"/>
+              <a:t>Fourth level</a:t>
             </a:r>
           </a:p>
           <a:p>
-            <a:pPr lvl="4" rtl="0"/>
-            <a:r>
-              <a:rPr lang="ru-RU" noProof="0"/>
-              <a:t>Пятый уровень</a:t>
+            <a:pPr lvl="4"/>
+            <a:r>
+              <a:rPr lang="en-US"/>
+              <a:t>Fifth level</a:t>
             </a:r>
           </a:p>
         </p:txBody>
       </p:sp>
       <p:sp>
         <p:nvSpPr>
-          <p:cNvPr id="6" name="Нижний колонтитул 5"/>
+          <p:cNvPr id="6" name="Footer Placeholder 5"/>
           <p:cNvSpPr>
             <a:spLocks noGrp="1"/>
           </p:cNvSpPr>
@@ -551,14 +543,13 @@
             </a:lvl1pPr>
           </a:lstStyle>
           <a:p>
-            <a:pPr rtl="0"/>
-            <a:endParaRPr lang="ru-RU" noProof="0"/>
+            <a:endParaRPr lang="en-US" dirty="0"/>
           </a:p>
         </p:txBody>
       </p:sp>
       <p:sp>
         <p:nvSpPr>
-          <p:cNvPr id="7" name="Номер слайда 6"/>
+          <p:cNvPr id="7" name="Slide Number Placeholder 6"/>
           <p:cNvSpPr>
             <a:spLocks noGrp="1"/>
           </p:cNvSpPr>
@@ -583,12 +574,11 @@
             </a:lvl1pPr>
           </a:lstStyle>
           <a:p>
-            <a:pPr rtl="0"/>
             <a:fld id="{DF61EA0F-A667-4B49-8422-0062BC55E249}" type="slidenum">
-              <a:rPr lang="ru-RU" noProof="0" smtClean="0"/>
+              <a:rPr lang="en-US" smtClean="0"/>
               <a:t>‹#›</a:t>
             </a:fld>
-            <a:endParaRPr lang="ru-RU" noProof="0"/>
+            <a:endParaRPr lang="en-US" dirty="0"/>
           </a:p>
         </p:txBody>
       </p:sp>
@@ -600,7 +590,6 @@
     </p:extLst>
   </p:cSld>
   <p:clrMap bg1="lt1" tx1="dk1" bg2="lt2" tx2="dk2" accent1="accent1" accent2="accent2" accent3="accent3" accent4="accent4" accent5="accent5" accent6="accent6" hlink="hlink" folHlink="folHlink"/>
-  <p:hf hdr="0" ftr="0" dt="0"/>
   <p:notesStyle>
     <a:lvl1pPr marL="0" algn="l" defTabSz="914400" rtl="0" eaLnBrk="1" latinLnBrk="0" hangingPunct="1">
       <a:defRPr sz="1200" kern="1200">
@@ -715,7 +704,7 @@
       </p:grpSpPr>
       <p:sp>
         <p:nvSpPr>
-          <p:cNvPr id="2" name="Образ слайда 1"/>
+          <p:cNvPr id="2" name="Slide Image Placeholder 1"/>
           <p:cNvSpPr>
             <a:spLocks noGrp="1" noRot="1" noChangeAspect="1"/>
           </p:cNvSpPr>
@@ -732,7 +721,7 @@
       </p:sp>
       <p:sp>
         <p:nvSpPr>
-          <p:cNvPr id="3" name="Заметки 2"/>
+          <p:cNvPr id="3" name="Notes Placeholder 2"/>
           <p:cNvSpPr>
             <a:spLocks noGrp="1"/>
           </p:cNvSpPr>
@@ -742,17 +731,16 @@
         </p:nvSpPr>
         <p:spPr/>
         <p:txBody>
-          <a:bodyPr rtlCol="0"/>
+          <a:bodyPr/>
           <a:lstStyle/>
           <a:p>
-            <a:pPr rtl="0"/>
-            <a:endParaRPr lang="ru-RU"/>
+            <a:endParaRPr lang="en-US" dirty="0"/>
           </a:p>
         </p:txBody>
       </p:sp>
       <p:sp>
         <p:nvSpPr>
-          <p:cNvPr id="4" name="Номер слайда 3"/>
+          <p:cNvPr id="4" name="Slide Number Placeholder 3"/>
           <p:cNvSpPr>
             <a:spLocks noGrp="1"/>
           </p:cNvSpPr>
@@ -762,15 +750,14 @@
         </p:nvSpPr>
         <p:spPr/>
         <p:txBody>
-          <a:bodyPr rtlCol="0"/>
+          <a:bodyPr/>
           <a:lstStyle/>
           <a:p>
-            <a:pPr rtl="0"/>
             <a:fld id="{DF61EA0F-A667-4B49-8422-0062BC55E249}" type="slidenum">
-              <a:rPr lang="ru-RU" smtClean="0"/>
+              <a:rPr lang="en-US" smtClean="0"/>
               <a:t>1</a:t>
             </a:fld>
-            <a:endParaRPr lang="ru-RU"/>
+            <a:endParaRPr lang="en-US" dirty="0"/>
           </a:p>
         </p:txBody>
       </p:sp>
@@ -806,603 +793,7 @@
       </p:grpSpPr>
       <p:sp>
         <p:nvSpPr>
-          <p:cNvPr id="2" name="Образ слайда 1"/>
-          <p:cNvSpPr>
-            <a:spLocks noGrp="1" noRot="1" noChangeAspect="1"/>
-          </p:cNvSpPr>
-          <p:nvPr>
-            <p:ph type="sldImg"/>
-          </p:nvPr>
-        </p:nvSpPr>
-        <p:spPr/>
-      </p:sp>
-      <p:sp>
-        <p:nvSpPr>
-          <p:cNvPr id="3" name="Заметки 2"/>
-          <p:cNvSpPr>
-            <a:spLocks noGrp="1"/>
-          </p:cNvSpPr>
-          <p:nvPr>
-            <p:ph type="body" idx="1"/>
-          </p:nvPr>
-        </p:nvSpPr>
-        <p:spPr/>
-        <p:txBody>
-          <a:bodyPr/>
-          <a:lstStyle/>
-          <a:p>
-            <a:endParaRPr lang="ru-RU"/>
-          </a:p>
-        </p:txBody>
-      </p:sp>
-      <p:sp>
-        <p:nvSpPr>
-          <p:cNvPr id="4" name="Номер слайда 3"/>
-          <p:cNvSpPr>
-            <a:spLocks noGrp="1"/>
-          </p:cNvSpPr>
-          <p:nvPr>
-            <p:ph type="sldNum" sz="quarter" idx="5"/>
-          </p:nvPr>
-        </p:nvSpPr>
-        <p:spPr/>
-        <p:txBody>
-          <a:bodyPr/>
-          <a:lstStyle/>
-          <a:p>
-            <a:pPr rtl="0"/>
-            <a:fld id="{DF61EA0F-A667-4B49-8422-0062BC55E249}" type="slidenum">
-              <a:rPr lang="ru-RU" smtClean="0"/>
-              <a:t>2</a:t>
-            </a:fld>
-            <a:endParaRPr lang="ru-RU"/>
-          </a:p>
-        </p:txBody>
-      </p:sp>
-    </p:spTree>
-    <p:extLst>
-      <p:ext uri="{BB962C8B-B14F-4D97-AF65-F5344CB8AC3E}">
-        <p14:creationId xmlns:p14="http://schemas.microsoft.com/office/powerpoint/2010/main" val="1653821058"/>
-      </p:ext>
-    </p:extLst>
-  </p:cSld>
-  <p:clrMapOvr>
-    <a:masterClrMapping/>
-  </p:clrMapOvr>
-</p:notes>
-</file>
-
-<file path=ppt/notesSlides/notesSlide3.xml><?xml version="1.0" encoding="utf-8"?>
-<p:notes xmlns:a="http://schemas.openxmlformats.org/drawingml/2006/main" xmlns:r="http://schemas.openxmlformats.org/officeDocument/2006/relationships" xmlns:p="http://schemas.openxmlformats.org/presentationml/2006/main">
-  <p:cSld>
-    <p:spTree>
-      <p:nvGrpSpPr>
-        <p:cNvPr id="1" name=""/>
-        <p:cNvGrpSpPr/>
-        <p:nvPr/>
-      </p:nvGrpSpPr>
-      <p:grpSpPr>
-        <a:xfrm>
-          <a:off x="0" y="0"/>
-          <a:ext cx="0" cy="0"/>
-          <a:chOff x="0" y="0"/>
-          <a:chExt cx="0" cy="0"/>
-        </a:xfrm>
-      </p:grpSpPr>
-      <p:sp>
-        <p:nvSpPr>
-          <p:cNvPr id="2" name="Образ слайда 1"/>
-          <p:cNvSpPr>
-            <a:spLocks noGrp="1" noRot="1" noChangeAspect="1"/>
-          </p:cNvSpPr>
-          <p:nvPr>
-            <p:ph type="sldImg"/>
-          </p:nvPr>
-        </p:nvSpPr>
-        <p:spPr/>
-      </p:sp>
-      <p:sp>
-        <p:nvSpPr>
-          <p:cNvPr id="3" name="Заметки 2"/>
-          <p:cNvSpPr>
-            <a:spLocks noGrp="1"/>
-          </p:cNvSpPr>
-          <p:nvPr>
-            <p:ph type="body" idx="1"/>
-          </p:nvPr>
-        </p:nvSpPr>
-        <p:spPr/>
-        <p:txBody>
-          <a:bodyPr/>
-          <a:lstStyle/>
-          <a:p>
-            <a:endParaRPr lang="ru-RU"/>
-          </a:p>
-        </p:txBody>
-      </p:sp>
-      <p:sp>
-        <p:nvSpPr>
-          <p:cNvPr id="4" name="Номер слайда 3"/>
-          <p:cNvSpPr>
-            <a:spLocks noGrp="1"/>
-          </p:cNvSpPr>
-          <p:nvPr>
-            <p:ph type="sldNum" sz="quarter" idx="5"/>
-          </p:nvPr>
-        </p:nvSpPr>
-        <p:spPr/>
-        <p:txBody>
-          <a:bodyPr/>
-          <a:lstStyle/>
-          <a:p>
-            <a:pPr rtl="0"/>
-            <a:fld id="{DF61EA0F-A667-4B49-8422-0062BC55E249}" type="slidenum">
-              <a:rPr lang="ru-RU" smtClean="0"/>
-              <a:t>3</a:t>
-            </a:fld>
-            <a:endParaRPr lang="ru-RU"/>
-          </a:p>
-        </p:txBody>
-      </p:sp>
-    </p:spTree>
-    <p:extLst>
-      <p:ext uri="{BB962C8B-B14F-4D97-AF65-F5344CB8AC3E}">
-        <p14:creationId xmlns:p14="http://schemas.microsoft.com/office/powerpoint/2010/main" val="1553538273"/>
-      </p:ext>
-    </p:extLst>
-  </p:cSld>
-  <p:clrMapOvr>
-    <a:masterClrMapping/>
-  </p:clrMapOvr>
-</p:notes>
-</file>
-
-<file path=ppt/notesSlides/notesSlide4.xml><?xml version="1.0" encoding="utf-8"?>
-<p:notes xmlns:a="http://schemas.openxmlformats.org/drawingml/2006/main" xmlns:r="http://schemas.openxmlformats.org/officeDocument/2006/relationships" xmlns:p="http://schemas.openxmlformats.org/presentationml/2006/main">
-  <p:cSld>
-    <p:spTree>
-      <p:nvGrpSpPr>
-        <p:cNvPr id="1" name=""/>
-        <p:cNvGrpSpPr/>
-        <p:nvPr/>
-      </p:nvGrpSpPr>
-      <p:grpSpPr>
-        <a:xfrm>
-          <a:off x="0" y="0"/>
-          <a:ext cx="0" cy="0"/>
-          <a:chOff x="0" y="0"/>
-          <a:chExt cx="0" cy="0"/>
-        </a:xfrm>
-      </p:grpSpPr>
-      <p:sp>
-        <p:nvSpPr>
-          <p:cNvPr id="2" name="Образ слайда 1"/>
-          <p:cNvSpPr>
-            <a:spLocks noGrp="1" noRot="1" noChangeAspect="1"/>
-          </p:cNvSpPr>
-          <p:nvPr>
-            <p:ph type="sldImg"/>
-          </p:nvPr>
-        </p:nvSpPr>
-        <p:spPr/>
-      </p:sp>
-      <p:sp>
-        <p:nvSpPr>
-          <p:cNvPr id="3" name="Заметки 2"/>
-          <p:cNvSpPr>
-            <a:spLocks noGrp="1"/>
-          </p:cNvSpPr>
-          <p:nvPr>
-            <p:ph type="body" idx="1"/>
-          </p:nvPr>
-        </p:nvSpPr>
-        <p:spPr/>
-        <p:txBody>
-          <a:bodyPr/>
-          <a:lstStyle/>
-          <a:p>
-            <a:endParaRPr lang="ru-RU"/>
-          </a:p>
-        </p:txBody>
-      </p:sp>
-      <p:sp>
-        <p:nvSpPr>
-          <p:cNvPr id="4" name="Номер слайда 3"/>
-          <p:cNvSpPr>
-            <a:spLocks noGrp="1"/>
-          </p:cNvSpPr>
-          <p:nvPr>
-            <p:ph type="sldNum" sz="quarter" idx="5"/>
-          </p:nvPr>
-        </p:nvSpPr>
-        <p:spPr/>
-        <p:txBody>
-          <a:bodyPr/>
-          <a:lstStyle/>
-          <a:p>
-            <a:pPr rtl="0"/>
-            <a:fld id="{DF61EA0F-A667-4B49-8422-0062BC55E249}" type="slidenum">
-              <a:rPr lang="ru-RU" smtClean="0"/>
-              <a:t>4</a:t>
-            </a:fld>
-            <a:endParaRPr lang="ru-RU"/>
-          </a:p>
-        </p:txBody>
-      </p:sp>
-    </p:spTree>
-    <p:extLst>
-      <p:ext uri="{BB962C8B-B14F-4D97-AF65-F5344CB8AC3E}">
-        <p14:creationId xmlns:p14="http://schemas.microsoft.com/office/powerpoint/2010/main" val="2376468564"/>
-      </p:ext>
-    </p:extLst>
-  </p:cSld>
-  <p:clrMapOvr>
-    <a:masterClrMapping/>
-  </p:clrMapOvr>
-</p:notes>
-</file>
-
-<file path=ppt/notesSlides/notesSlide5.xml><?xml version="1.0" encoding="utf-8"?>
-<p:notes xmlns:a="http://schemas.openxmlformats.org/drawingml/2006/main" xmlns:r="http://schemas.openxmlformats.org/officeDocument/2006/relationships" xmlns:p="http://schemas.openxmlformats.org/presentationml/2006/main">
-  <p:cSld>
-    <p:spTree>
-      <p:nvGrpSpPr>
-        <p:cNvPr id="1" name=""/>
-        <p:cNvGrpSpPr/>
-        <p:nvPr/>
-      </p:nvGrpSpPr>
-      <p:grpSpPr>
-        <a:xfrm>
-          <a:off x="0" y="0"/>
-          <a:ext cx="0" cy="0"/>
-          <a:chOff x="0" y="0"/>
-          <a:chExt cx="0" cy="0"/>
-        </a:xfrm>
-      </p:grpSpPr>
-      <p:sp>
-        <p:nvSpPr>
-          <p:cNvPr id="2" name="Образ слайда 1"/>
-          <p:cNvSpPr>
-            <a:spLocks noGrp="1" noRot="1" noChangeAspect="1"/>
-          </p:cNvSpPr>
-          <p:nvPr>
-            <p:ph type="sldImg"/>
-          </p:nvPr>
-        </p:nvSpPr>
-        <p:spPr/>
-      </p:sp>
-      <p:sp>
-        <p:nvSpPr>
-          <p:cNvPr id="3" name="Заметки 2"/>
-          <p:cNvSpPr>
-            <a:spLocks noGrp="1"/>
-          </p:cNvSpPr>
-          <p:nvPr>
-            <p:ph type="body" idx="1"/>
-          </p:nvPr>
-        </p:nvSpPr>
-        <p:spPr/>
-        <p:txBody>
-          <a:bodyPr/>
-          <a:lstStyle/>
-          <a:p>
-            <a:endParaRPr lang="ru-RU"/>
-          </a:p>
-        </p:txBody>
-      </p:sp>
-      <p:sp>
-        <p:nvSpPr>
-          <p:cNvPr id="4" name="Номер слайда 3"/>
-          <p:cNvSpPr>
-            <a:spLocks noGrp="1"/>
-          </p:cNvSpPr>
-          <p:nvPr>
-            <p:ph type="sldNum" sz="quarter" idx="5"/>
-          </p:nvPr>
-        </p:nvSpPr>
-        <p:spPr/>
-        <p:txBody>
-          <a:bodyPr/>
-          <a:lstStyle/>
-          <a:p>
-            <a:pPr rtl="0"/>
-            <a:fld id="{DF61EA0F-A667-4B49-8422-0062BC55E249}" type="slidenum">
-              <a:rPr lang="ru-RU" smtClean="0"/>
-              <a:t>5</a:t>
-            </a:fld>
-            <a:endParaRPr lang="ru-RU"/>
-          </a:p>
-        </p:txBody>
-      </p:sp>
-    </p:spTree>
-    <p:extLst>
-      <p:ext uri="{BB962C8B-B14F-4D97-AF65-F5344CB8AC3E}">
-        <p14:creationId xmlns:p14="http://schemas.microsoft.com/office/powerpoint/2010/main" val="2786194116"/>
-      </p:ext>
-    </p:extLst>
-  </p:cSld>
-  <p:clrMapOvr>
-    <a:masterClrMapping/>
-  </p:clrMapOvr>
-</p:notes>
-</file>
-
-<file path=ppt/notesSlides/notesSlide6.xml><?xml version="1.0" encoding="utf-8"?>
-<p:notes xmlns:a="http://schemas.openxmlformats.org/drawingml/2006/main" xmlns:r="http://schemas.openxmlformats.org/officeDocument/2006/relationships" xmlns:p="http://schemas.openxmlformats.org/presentationml/2006/main">
-  <p:cSld>
-    <p:spTree>
-      <p:nvGrpSpPr>
-        <p:cNvPr id="1" name=""/>
-        <p:cNvGrpSpPr/>
-        <p:nvPr/>
-      </p:nvGrpSpPr>
-      <p:grpSpPr>
-        <a:xfrm>
-          <a:off x="0" y="0"/>
-          <a:ext cx="0" cy="0"/>
-          <a:chOff x="0" y="0"/>
-          <a:chExt cx="0" cy="0"/>
-        </a:xfrm>
-      </p:grpSpPr>
-      <p:sp>
-        <p:nvSpPr>
-          <p:cNvPr id="2" name="Образ слайда 1"/>
-          <p:cNvSpPr>
-            <a:spLocks noGrp="1" noRot="1" noChangeAspect="1"/>
-          </p:cNvSpPr>
-          <p:nvPr>
-            <p:ph type="sldImg"/>
-          </p:nvPr>
-        </p:nvSpPr>
-        <p:spPr/>
-      </p:sp>
-      <p:sp>
-        <p:nvSpPr>
-          <p:cNvPr id="3" name="Заметки 2"/>
-          <p:cNvSpPr>
-            <a:spLocks noGrp="1"/>
-          </p:cNvSpPr>
-          <p:nvPr>
-            <p:ph type="body" idx="1"/>
-          </p:nvPr>
-        </p:nvSpPr>
-        <p:spPr/>
-        <p:txBody>
-          <a:bodyPr rtlCol="0"/>
-          <a:lstStyle/>
-          <a:p>
-            <a:pPr rtl="0"/>
-            <a:endParaRPr lang="ru-RU"/>
-          </a:p>
-        </p:txBody>
-      </p:sp>
-      <p:sp>
-        <p:nvSpPr>
-          <p:cNvPr id="4" name="Номер слайда 3"/>
-          <p:cNvSpPr>
-            <a:spLocks noGrp="1"/>
-          </p:cNvSpPr>
-          <p:nvPr>
-            <p:ph type="sldNum" sz="quarter" idx="5"/>
-          </p:nvPr>
-        </p:nvSpPr>
-        <p:spPr/>
-        <p:txBody>
-          <a:bodyPr rtlCol="0"/>
-          <a:lstStyle/>
-          <a:p>
-            <a:pPr rtl="0"/>
-            <a:fld id="{DF61EA0F-A667-4B49-8422-0062BC55E249}" type="slidenum">
-              <a:rPr lang="ru-RU" smtClean="0"/>
-              <a:t>6</a:t>
-            </a:fld>
-            <a:endParaRPr lang="ru-RU"/>
-          </a:p>
-        </p:txBody>
-      </p:sp>
-    </p:spTree>
-    <p:extLst>
-      <p:ext uri="{BB962C8B-B14F-4D97-AF65-F5344CB8AC3E}">
-        <p14:creationId xmlns:p14="http://schemas.microsoft.com/office/powerpoint/2010/main" val="3034230060"/>
-      </p:ext>
-    </p:extLst>
-  </p:cSld>
-  <p:clrMapOvr>
-    <a:masterClrMapping/>
-  </p:clrMapOvr>
-</p:notes>
-</file>
-
-<file path=ppt/notesSlides/notesSlide7.xml><?xml version="1.0" encoding="utf-8"?>
-<p:notes xmlns:a="http://schemas.openxmlformats.org/drawingml/2006/main" xmlns:r="http://schemas.openxmlformats.org/officeDocument/2006/relationships" xmlns:p="http://schemas.openxmlformats.org/presentationml/2006/main">
-  <p:cSld>
-    <p:spTree>
-      <p:nvGrpSpPr>
-        <p:cNvPr id="1" name=""/>
-        <p:cNvGrpSpPr/>
-        <p:nvPr/>
-      </p:nvGrpSpPr>
-      <p:grpSpPr>
-        <a:xfrm>
-          <a:off x="0" y="0"/>
-          <a:ext cx="0" cy="0"/>
-          <a:chOff x="0" y="0"/>
-          <a:chExt cx="0" cy="0"/>
-        </a:xfrm>
-      </p:grpSpPr>
-      <p:sp>
-        <p:nvSpPr>
-          <p:cNvPr id="2" name="Образ слайда 1"/>
-          <p:cNvSpPr>
-            <a:spLocks noGrp="1" noRot="1" noChangeAspect="1"/>
-          </p:cNvSpPr>
-          <p:nvPr>
-            <p:ph type="sldImg"/>
-          </p:nvPr>
-        </p:nvSpPr>
-        <p:spPr/>
-      </p:sp>
-      <p:sp>
-        <p:nvSpPr>
-          <p:cNvPr id="3" name="Заметки 2"/>
-          <p:cNvSpPr>
-            <a:spLocks noGrp="1"/>
-          </p:cNvSpPr>
-          <p:nvPr>
-            <p:ph type="body" idx="1"/>
-          </p:nvPr>
-        </p:nvSpPr>
-        <p:spPr/>
-        <p:txBody>
-          <a:bodyPr/>
-          <a:lstStyle/>
-          <a:p>
-            <a:endParaRPr lang="ru-RU"/>
-          </a:p>
-        </p:txBody>
-      </p:sp>
-      <p:sp>
-        <p:nvSpPr>
-          <p:cNvPr id="4" name="Номер слайда 3"/>
-          <p:cNvSpPr>
-            <a:spLocks noGrp="1"/>
-          </p:cNvSpPr>
-          <p:nvPr>
-            <p:ph type="sldNum" sz="quarter" idx="5"/>
-          </p:nvPr>
-        </p:nvSpPr>
-        <p:spPr/>
-        <p:txBody>
-          <a:bodyPr/>
-          <a:lstStyle/>
-          <a:p>
-            <a:pPr rtl="0"/>
-            <a:fld id="{DF61EA0F-A667-4B49-8422-0062BC55E249}" type="slidenum">
-              <a:rPr lang="ru-RU" smtClean="0"/>
-              <a:t>7</a:t>
-            </a:fld>
-            <a:endParaRPr lang="ru-RU"/>
-          </a:p>
-        </p:txBody>
-      </p:sp>
-    </p:spTree>
-    <p:extLst>
-      <p:ext uri="{BB962C8B-B14F-4D97-AF65-F5344CB8AC3E}">
-        <p14:creationId xmlns:p14="http://schemas.microsoft.com/office/powerpoint/2010/main" val="1342550516"/>
-      </p:ext>
-    </p:extLst>
-  </p:cSld>
-  <p:clrMapOvr>
-    <a:masterClrMapping/>
-  </p:clrMapOvr>
-</p:notes>
-</file>
-
-<file path=ppt/notesSlides/notesSlide8.xml><?xml version="1.0" encoding="utf-8"?>
-<p:notes xmlns:a="http://schemas.openxmlformats.org/drawingml/2006/main" xmlns:r="http://schemas.openxmlformats.org/officeDocument/2006/relationships" xmlns:p="http://schemas.openxmlformats.org/presentationml/2006/main">
-  <p:cSld>
-    <p:spTree>
-      <p:nvGrpSpPr>
-        <p:cNvPr id="1" name=""/>
-        <p:cNvGrpSpPr/>
-        <p:nvPr/>
-      </p:nvGrpSpPr>
-      <p:grpSpPr>
-        <a:xfrm>
-          <a:off x="0" y="0"/>
-          <a:ext cx="0" cy="0"/>
-          <a:chOff x="0" y="0"/>
-          <a:chExt cx="0" cy="0"/>
-        </a:xfrm>
-      </p:grpSpPr>
-      <p:sp>
-        <p:nvSpPr>
-          <p:cNvPr id="2" name="Образ слайда 1"/>
-          <p:cNvSpPr>
-            <a:spLocks noGrp="1" noRot="1" noChangeAspect="1"/>
-          </p:cNvSpPr>
-          <p:nvPr>
-            <p:ph type="sldImg"/>
-          </p:nvPr>
-        </p:nvSpPr>
-        <p:spPr/>
-      </p:sp>
-      <p:sp>
-        <p:nvSpPr>
-          <p:cNvPr id="3" name="Заметки 2"/>
-          <p:cNvSpPr>
-            <a:spLocks noGrp="1"/>
-          </p:cNvSpPr>
-          <p:nvPr>
-            <p:ph type="body" idx="1"/>
-          </p:nvPr>
-        </p:nvSpPr>
-        <p:spPr/>
-        <p:txBody>
-          <a:bodyPr/>
-          <a:lstStyle/>
-          <a:p>
-            <a:endParaRPr lang="ru-RU"/>
-          </a:p>
-        </p:txBody>
-      </p:sp>
-      <p:sp>
-        <p:nvSpPr>
-          <p:cNvPr id="4" name="Номер слайда 3"/>
-          <p:cNvSpPr>
-            <a:spLocks noGrp="1"/>
-          </p:cNvSpPr>
-          <p:nvPr>
-            <p:ph type="sldNum" sz="quarter" idx="5"/>
-          </p:nvPr>
-        </p:nvSpPr>
-        <p:spPr/>
-        <p:txBody>
-          <a:bodyPr/>
-          <a:lstStyle/>
-          <a:p>
-            <a:pPr rtl="0"/>
-            <a:fld id="{DF61EA0F-A667-4B49-8422-0062BC55E249}" type="slidenum">
-              <a:rPr lang="ru-RU" smtClean="0"/>
-              <a:t>8</a:t>
-            </a:fld>
-            <a:endParaRPr lang="ru-RU"/>
-          </a:p>
-        </p:txBody>
-      </p:sp>
-    </p:spTree>
-    <p:extLst>
-      <p:ext uri="{BB962C8B-B14F-4D97-AF65-F5344CB8AC3E}">
-        <p14:creationId xmlns:p14="http://schemas.microsoft.com/office/powerpoint/2010/main" val="4209592504"/>
-      </p:ext>
-    </p:extLst>
-  </p:cSld>
-  <p:clrMapOvr>
-    <a:masterClrMapping/>
-  </p:clrMapOvr>
-</p:notes>
-</file>
-
-<file path=ppt/notesSlides/notesSlide9.xml><?xml version="1.0" encoding="utf-8"?>
-<p:notes xmlns:a="http://schemas.openxmlformats.org/drawingml/2006/main" xmlns:r="http://schemas.openxmlformats.org/officeDocument/2006/relationships" xmlns:p="http://schemas.openxmlformats.org/presentationml/2006/main">
-  <p:cSld>
-    <p:spTree>
-      <p:nvGrpSpPr>
-        <p:cNvPr id="1" name=""/>
-        <p:cNvGrpSpPr/>
-        <p:nvPr/>
-      </p:nvGrpSpPr>
-      <p:grpSpPr>
-        <a:xfrm>
-          <a:off x="0" y="0"/>
-          <a:ext cx="0" cy="0"/>
-          <a:chOff x="0" y="0"/>
-          <a:chExt cx="0" cy="0"/>
-        </a:xfrm>
-      </p:grpSpPr>
-      <p:sp>
-        <p:nvSpPr>
-          <p:cNvPr id="2" name="Образ слайда 1"/>
+          <p:cNvPr id="2" name="Slide Image Placeholder 1"/>
           <p:cNvSpPr>
             <a:spLocks noGrp="1" noRot="1" noChangeAspect="1"/>
           </p:cNvSpPr>
@@ -1419,7 +810,7 @@
       </p:sp>
       <p:sp>
         <p:nvSpPr>
-          <p:cNvPr id="3" name="Заметки 2"/>
+          <p:cNvPr id="3" name="Notes Placeholder 2"/>
           <p:cNvSpPr>
             <a:spLocks noGrp="1"/>
           </p:cNvSpPr>
@@ -1429,17 +820,24 @@
         </p:nvSpPr>
         <p:spPr/>
         <p:txBody>
-          <a:bodyPr rtlCol="0"/>
+          <a:bodyPr/>
           <a:lstStyle/>
           <a:p>
-            <a:pPr rtl="0"/>
-            <a:endParaRPr lang="ru-RU"/>
+            <a:r>
+              <a:rPr lang="en-US" dirty="0"/>
+              <a:t>In </a:t>
+            </a:r>
+            <a:r>
+              <a:rPr lang="en-US" baseline="0" dirty="0"/>
+              <a:t>Slide Show mode, select the arrows to visit links.</a:t>
+            </a:r>
+            <a:endParaRPr lang="en-US" dirty="0"/>
           </a:p>
         </p:txBody>
       </p:sp>
       <p:sp>
         <p:nvSpPr>
-          <p:cNvPr id="4" name="Номер слайда 3"/>
+          <p:cNvPr id="4" name="Slide Number Placeholder 3"/>
           <p:cNvSpPr>
             <a:spLocks noGrp="1"/>
           </p:cNvSpPr>
@@ -1449,15 +847,14 @@
         </p:nvSpPr>
         <p:spPr/>
         <p:txBody>
-          <a:bodyPr rtlCol="0"/>
+          <a:bodyPr/>
           <a:lstStyle/>
           <a:p>
-            <a:pPr rtl="0"/>
             <a:fld id="{DF61EA0F-A667-4B49-8422-0062BC55E249}" type="slidenum">
-              <a:rPr lang="ru-RU" smtClean="0"/>
+              <a:rPr lang="en-US" smtClean="0"/>
               <a:t>9</a:t>
             </a:fld>
-            <a:endParaRPr lang="ru-RU"/>
+            <a:endParaRPr lang="en-US" dirty="0"/>
           </a:p>
         </p:txBody>
       </p:sp>
@@ -1476,7 +873,7 @@
 
 <file path=ppt/slideLayouts/slideLayout1.xml><?xml version="1.0" encoding="utf-8"?>
 <p:sldLayout xmlns:a="http://schemas.openxmlformats.org/drawingml/2006/main" xmlns:r="http://schemas.openxmlformats.org/officeDocument/2006/relationships" xmlns:p="http://schemas.openxmlformats.org/presentationml/2006/main" preserve="1" userDrawn="1">
-  <p:cSld name="Титульный слайд">
+  <p:cSld name="Title Slide">
     <p:spTree>
       <p:nvGrpSpPr>
         <p:cNvPr id="1" name=""/>
@@ -1493,7 +890,7 @@
       </p:grpSpPr>
       <p:sp>
         <p:nvSpPr>
-          <p:cNvPr id="7" name="Прямоугольник 6"/>
+          <p:cNvPr id="7" name="Rectangle 6"/>
           <p:cNvSpPr/>
           <p:nvPr userDrawn="1"/>
         </p:nvSpPr>
@@ -1532,14 +929,14 @@
           <a:bodyPr rtlCol="0" anchor="ctr"/>
           <a:lstStyle/>
           <a:p>
-            <a:pPr algn="ctr" rtl="0"/>
-            <a:endParaRPr lang="ru-RU" sz="1800" noProof="0"/>
+            <a:pPr algn="ctr"/>
+            <a:endParaRPr lang="en-US" sz="1800" dirty="0"/>
           </a:p>
         </p:txBody>
       </p:sp>
       <p:sp>
         <p:nvSpPr>
-          <p:cNvPr id="2" name="Заголовок 1"/>
+          <p:cNvPr id="2" name="Title 1"/>
           <p:cNvSpPr>
             <a:spLocks noGrp="1"/>
           </p:cNvSpPr>
@@ -1549,15 +946,14 @@
         </p:nvSpPr>
         <p:spPr/>
         <p:txBody>
-          <a:bodyPr rtlCol="0"/>
+          <a:bodyPr/>
           <a:lstStyle/>
           <a:p>
-            <a:pPr rtl="0"/>
-            <a:r>
-              <a:rPr lang="en-US" noProof="0"/>
+            <a:r>
+              <a:rPr lang="en-US"/>
               <a:t>Click to edit Master title style</a:t>
             </a:r>
-            <a:endParaRPr lang="ru-RU" noProof="0"/>
+            <a:endParaRPr lang="en-US" dirty="0"/>
           </a:p>
         </p:txBody>
       </p:sp>
@@ -1576,7 +972,7 @@
 
 <file path=ppt/slideLayouts/slideLayout2.xml><?xml version="1.0" encoding="utf-8"?>
 <p:sldLayout xmlns:a="http://schemas.openxmlformats.org/drawingml/2006/main" xmlns:r="http://schemas.openxmlformats.org/officeDocument/2006/relationships" xmlns:p="http://schemas.openxmlformats.org/presentationml/2006/main" preserve="1" userDrawn="1">
-  <p:cSld name="Заголовок и объект">
+  <p:cSld name="Title and Content">
     <p:spTree>
       <p:nvGrpSpPr>
         <p:cNvPr id="1" name=""/>
@@ -1593,7 +989,7 @@
       </p:grpSpPr>
       <p:sp>
         <p:nvSpPr>
-          <p:cNvPr id="9" name="Прямоугольник 8"/>
+          <p:cNvPr id="9" name="Rectangle 8"/>
           <p:cNvSpPr/>
           <p:nvPr userDrawn="1"/>
         </p:nvSpPr>
@@ -1632,14 +1028,14 @@
           <a:bodyPr rtlCol="0" anchor="b" anchorCtr="0"/>
           <a:lstStyle/>
           <a:p>
-            <a:pPr algn="ctr" rtl="0"/>
-            <a:endParaRPr lang="ru-RU" sz="1800" noProof="0"/>
+            <a:pPr algn="ctr"/>
+            <a:endParaRPr lang="en-US" sz="1800" dirty="0"/>
           </a:p>
         </p:txBody>
       </p:sp>
       <p:cxnSp>
         <p:nvCxnSpPr>
-          <p:cNvPr id="12" name="Прямая соединительная линия 11"/>
+          <p:cNvPr id="12" name="Straight Connector 11"/>
           <p:cNvCxnSpPr/>
           <p:nvPr userDrawn="1"/>
         </p:nvCxnSpPr>
@@ -1674,7 +1070,7 @@
       </p:cxnSp>
       <p:sp>
         <p:nvSpPr>
-          <p:cNvPr id="4" name="Заголовок 3"/>
+          <p:cNvPr id="4" name="Title 3"/>
           <p:cNvSpPr>
             <a:spLocks noGrp="1"/>
           </p:cNvSpPr>
@@ -1689,7 +1085,7 @@
           </a:xfrm>
         </p:spPr>
         <p:txBody>
-          <a:bodyPr rtlCol="0" anchor="b" anchorCtr="0">
+          <a:bodyPr anchor="b" anchorCtr="0">
             <a:normAutofit/>
           </a:bodyPr>
           <a:lstStyle>
@@ -1704,23 +1100,22 @@
             </a:lvl1pPr>
           </a:lstStyle>
           <a:p>
-            <a:pPr rtl="0"/>
-            <a:r>
-              <a:rPr lang="en-US" noProof="0"/>
+            <a:r>
+              <a:rPr lang="en-US"/>
               <a:t>Click to edit Master title style</a:t>
             </a:r>
-            <a:endParaRPr lang="ru-RU" noProof="0"/>
+            <a:endParaRPr lang="en-US" dirty="0"/>
           </a:p>
         </p:txBody>
       </p:sp>
       <p:sp>
         <p:nvSpPr>
-          <p:cNvPr id="3" name="Объект 2"/>
+          <p:cNvPr id="3" name="Content Placeholder 2"/>
           <p:cNvSpPr>
             <a:spLocks noGrp="1"/>
           </p:cNvSpPr>
           <p:nvPr>
-            <p:ph sz="quarter" idx="10" hasCustomPrompt="1"/>
+            <p:ph sz="quarter" idx="10"/>
           </p:nvPr>
         </p:nvSpPr>
         <p:spPr>
@@ -1786,7 +1181,7 @@
             </a:lvl5pPr>
           </a:lstStyle>
           <a:p>
-            <a:pPr marL="0" lvl="0" indent="0" rtl="0">
+            <a:pPr marL="0" lvl="0" indent="0">
               <a:lnSpc>
                 <a:spcPct val="150000"/>
               </a:lnSpc>
@@ -1799,12 +1194,12 @@
               <a:buNone/>
             </a:pPr>
             <a:r>
-              <a:rPr lang="ru-RU" noProof="0"/>
-              <a:t>Щелкните, чтобы изменить стили текста образца слайда</a:t>
+              <a:rPr lang="en-US"/>
+              <a:t>Click to edit Master text styles</a:t>
             </a:r>
           </a:p>
           <a:p>
-            <a:pPr marL="0" lvl="1" indent="0" rtl="0">
+            <a:pPr marL="0" lvl="1" indent="0">
               <a:lnSpc>
                 <a:spcPct val="150000"/>
               </a:lnSpc>
@@ -1817,12 +1212,12 @@
               <a:buNone/>
             </a:pPr>
             <a:r>
-              <a:rPr lang="ru-RU" noProof="0"/>
-              <a:t>Второй уровень</a:t>
+              <a:rPr lang="en-US"/>
+              <a:t>Second level</a:t>
             </a:r>
           </a:p>
           <a:p>
-            <a:pPr marL="0" lvl="2" indent="0" rtl="0">
+            <a:pPr marL="0" lvl="2" indent="0">
               <a:lnSpc>
                 <a:spcPct val="150000"/>
               </a:lnSpc>
@@ -1835,12 +1230,12 @@
               <a:buNone/>
             </a:pPr>
             <a:r>
-              <a:rPr lang="ru-RU" noProof="0"/>
-              <a:t>Третий уровень</a:t>
+              <a:rPr lang="en-US"/>
+              <a:t>Third level</a:t>
             </a:r>
           </a:p>
           <a:p>
-            <a:pPr marL="0" lvl="3" indent="0" rtl="0">
+            <a:pPr marL="0" lvl="3" indent="0">
               <a:lnSpc>
                 <a:spcPct val="150000"/>
               </a:lnSpc>
@@ -1853,12 +1248,12 @@
               <a:buNone/>
             </a:pPr>
             <a:r>
-              <a:rPr lang="ru-RU" noProof="0"/>
-              <a:t>Четвертый уровень</a:t>
+              <a:rPr lang="en-US"/>
+              <a:t>Fourth level</a:t>
             </a:r>
           </a:p>
           <a:p>
-            <a:pPr marL="0" lvl="4" indent="0" rtl="0">
+            <a:pPr marL="0" lvl="4" indent="0">
               <a:lnSpc>
                 <a:spcPct val="150000"/>
               </a:lnSpc>
@@ -1871,15 +1266,16 @@
               <a:buNone/>
             </a:pPr>
             <a:r>
-              <a:rPr lang="ru-RU" noProof="0"/>
-              <a:t>Пятый уровень</a:t>
-            </a:r>
+              <a:rPr lang="en-US"/>
+              <a:t>Fifth level</a:t>
+            </a:r>
+            <a:endParaRPr lang="en-US" dirty="0"/>
           </a:p>
         </p:txBody>
       </p:sp>
       <p:sp>
         <p:nvSpPr>
-          <p:cNvPr id="6" name="Дата 3"/>
+          <p:cNvPr id="6" name="Date Placeholder 3"/>
           <p:cNvSpPr>
             <a:spLocks noGrp="1"/>
           </p:cNvSpPr>
@@ -1911,18 +1307,18 @@
             </a:lvl1pPr>
           </a:lstStyle>
           <a:p>
-            <a:pPr rtl="0"/>
-            <a:fld id="{94BFA7FF-3CFD-4CAD-BB9E-67BC1F4C890D}" type="datetime1">
-              <a:rPr lang="ru-RU" noProof="0" smtClean="0"/>
-              <a:t>17.03.2025</a:t>
+            <a:fld id="{8BEEBAAA-29B5-4AF5-BC5F-7E580C29002D}" type="datetimeFigureOut">
+              <a:rPr lang="en-US" smtClean="0"/>
+              <a:pPr/>
+              <a:t>3/3/2020</a:t>
             </a:fld>
-            <a:endParaRPr lang="ru-RU" noProof="0"/>
+            <a:endParaRPr lang="en-US" dirty="0"/>
           </a:p>
         </p:txBody>
       </p:sp>
       <p:sp>
         <p:nvSpPr>
-          <p:cNvPr id="7" name="Нижний колонтитул 4"/>
+          <p:cNvPr id="7" name="Footer Placeholder 4"/>
           <p:cNvSpPr>
             <a:spLocks noGrp="1"/>
           </p:cNvSpPr>
@@ -1954,14 +1350,13 @@
             </a:lvl1pPr>
           </a:lstStyle>
           <a:p>
-            <a:pPr rtl="0"/>
-            <a:endParaRPr lang="ru-RU" noProof="0"/>
+            <a:endParaRPr lang="en-US" dirty="0"/>
           </a:p>
         </p:txBody>
       </p:sp>
       <p:sp>
         <p:nvSpPr>
-          <p:cNvPr id="8" name="Номер слайда 5"/>
+          <p:cNvPr id="8" name="Slide Number Placeholder 5"/>
           <p:cNvSpPr>
             <a:spLocks noGrp="1"/>
           </p:cNvSpPr>
@@ -1993,13 +1388,12 @@
             </a:lvl1pPr>
           </a:lstStyle>
           <a:p>
-            <a:pPr rtl="0"/>
             <a:fld id="{9860EDB8-5305-433F-BE41-D7A86D811DB3}" type="slidenum">
-              <a:rPr lang="ru-RU" noProof="0" smtClean="0"/>
+              <a:rPr lang="en-US" smtClean="0"/>
               <a:pPr/>
               <a:t>‹#›</a:t>
             </a:fld>
-            <a:endParaRPr lang="ru-RU" noProof="0"/>
+            <a:endParaRPr lang="en-US" dirty="0"/>
           </a:p>
         </p:txBody>
       </p:sp>
@@ -2018,7 +1412,7 @@
 
 <file path=ppt/slideLayouts/slideLayout3.xml><?xml version="1.0" encoding="utf-8"?>
 <p:sldLayout xmlns:a="http://schemas.openxmlformats.org/drawingml/2006/main" xmlns:r="http://schemas.openxmlformats.org/officeDocument/2006/relationships" xmlns:p="http://schemas.openxmlformats.org/presentationml/2006/main" preserve="1" userDrawn="1">
-  <p:cSld name="Заголовок раздела">
+  <p:cSld name="Section Header">
     <p:spTree>
       <p:nvGrpSpPr>
         <p:cNvPr id="1" name=""/>
@@ -2035,7 +1429,7 @@
       </p:grpSpPr>
       <p:sp>
         <p:nvSpPr>
-          <p:cNvPr id="9" name="Прямоугольник 8"/>
+          <p:cNvPr id="9" name="Rectangle 8"/>
           <p:cNvSpPr/>
           <p:nvPr userDrawn="1"/>
         </p:nvSpPr>
@@ -2074,14 +1468,14 @@
           <a:bodyPr rtlCol="0" anchor="ctr"/>
           <a:lstStyle/>
           <a:p>
-            <a:pPr algn="ctr" rtl="0"/>
-            <a:endParaRPr lang="ru-RU" sz="1800" noProof="0"/>
+            <a:pPr algn="ctr"/>
+            <a:endParaRPr lang="en-US" sz="1800" dirty="0"/>
           </a:p>
         </p:txBody>
       </p:sp>
       <p:sp>
         <p:nvSpPr>
-          <p:cNvPr id="10" name="Прямоугольник 9"/>
+          <p:cNvPr id="10" name="Rectangle 9"/>
           <p:cNvSpPr/>
           <p:nvPr userDrawn="1"/>
         </p:nvSpPr>
@@ -2120,14 +1514,14 @@
           <a:bodyPr rtlCol="0" anchor="ctr"/>
           <a:lstStyle/>
           <a:p>
-            <a:pPr algn="ctr" rtl="0"/>
-            <a:endParaRPr lang="ru-RU" sz="1800" noProof="0"/>
+            <a:pPr algn="ctr"/>
+            <a:endParaRPr lang="en-US" sz="1800" dirty="0"/>
           </a:p>
         </p:txBody>
       </p:sp>
       <p:sp>
         <p:nvSpPr>
-          <p:cNvPr id="2" name="Заголовок 1"/>
+          <p:cNvPr id="2" name="Title 1"/>
           <p:cNvSpPr>
             <a:spLocks noGrp="1"/>
           </p:cNvSpPr>
@@ -2142,7 +1536,7 @@
           </a:xfrm>
         </p:spPr>
         <p:txBody>
-          <a:bodyPr rtlCol="0">
+          <a:bodyPr>
             <a:normAutofit/>
           </a:bodyPr>
           <a:lstStyle>
@@ -2155,23 +1549,22 @@
             </a:lvl1pPr>
           </a:lstStyle>
           <a:p>
-            <a:pPr rtl="0"/>
-            <a:r>
-              <a:rPr lang="en-US" noProof="0"/>
+            <a:r>
+              <a:rPr lang="en-US"/>
               <a:t>Click to edit Master title style</a:t>
             </a:r>
-            <a:endParaRPr lang="ru-RU" noProof="0"/>
+            <a:endParaRPr lang="en-US" dirty="0"/>
           </a:p>
         </p:txBody>
       </p:sp>
       <p:sp>
         <p:nvSpPr>
-          <p:cNvPr id="7" name="Объект 6"/>
+          <p:cNvPr id="7" name="Content Placeholder 6"/>
           <p:cNvSpPr>
             <a:spLocks noGrp="1"/>
           </p:cNvSpPr>
           <p:nvPr>
-            <p:ph sz="quarter" idx="13" hasCustomPrompt="1"/>
+            <p:ph sz="quarter" idx="13"/>
           </p:nvPr>
         </p:nvSpPr>
         <p:spPr>
@@ -2238,7 +1631,7 @@
             </a:lvl5pPr>
           </a:lstStyle>
           <a:p>
-            <a:pPr marL="0" lvl="0" indent="0" rtl="0">
+            <a:pPr marL="0" lvl="0" indent="0">
               <a:lnSpc>
                 <a:spcPct val="150000"/>
               </a:lnSpc>
@@ -2251,12 +1644,12 @@
               <a:buNone/>
             </a:pPr>
             <a:r>
-              <a:rPr lang="ru-RU" noProof="0"/>
-              <a:t>Щелкните, чтобы изменить стили текста образца слайда</a:t>
+              <a:rPr lang="en-US"/>
+              <a:t>Click to edit Master text styles</a:t>
             </a:r>
           </a:p>
           <a:p>
-            <a:pPr marL="0" lvl="1" indent="0" rtl="0">
+            <a:pPr marL="0" lvl="1" indent="0">
               <a:lnSpc>
                 <a:spcPct val="150000"/>
               </a:lnSpc>
@@ -2269,12 +1662,12 @@
               <a:buNone/>
             </a:pPr>
             <a:r>
-              <a:rPr lang="ru-RU" noProof="0"/>
-              <a:t>Второй уровень</a:t>
+              <a:rPr lang="en-US"/>
+              <a:t>Second level</a:t>
             </a:r>
           </a:p>
           <a:p>
-            <a:pPr marL="0" lvl="2" indent="0" rtl="0">
+            <a:pPr marL="0" lvl="2" indent="0">
               <a:lnSpc>
                 <a:spcPct val="150000"/>
               </a:lnSpc>
@@ -2287,12 +1680,12 @@
               <a:buNone/>
             </a:pPr>
             <a:r>
-              <a:rPr lang="ru-RU" noProof="0"/>
-              <a:t>Третий уровень</a:t>
+              <a:rPr lang="en-US"/>
+              <a:t>Third level</a:t>
             </a:r>
           </a:p>
           <a:p>
-            <a:pPr marL="0" lvl="3" indent="0" rtl="0">
+            <a:pPr marL="0" lvl="3" indent="0">
               <a:lnSpc>
                 <a:spcPct val="150000"/>
               </a:lnSpc>
@@ -2305,12 +1698,12 @@
               <a:buNone/>
             </a:pPr>
             <a:r>
-              <a:rPr lang="ru-RU" noProof="0"/>
-              <a:t>Четвертый уровень</a:t>
+              <a:rPr lang="en-US"/>
+              <a:t>Fourth level</a:t>
             </a:r>
           </a:p>
           <a:p>
-            <a:pPr marL="0" lvl="4" indent="0" rtl="0">
+            <a:pPr marL="0" lvl="4" indent="0">
               <a:lnSpc>
                 <a:spcPct val="150000"/>
               </a:lnSpc>
@@ -2323,9 +1716,10 @@
               <a:buNone/>
             </a:pPr>
             <a:r>
-              <a:rPr lang="ru-RU" noProof="0"/>
-              <a:t>Пятый уровень</a:t>
-            </a:r>
+              <a:rPr lang="en-US"/>
+              <a:t>Fifth level</a:t>
+            </a:r>
+            <a:endParaRPr lang="en-US" dirty="0"/>
           </a:p>
         </p:txBody>
       </p:sp>
@@ -2366,7 +1760,7 @@
       </p:grpSpPr>
       <p:sp>
         <p:nvSpPr>
-          <p:cNvPr id="7" name="Прямоугольник 6"/>
+          <p:cNvPr id="7" name="Rectangle 6"/>
           <p:cNvSpPr/>
           <p:nvPr userDrawn="1"/>
         </p:nvSpPr>
@@ -2405,14 +1799,14 @@
           <a:bodyPr rtlCol="0" anchor="b" anchorCtr="0"/>
           <a:lstStyle/>
           <a:p>
-            <a:pPr algn="ctr" rtl="0"/>
-            <a:endParaRPr lang="ru-RU" sz="1800" noProof="0"/>
+            <a:pPr algn="ctr"/>
+            <a:endParaRPr lang="en-US" sz="1800" dirty="0"/>
           </a:p>
         </p:txBody>
       </p:sp>
       <p:sp>
         <p:nvSpPr>
-          <p:cNvPr id="2" name="Заголовок 1"/>
+          <p:cNvPr id="2" name="Title Placeholder 1"/>
           <p:cNvSpPr>
             <a:spLocks noGrp="1"/>
           </p:cNvSpPr>
@@ -2435,17 +1829,17 @@
           </a:bodyPr>
           <a:lstStyle/>
           <a:p>
-            <a:pPr rtl="0"/>
-            <a:r>
-              <a:rPr lang="ru-RU" noProof="0"/>
-              <a:t>Образец заголовка</a:t>
-            </a:r>
+            <a:r>
+              <a:rPr lang="en-US"/>
+              <a:t>Click to edit Master title style</a:t>
+            </a:r>
+            <a:endParaRPr lang="en-US" dirty="0"/>
           </a:p>
         </p:txBody>
       </p:sp>
       <p:sp>
         <p:nvSpPr>
-          <p:cNvPr id="3" name="Текст 2"/>
+          <p:cNvPr id="3" name="Text Placeholder 2"/>
           <p:cNvSpPr>
             <a:spLocks noGrp="1"/>
           </p:cNvSpPr>
@@ -2468,45 +1862,46 @@
           </a:bodyPr>
           <a:lstStyle/>
           <a:p>
-            <a:pPr lvl="0" rtl="0"/>
-            <a:r>
-              <a:rPr lang="ru-RU" noProof="0"/>
-              <a:t>Щелкните, чтобы изменить стили текста образца слайда</a:t>
+            <a:pPr lvl="0"/>
+            <a:r>
+              <a:rPr lang="en-US"/>
+              <a:t>Click to edit Master text styles</a:t>
             </a:r>
           </a:p>
           <a:p>
-            <a:pPr lvl="1" rtl="0"/>
-            <a:r>
-              <a:rPr lang="ru-RU" noProof="0"/>
-              <a:t>Второй уровень</a:t>
+            <a:pPr lvl="1"/>
+            <a:r>
+              <a:rPr lang="en-US"/>
+              <a:t>Second level</a:t>
             </a:r>
           </a:p>
           <a:p>
-            <a:pPr lvl="2" rtl="0"/>
-            <a:r>
-              <a:rPr lang="ru-RU" noProof="0"/>
-              <a:t>Третий уровень</a:t>
+            <a:pPr lvl="2"/>
+            <a:r>
+              <a:rPr lang="en-US"/>
+              <a:t>Third level</a:t>
             </a:r>
           </a:p>
           <a:p>
-            <a:pPr lvl="3" rtl="0"/>
-            <a:r>
-              <a:rPr lang="ru-RU" noProof="0"/>
-              <a:t>Четвертый уровень</a:t>
+            <a:pPr lvl="3"/>
+            <a:r>
+              <a:rPr lang="en-US"/>
+              <a:t>Fourth level</a:t>
             </a:r>
           </a:p>
           <a:p>
-            <a:pPr lvl="4" rtl="0"/>
-            <a:r>
-              <a:rPr lang="ru-RU" noProof="0"/>
-              <a:t>Пятый уровень</a:t>
-            </a:r>
+            <a:pPr lvl="4"/>
+            <a:r>
+              <a:rPr lang="en-US"/>
+              <a:t>Fifth level</a:t>
+            </a:r>
+            <a:endParaRPr lang="en-US" dirty="0"/>
           </a:p>
         </p:txBody>
       </p:sp>
       <p:sp>
         <p:nvSpPr>
-          <p:cNvPr id="4" name="Дата 3"/>
+          <p:cNvPr id="4" name="Date Placeholder 3"/>
           <p:cNvSpPr>
             <a:spLocks noGrp="1"/>
           </p:cNvSpPr>
@@ -2538,18 +1933,18 @@
             </a:lvl1pPr>
           </a:lstStyle>
           <a:p>
-            <a:pPr rtl="0"/>
-            <a:fld id="{0E309820-F966-41D6-9A9E-F094402396DD}" type="datetime1">
-              <a:rPr lang="ru-RU" noProof="0" smtClean="0"/>
-              <a:t>17.03.2025</a:t>
+            <a:fld id="{8BEEBAAA-29B5-4AF5-BC5F-7E580C29002D}" type="datetimeFigureOut">
+              <a:rPr lang="en-US" smtClean="0"/>
+              <a:pPr/>
+              <a:t>3/3/2020</a:t>
             </a:fld>
-            <a:endParaRPr lang="ru-RU" noProof="0" dirty="0"/>
+            <a:endParaRPr lang="en-US" dirty="0"/>
           </a:p>
         </p:txBody>
       </p:sp>
       <p:sp>
         <p:nvSpPr>
-          <p:cNvPr id="5" name="Нижний колонтитул 4"/>
+          <p:cNvPr id="5" name="Footer Placeholder 4"/>
           <p:cNvSpPr>
             <a:spLocks noGrp="1"/>
           </p:cNvSpPr>
@@ -2581,14 +1976,13 @@
             </a:lvl1pPr>
           </a:lstStyle>
           <a:p>
-            <a:pPr rtl="0"/>
-            <a:endParaRPr lang="ru-RU" noProof="0"/>
+            <a:endParaRPr lang="en-US" dirty="0"/>
           </a:p>
         </p:txBody>
       </p:sp>
       <p:sp>
         <p:nvSpPr>
-          <p:cNvPr id="6" name="Номер слайда 5"/>
+          <p:cNvPr id="6" name="Slide Number Placeholder 5"/>
           <p:cNvSpPr>
             <a:spLocks noGrp="1"/>
           </p:cNvSpPr>
@@ -2620,19 +2014,18 @@
             </a:lvl1pPr>
           </a:lstStyle>
           <a:p>
-            <a:pPr rtl="0"/>
             <a:fld id="{9860EDB8-5305-433F-BE41-D7A86D811DB3}" type="slidenum">
-              <a:rPr lang="ru-RU" noProof="0" smtClean="0"/>
+              <a:rPr lang="en-US" smtClean="0"/>
               <a:pPr/>
               <a:t>‹#›</a:t>
             </a:fld>
-            <a:endParaRPr lang="ru-RU" noProof="0"/>
+            <a:endParaRPr lang="en-US" dirty="0"/>
           </a:p>
         </p:txBody>
       </p:sp>
       <p:cxnSp>
         <p:nvCxnSpPr>
-          <p:cNvPr id="8" name="Прямая соединительная линия 7"/>
+          <p:cNvPr id="8" name="Straight Connector 7"/>
           <p:cNvCxnSpPr/>
           <p:nvPr userDrawn="1"/>
         </p:nvCxnSpPr>
@@ -2678,7 +2071,6 @@
     <p:sldLayoutId id="2147483662" r:id="rId2"/>
     <p:sldLayoutId id="2147483663" r:id="rId3"/>
   </p:sldLayoutIdLst>
-  <p:hf sldNum="0" hdr="0" ftr="0" dt="0"/>
   <p:txStyles>
     <p:titleStyle>
       <a:lvl1pPr algn="l" defTabSz="914400" rtl="0" eaLnBrk="1" latinLnBrk="0" hangingPunct="1">
@@ -3002,7 +2394,7 @@
       </p:grpSpPr>
       <p:sp>
         <p:nvSpPr>
-          <p:cNvPr id="2" name="Заголовок 1"/>
+          <p:cNvPr id="2" name="Title 1"/>
           <p:cNvSpPr>
             <a:spLocks noGrp="1"/>
           </p:cNvSpPr>
@@ -3017,26 +2409,25 @@
           </a:xfrm>
         </p:spPr>
         <p:txBody>
-          <a:bodyPr rtlCol="0" anchor="ctr" anchorCtr="0">
+          <a:bodyPr anchor="ctr" anchorCtr="0">
             <a:normAutofit/>
           </a:bodyPr>
           <a:lstStyle/>
           <a:p>
-            <a:pPr rtl="0"/>
-            <a:r>
-              <a:rPr lang="ru-RU" sz="4800" dirty="0">
+            <a:r>
+              <a:rPr lang="en-US" sz="4800" dirty="0">
                 <a:solidFill>
                   <a:schemeClr val="bg1"/>
                 </a:solidFill>
               </a:rPr>
-              <a:t>Добро пожаловать в PowerPoint!</a:t>
+              <a:t>Welcome to PowerPoint</a:t>
             </a:r>
           </a:p>
         </p:txBody>
       </p:sp>
       <p:sp>
         <p:nvSpPr>
-          <p:cNvPr id="3" name="Подзаголовок 2"/>
+          <p:cNvPr id="3" name="Subtitle 2"/>
           <p:cNvSpPr>
             <a:spLocks noGrp="1"/>
           </p:cNvSpPr>
@@ -3051,43 +2442,50 @@
           </a:xfrm>
         </p:spPr>
         <p:txBody>
-          <a:bodyPr rtlCol="0">
+          <a:bodyPr>
             <a:normAutofit/>
           </a:bodyPr>
           <a:lstStyle/>
           <a:p>
-            <a:pPr marL="0" indent="0" rtl="0">
+            <a:pPr marL="0" indent="0">
               <a:buNone/>
             </a:pPr>
             <a:r>
-              <a:rPr lang="ru-RU" sz="2400" dirty="0">
+              <a:rPr lang="en-US" sz="2400" dirty="0">
                 <a:solidFill>
                   <a:schemeClr val="bg1"/>
                 </a:solidFill>
                 <a:latin typeface="+mj-lt"/>
               </a:rPr>
-              <a:t>5 советов, которые помогут вам упростить работу</a:t>
+              <a:t>5 tips for a simpler way to work</a:t>
             </a:r>
           </a:p>
         </p:txBody>
       </p:sp>
       <p:pic>
         <p:nvPicPr>
-          <p:cNvPr id="4" name="Рисунок 3" descr="Значок программы PowerPoint"/>
+          <p:cNvPr id="4" name="Picture 3" descr="PowerPoint logo"/>
           <p:cNvPicPr>
             <a:picLocks noChangeAspect="1"/>
           </p:cNvPicPr>
           <p:nvPr/>
         </p:nvPicPr>
         <p:blipFill>
-          <a:blip r:embed="rId3"/>
-          <a:srcRect/>
-          <a:stretch/>
+          <a:blip r:embed="rId3" cstate="print">
+            <a:extLst>
+              <a:ext uri="{28A0092B-C50C-407E-A947-70E740481C1C}">
+                <a14:useLocalDpi xmlns:a14="http://schemas.microsoft.com/office/drawing/2010/main" val="0"/>
+              </a:ext>
+            </a:extLst>
+          </a:blip>
+          <a:stretch>
+            <a:fillRect/>
+          </a:stretch>
         </p:blipFill>
         <p:spPr bwMode="invGray">
           <a:xfrm>
-            <a:off x="670216" y="5193062"/>
-            <a:ext cx="822960" cy="822960"/>
+            <a:off x="907283" y="5209538"/>
+            <a:ext cx="2474189" cy="822960"/>
           </a:xfrm>
           <a:prstGeom prst="rect">
             <a:avLst/>
@@ -3126,7 +2524,7 @@
       </p:grpSpPr>
       <p:sp>
         <p:nvSpPr>
-          <p:cNvPr id="8" name="Заголовок 7"/>
+          <p:cNvPr id="8" name="Title 7"/>
           <p:cNvSpPr>
             <a:spLocks noGrp="1"/>
           </p:cNvSpPr>
@@ -3134,32 +2532,56 @@
             <p:ph type="title"/>
           </p:nvPr>
         </p:nvSpPr>
-        <p:spPr>
-          <a:xfrm>
-            <a:off x="521207" y="448056"/>
-            <a:ext cx="11365993" cy="640080"/>
-          </a:xfrm>
-        </p:spPr>
+        <p:spPr/>
         <p:txBody>
-          <a:bodyPr rtlCol="0">
+          <a:bodyPr>
             <a:noAutofit/>
           </a:bodyPr>
           <a:lstStyle/>
           <a:p>
-            <a:pPr rtl="0"/>
-            <a:r>
-              <a:rPr lang="ru-RU">
+            <a:r>
+              <a:rPr lang="en-US" dirty="0">
                 <a:latin typeface="Segoe UI Light" panose="020B0502040204020203" pitchFamily="34" charset="0"/>
                 <a:cs typeface="Segoe UI Light" panose="020B0502040204020203" pitchFamily="34" charset="0"/>
               </a:rPr>
-              <a:t>Конструктор поможет убедительно представить свои идеи</a:t>
+              <a:t>Designer helps you get your point across</a:t>
             </a:r>
           </a:p>
         </p:txBody>
       </p:sp>
+      <p:pic>
+        <p:nvPicPr>
+          <p:cNvPr id="5" name="Picture 4" descr="Design ideas pane showing different design options"/>
+          <p:cNvPicPr>
+            <a:picLocks noChangeAspect="1"/>
+          </p:cNvPicPr>
+          <p:nvPr/>
+        </p:nvPicPr>
+        <p:blipFill>
+          <a:blip r:embed="rId2" cstate="print">
+            <a:extLst>
+              <a:ext uri="{28A0092B-C50C-407E-A947-70E740481C1C}">
+                <a14:useLocalDpi xmlns:a14="http://schemas.microsoft.com/office/drawing/2010/main" val="0"/>
+              </a:ext>
+            </a:extLst>
+          </a:blip>
+          <a:stretch>
+            <a:fillRect/>
+          </a:stretch>
+        </p:blipFill>
+        <p:spPr>
+          <a:xfrm>
+            <a:off x="2963333" y="1385113"/>
+            <a:ext cx="8525933" cy="4577621"/>
+          </a:xfrm>
+          <a:prstGeom prst="rect">
+            <a:avLst/>
+          </a:prstGeom>
+        </p:spPr>
+      </p:pic>
       <p:sp>
         <p:nvSpPr>
-          <p:cNvPr id="38" name="Объект 17"/>
+          <p:cNvPr id="38" name="Content Placeholder 17"/>
           <p:cNvSpPr txBox="1">
             <a:spLocks/>
           </p:cNvSpPr>
@@ -3373,7 +2795,7 @@
             </a:lvl9pPr>
           </a:lstStyle>
           <a:p>
-            <a:pPr marL="0" lvl="0" indent="0" rtl="0">
+            <a:pPr marL="0" lvl="0" indent="0">
               <a:spcAft>
                 <a:spcPts val="600"/>
               </a:spcAft>
@@ -3381,15 +2803,15 @@
               <a:defRPr/>
             </a:pPr>
             <a:r>
-              <a:rPr lang="ru-RU" sz="1100" dirty="0">
+              <a:rPr lang="en-US" dirty="0">
                 <a:latin typeface="Segoe UI" panose="020B0502040204020203" pitchFamily="34" charset="0"/>
                 <a:cs typeface="Segoe UI" panose="020B0502040204020203" pitchFamily="34" charset="0"/>
               </a:rPr>
-              <a:t>Конструктор PowerPoint предлагает варианты профессионального оформления презентации, исходя из содержимого слайдов. </a:t>
+              <a:t>PowerPoint Designer suggests professional designs for your presentation, based on the content in your slides. </a:t>
             </a:r>
           </a:p>
           <a:p>
-            <a:pPr marL="0" lvl="0" indent="0" rtl="0">
+            <a:pPr marL="0" lvl="0" indent="0">
               <a:spcAft>
                 <a:spcPts val="600"/>
               </a:spcAft>
@@ -3397,14 +2819,14 @@
               <a:defRPr/>
             </a:pPr>
             <a:r>
-              <a:rPr lang="ru-RU" sz="1100" dirty="0">
+              <a:rPr lang="en-US" dirty="0">
                 <a:latin typeface="Segoe UI" panose="020B0502040204020203" pitchFamily="34" charset="0"/>
                 <a:cs typeface="Segoe UI" panose="020B0502040204020203" pitchFamily="34" charset="0"/>
               </a:rPr>
-              <a:t>Конструктор доступен только по подписке. </a:t>
-            </a:r>
-            <a:r>
-              <a:rPr lang="ru-RU" sz="1100" dirty="0">
+              <a:t>Designer is a subscription-only feature. </a:t>
+            </a:r>
+            <a:r>
+              <a:rPr lang="en-US" dirty="0">
                 <a:solidFill>
                   <a:prstClr val="black">
                     <a:lumMod val="75000"/>
@@ -3414,38 +2836,15 @@
                 <a:latin typeface="Segoe UI" panose="020B0502040204020203" pitchFamily="34" charset="0"/>
                 <a:cs typeface="Segoe UI" panose="020B0502040204020203" pitchFamily="34" charset="0"/>
               </a:rPr>
-              <a:t>Если у вас есть подписка на Office 365, посмотрите на следующем слайде, как это работает в новой презентации.</a:t>
-            </a:r>
-            <a:endParaRPr lang="ru-RU" sz="1100" dirty="0">
+              <a:t>If you have an Office 365 subscription, the next slide shows you how it works in a new presentation.</a:t>
+            </a:r>
+            <a:endParaRPr lang="en-US" dirty="0">
               <a:latin typeface="Segoe UI" panose="020B0502040204020203" pitchFamily="34" charset="0"/>
               <a:cs typeface="Segoe UI" panose="020B0502040204020203" pitchFamily="34" charset="0"/>
             </a:endParaRPr>
           </a:p>
         </p:txBody>
       </p:sp>
-      <p:pic>
-        <p:nvPicPr>
-          <p:cNvPr id="5" name="Рисунок 4" descr="Область &quot;Идеи для оформления&quot; с разными вариантами оформления"/>
-          <p:cNvPicPr>
-            <a:picLocks noChangeAspect="1"/>
-          </p:cNvPicPr>
-          <p:nvPr/>
-        </p:nvPicPr>
-        <p:blipFill>
-          <a:blip r:embed="rId3"/>
-          <a:srcRect l="11803" r="11803"/>
-          <a:stretch/>
-        </p:blipFill>
-        <p:spPr>
-          <a:xfrm>
-            <a:off x="4976037" y="1385113"/>
-            <a:ext cx="6513229" cy="4577621"/>
-          </a:xfrm>
-          <a:prstGeom prst="rect">
-            <a:avLst/>
-          </a:prstGeom>
-        </p:spPr>
-      </p:pic>
     </p:spTree>
     <p:extLst>
       <p:ext uri="{BB962C8B-B14F-4D97-AF65-F5344CB8AC3E}">
@@ -3486,7 +2885,7 @@
       </p:grpSpPr>
       <p:sp>
         <p:nvSpPr>
-          <p:cNvPr id="4" name="Заголовок 3"/>
+          <p:cNvPr id="4" name="Title 3"/>
           <p:cNvSpPr>
             <a:spLocks noGrp="1"/>
           </p:cNvSpPr>
@@ -3494,30 +2893,24 @@
             <p:ph type="title"/>
           </p:nvPr>
         </p:nvSpPr>
-        <p:spPr>
-          <a:xfrm>
-            <a:off x="521207" y="448056"/>
-            <a:ext cx="9528049" cy="640080"/>
-          </a:xfrm>
-        </p:spPr>
+        <p:spPr/>
         <p:txBody>
-          <a:bodyPr rtlCol="0"/>
+          <a:bodyPr/>
           <a:lstStyle/>
           <a:p>
-            <a:pPr rtl="0"/>
-            <a:r>
-              <a:rPr lang="ru-RU">
+            <a:r>
+              <a:rPr lang="en-US" dirty="0">
                 <a:latin typeface="Segoe UI Light" panose="020B0502040204020203" pitchFamily="34" charset="0"/>
                 <a:cs typeface="Segoe UI Light" panose="020B0502040204020203" pitchFamily="34" charset="0"/>
               </a:rPr>
-              <a:t>Как работать с конструктором PowerPoint?</a:t>
+              <a:t>How to use PowerPoint Designer</a:t>
             </a:r>
           </a:p>
         </p:txBody>
       </p:sp>
       <p:sp>
         <p:nvSpPr>
-          <p:cNvPr id="25" name="Объект 17"/>
+          <p:cNvPr id="25" name="Content Placeholder 17"/>
           <p:cNvSpPr txBox="1">
             <a:spLocks/>
           </p:cNvSpPr>
@@ -3731,25 +3124,25 @@
             </a:lvl9pPr>
           </a:lstStyle>
           <a:p>
-            <a:pPr marL="0" indent="0" rtl="0">
+            <a:pPr marL="0" indent="0">
               <a:spcAft>
                 <a:spcPts val="2000"/>
               </a:spcAft>
               <a:buNone/>
             </a:pPr>
             <a:r>
-              <a:rPr lang="ru-RU" sz="1100">
+              <a:rPr lang="en-US" dirty="0">
                 <a:latin typeface="Segoe UI" panose="020B0502040204020203" pitchFamily="34" charset="0"/>
                 <a:cs typeface="Segoe UI" panose="020B0502040204020203" pitchFamily="34" charset="0"/>
               </a:rPr>
-              <a:t>Вот как это сделать:</a:t>
+              <a:t>How it works:</a:t>
             </a:r>
           </a:p>
         </p:txBody>
       </p:sp>
       <p:grpSp>
         <p:nvGrpSpPr>
-          <p:cNvPr id="18" name="Группа 17" descr="Маленький круг с цифрой 1, обозначающий действие 1"/>
+          <p:cNvPr id="18" name="Group 17" descr="Small circle with number 1 inside  indicating step 1"/>
           <p:cNvGrpSpPr/>
           <p:nvPr/>
         </p:nvGrpSpPr>
@@ -3763,7 +3156,7 @@
         </p:grpSpPr>
         <p:sp>
           <p:nvSpPr>
-            <p:cNvPr id="19" name="Овал 18" descr="Маленький круг"/>
+            <p:cNvPr id="19" name="Oval 18" descr="Small circle"/>
             <p:cNvSpPr/>
             <p:nvPr/>
           </p:nvSpPr>
@@ -3802,14 +3195,14 @@
             <a:bodyPr rtlCol="0" anchor="ctr"/>
             <a:lstStyle/>
             <a:p>
-              <a:pPr algn="ctr" rtl="0"/>
-              <a:endParaRPr lang="ru-RU"/>
+              <a:pPr algn="ctr"/>
+              <a:endParaRPr lang="en-US" dirty="0"/>
             </a:p>
           </p:txBody>
         </p:sp>
         <p:sp>
           <p:nvSpPr>
-            <p:cNvPr id="20" name="Надпись 19" descr="Цифра 1"/>
+            <p:cNvPr id="20" name="TextBox 19" descr="Number 1"/>
             <p:cNvSpPr txBox="1">
               <a:spLocks noChangeAspect="1"/>
             </p:cNvSpPr>
@@ -3831,9 +3224,9 @@
             </a:bodyPr>
             <a:lstStyle/>
             <a:p>
-              <a:pPr algn="ctr" rtl="0"/>
+              <a:pPr algn="ctr"/>
               <a:r>
-                <a:rPr lang="ru-RU">
+                <a:rPr lang="en-US" dirty="0">
                   <a:solidFill>
                     <a:schemeClr val="bg1"/>
                   </a:solidFill>
@@ -3848,7 +3241,7 @@
       </p:grpSp>
       <p:sp>
         <p:nvSpPr>
-          <p:cNvPr id="21" name="Объект 17"/>
+          <p:cNvPr id="21" name="Content Placeholder 17"/>
           <p:cNvSpPr txBox="1">
             <a:spLocks/>
           </p:cNvSpPr>
@@ -3857,7 +3250,7 @@
         <p:spPr>
           <a:xfrm>
             <a:off x="1056513" y="1958189"/>
-            <a:ext cx="5660396" cy="596551"/>
+            <a:ext cx="4585731" cy="596551"/>
           </a:xfrm>
           <a:prstGeom prst="rect">
             <a:avLst/>
@@ -4062,7 +3455,7 @@
             </a:lvl9pPr>
           </a:lstStyle>
           <a:p>
-            <a:pPr marL="0" lvl="0" indent="0" rtl="0">
+            <a:pPr marL="0" lvl="0" indent="0">
               <a:spcAft>
                 <a:spcPts val="600"/>
               </a:spcAft>
@@ -4070,7 +3463,7 @@
               <a:defRPr/>
             </a:pPr>
             <a:r>
-              <a:rPr lang="ru-RU" sz="1100">
+              <a:rPr lang="en-US" dirty="0">
                 <a:solidFill>
                   <a:prstClr val="black">
                     <a:lumMod val="75000"/>
@@ -4080,20 +3473,20 @@
                 <a:latin typeface="Segoe UI" panose="020B0502040204020203" pitchFamily="34" charset="0"/>
                 <a:cs typeface="Segoe UI" panose="020B0502040204020203" pitchFamily="34" charset="0"/>
               </a:rPr>
-              <a:t>Создайте новую презентацию: выберите </a:t>
-            </a:r>
-            <a:r>
-              <a:rPr lang="ru-RU" sz="1100">
+              <a:t>Start a new presentation by going to </a:t>
+            </a:r>
+            <a:r>
+              <a:rPr lang="en-US" dirty="0">
                 <a:solidFill>
                   <a:srgbClr val="D24726"/>
                 </a:solidFill>
                 <a:latin typeface="Segoe UI Semibold" panose="020B0702040204020203" pitchFamily="34" charset="0"/>
                 <a:cs typeface="Segoe UI Semibold" panose="020B0702040204020203" pitchFamily="34" charset="0"/>
               </a:rPr>
-              <a:t>Файл</a:t>
-            </a:r>
-            <a:r>
-              <a:rPr lang="ru-RU" sz="1100">
+              <a:t>File</a:t>
+            </a:r>
+            <a:r>
+              <a:rPr lang="en-US" dirty="0">
                 <a:solidFill>
                   <a:prstClr val="black">
                     <a:lumMod val="75000"/>
@@ -4102,20 +3495,20 @@
                 </a:solidFill>
                 <a:cs typeface="Segoe UI"/>
               </a:rPr>
-              <a:t> &gt; </a:t>
-            </a:r>
-            <a:r>
-              <a:rPr lang="ru-RU" sz="1100">
+              <a:t> &gt; </a:t>
+            </a:r>
+            <a:r>
+              <a:rPr lang="en-US" dirty="0">
                 <a:solidFill>
                   <a:srgbClr val="D24726"/>
                 </a:solidFill>
                 <a:latin typeface="Segoe UI Semibold" panose="020B0702040204020203" pitchFamily="34" charset="0"/>
                 <a:cs typeface="Segoe UI Semibold" panose="020B0702040204020203" pitchFamily="34" charset="0"/>
               </a:rPr>
-              <a:t>Создать</a:t>
-            </a:r>
-            <a:r>
-              <a:rPr lang="ru-RU" sz="1100">
+              <a:t>New</a:t>
+            </a:r>
+            <a:r>
+              <a:rPr lang="en-US" dirty="0">
                 <a:solidFill>
                   <a:prstClr val="black">
                     <a:lumMod val="75000"/>
@@ -4124,20 +3517,20 @@
                 </a:solidFill>
                 <a:cs typeface="Segoe UI"/>
               </a:rPr>
-              <a:t> &gt; </a:t>
-            </a:r>
-            <a:r>
-              <a:rPr lang="ru-RU" sz="1100">
+              <a:t> &gt; </a:t>
+            </a:r>
+            <a:r>
+              <a:rPr lang="en-US" dirty="0">
                 <a:solidFill>
                   <a:srgbClr val="D24726"/>
                 </a:solidFill>
                 <a:latin typeface="Segoe UI Semibold" panose="020B0702040204020203" pitchFamily="34" charset="0"/>
                 <a:cs typeface="Segoe UI Semibold" panose="020B0702040204020203" pitchFamily="34" charset="0"/>
               </a:rPr>
-              <a:t>Пустая</a:t>
-            </a:r>
-            <a:r>
-              <a:rPr lang="ru-RU" sz="1100">
+              <a:t>Blank</a:t>
+            </a:r>
+            <a:r>
+              <a:rPr lang="en-US" dirty="0">
                 <a:solidFill>
                   <a:prstClr val="black">
                     <a:lumMod val="75000"/>
@@ -4149,17 +3542,17 @@
               <a:t> </a:t>
             </a:r>
             <a:r>
-              <a:rPr lang="ru-RU" sz="1100">
+              <a:rPr lang="en-US" dirty="0">
                 <a:solidFill>
                   <a:srgbClr val="D24726"/>
                 </a:solidFill>
                 <a:latin typeface="Segoe UI Semibold" panose="020B0702040204020203" pitchFamily="34" charset="0"/>
                 <a:cs typeface="Segoe UI Semibold" panose="020B0702040204020203" pitchFamily="34" charset="0"/>
               </a:rPr>
-              <a:t>презентация</a:t>
-            </a:r>
-            <a:r>
-              <a:rPr lang="ru-RU" sz="1100">
+              <a:t>Presentation</a:t>
+            </a:r>
+            <a:r>
+              <a:rPr lang="en-US" dirty="0">
                 <a:solidFill>
                   <a:prstClr val="black">
                     <a:lumMod val="75000"/>
@@ -4175,7 +3568,7 @@
       </p:sp>
       <p:grpSp>
         <p:nvGrpSpPr>
-          <p:cNvPr id="33" name="Группа 32" descr="Маленький круг с цифрой 2, обозначающий действие 2"/>
+          <p:cNvPr id="33" name="Group 32" descr="Small circle with number 2 inside  indicating step 2"/>
           <p:cNvGrpSpPr/>
           <p:nvPr/>
         </p:nvGrpSpPr>
@@ -4189,7 +3582,7 @@
         </p:grpSpPr>
         <p:sp>
           <p:nvSpPr>
-            <p:cNvPr id="34" name="Овал 33" descr="Маленький круг"/>
+            <p:cNvPr id="34" name="Oval 33" descr="Small circle"/>
             <p:cNvSpPr/>
             <p:nvPr/>
           </p:nvSpPr>
@@ -4228,14 +3621,14 @@
             <a:bodyPr rtlCol="0" anchor="ctr"/>
             <a:lstStyle/>
             <a:p>
-              <a:pPr algn="ctr" rtl="0"/>
-              <a:endParaRPr lang="ru-RU"/>
+              <a:pPr algn="ctr"/>
+              <a:endParaRPr lang="en-US" dirty="0"/>
             </a:p>
           </p:txBody>
         </p:sp>
         <p:sp>
           <p:nvSpPr>
-            <p:cNvPr id="35" name="Надпись 34" descr="Цифра 2"/>
+            <p:cNvPr id="35" name="TextBox 34" descr="Number 2"/>
             <p:cNvSpPr txBox="1">
               <a:spLocks noChangeAspect="1"/>
             </p:cNvSpPr>
@@ -4257,9 +3650,9 @@
             </a:bodyPr>
             <a:lstStyle/>
             <a:p>
-              <a:pPr algn="ctr" rtl="0"/>
+              <a:pPr algn="ctr"/>
               <a:r>
-                <a:rPr lang="ru-RU">
+                <a:rPr lang="en-US" dirty="0">
                   <a:solidFill>
                     <a:schemeClr val="bg1"/>
                   </a:solidFill>
@@ -4274,7 +3667,7 @@
       </p:grpSp>
       <p:sp>
         <p:nvSpPr>
-          <p:cNvPr id="36" name="Объект 17"/>
+          <p:cNvPr id="36" name="Content Placeholder 17"/>
           <p:cNvSpPr txBox="1">
             <a:spLocks/>
           </p:cNvSpPr>
@@ -4283,7 +3676,7 @@
         <p:spPr>
           <a:xfrm>
             <a:off x="1056513" y="2844450"/>
-            <a:ext cx="5559822" cy="1065817"/>
+            <a:ext cx="4504252" cy="1065817"/>
           </a:xfrm>
           <a:prstGeom prst="rect">
             <a:avLst/>
@@ -4291,7 +3684,7 @@
         </p:spPr>
         <p:txBody>
           <a:bodyPr vert="horz" lIns="91440" tIns="45720" rIns="91440" bIns="45720" rtlCol="0">
-            <a:normAutofit fontScale="92500"/>
+            <a:normAutofit/>
           </a:bodyPr>
           <a:lstStyle>
             <a:lvl1pPr marL="228600" indent="-228600" algn="l" defTabSz="914400" rtl="0" eaLnBrk="1" latinLnBrk="0" hangingPunct="1">
@@ -4488,7 +3881,7 @@
             </a:lvl9pPr>
           </a:lstStyle>
           <a:p>
-            <a:pPr marL="0" lvl="0" indent="0" rtl="0">
+            <a:pPr marL="0" lvl="0" indent="0">
               <a:spcAft>
                 <a:spcPts val="2000"/>
               </a:spcAft>
@@ -4496,7 +3889,7 @@
               <a:defRPr/>
             </a:pPr>
             <a:r>
-              <a:rPr lang="ru-RU" dirty="0">
+              <a:rPr lang="en-US" dirty="0">
                 <a:solidFill>
                   <a:prstClr val="black">
                     <a:lumMod val="75000"/>
@@ -4506,10 +3899,10 @@
                 <a:latin typeface="Segoe UI" panose="020B0502040204020203" pitchFamily="34" charset="0"/>
                 <a:cs typeface="Segoe UI" panose="020B0502040204020203" pitchFamily="34" charset="0"/>
               </a:rPr>
-              <a:t>На самом первом слайде добавьте изображение: выберите</a:t>
-            </a:r>
-            <a:r>
-              <a:rPr lang="ru-RU" dirty="0">
+              <a:t>On the very first slide, add a picture: Go to</a:t>
+            </a:r>
+            <a:r>
+              <a:rPr lang="en-US" dirty="0">
                 <a:solidFill>
                   <a:prstClr val="black">
                     <a:lumMod val="75000"/>
@@ -4521,17 +3914,17 @@
               <a:t> </a:t>
             </a:r>
             <a:r>
-              <a:rPr lang="ru-RU" dirty="0">
+              <a:rPr lang="en-US" dirty="0">
                 <a:solidFill>
                   <a:srgbClr val="D24726"/>
                 </a:solidFill>
                 <a:latin typeface="Segoe UI Semibold" panose="020B0702040204020203" pitchFamily="34" charset="0"/>
                 <a:cs typeface="Segoe UI Semibold" panose="020B0702040204020203" pitchFamily="34" charset="0"/>
               </a:rPr>
-              <a:t>Вставка</a:t>
-            </a:r>
-            <a:r>
-              <a:rPr lang="ru-RU" dirty="0">
+              <a:t>Insert</a:t>
+            </a:r>
+            <a:r>
+              <a:rPr lang="en-US" dirty="0">
                 <a:solidFill>
                   <a:prstClr val="black">
                     <a:lumMod val="75000"/>
@@ -4540,20 +3933,20 @@
                 </a:solidFill>
                 <a:cs typeface="Segoe UI"/>
               </a:rPr>
-              <a:t> &gt; </a:t>
-            </a:r>
-            <a:r>
-              <a:rPr lang="ru-RU" dirty="0">
+              <a:t> &gt; </a:t>
+            </a:r>
+            <a:r>
+              <a:rPr lang="en-US" dirty="0">
                 <a:solidFill>
                   <a:srgbClr val="D24726"/>
                 </a:solidFill>
                 <a:latin typeface="Segoe UI Semibold" panose="020B0702040204020203" pitchFamily="34" charset="0"/>
                 <a:cs typeface="Segoe UI Semibold" panose="020B0702040204020203" pitchFamily="34" charset="0"/>
               </a:rPr>
-              <a:t>Рисунки</a:t>
-            </a:r>
-            <a:r>
-              <a:rPr lang="ru-RU" dirty="0">
+              <a:t>Pictures</a:t>
+            </a:r>
+            <a:r>
+              <a:rPr lang="en-US" dirty="0">
                 <a:solidFill>
                   <a:prstClr val="black">
                     <a:lumMod val="75000"/>
@@ -4562,20 +3955,20 @@
                 </a:solidFill>
                 <a:cs typeface="Segoe UI"/>
               </a:rPr>
-              <a:t> или </a:t>
-            </a:r>
-            <a:r>
-              <a:rPr lang="ru-RU" dirty="0">
+              <a:t> or </a:t>
+            </a:r>
+            <a:r>
+              <a:rPr lang="en-US" dirty="0">
                 <a:solidFill>
                   <a:srgbClr val="D24726"/>
                 </a:solidFill>
                 <a:latin typeface="Segoe UI Semibold" panose="020B0702040204020203" pitchFamily="34" charset="0"/>
                 <a:cs typeface="Segoe UI Semibold" panose="020B0702040204020203" pitchFamily="34" charset="0"/>
               </a:rPr>
-              <a:t>Вставка</a:t>
-            </a:r>
-            <a:r>
-              <a:rPr lang="ru-RU" dirty="0">
+              <a:t>Insert</a:t>
+            </a:r>
+            <a:r>
+              <a:rPr lang="en-US" dirty="0">
                 <a:solidFill>
                   <a:prstClr val="black">
                     <a:lumMod val="75000"/>
@@ -4584,20 +3977,20 @@
                 </a:solidFill>
                 <a:cs typeface="Segoe UI"/>
               </a:rPr>
-              <a:t> &gt; </a:t>
-            </a:r>
-            <a:r>
-              <a:rPr lang="ru-RU" dirty="0">
+              <a:t> &gt; </a:t>
+            </a:r>
+            <a:r>
+              <a:rPr lang="en-US" dirty="0">
                 <a:solidFill>
                   <a:srgbClr val="D24726"/>
                 </a:solidFill>
                 <a:latin typeface="Segoe UI Semibold" panose="020B0702040204020203" pitchFamily="34" charset="0"/>
                 <a:cs typeface="Segoe UI Semibold" panose="020B0702040204020203" pitchFamily="34" charset="0"/>
               </a:rPr>
-              <a:t>Изображения</a:t>
-            </a:r>
-            <a:r>
-              <a:rPr lang="ru-RU" dirty="0">
+              <a:t>Online</a:t>
+            </a:r>
+            <a:r>
+              <a:rPr lang="en-US" dirty="0">
                 <a:solidFill>
                   <a:prstClr val="black">
                     <a:lumMod val="75000"/>
@@ -4609,17 +4002,17 @@
               <a:t> </a:t>
             </a:r>
             <a:r>
-              <a:rPr lang="ru-RU" dirty="0">
+              <a:rPr lang="en-US" dirty="0">
                 <a:solidFill>
                   <a:srgbClr val="D24726"/>
                 </a:solidFill>
                 <a:latin typeface="Segoe UI Semibold" panose="020B0702040204020203" pitchFamily="34" charset="0"/>
                 <a:cs typeface="Segoe UI Semibold" panose="020B0702040204020203" pitchFamily="34" charset="0"/>
               </a:rPr>
-              <a:t>в Интернете</a:t>
-            </a:r>
-            <a:r>
-              <a:rPr lang="ru-RU" dirty="0">
+              <a:t>Pictures</a:t>
+            </a:r>
+            <a:r>
+              <a:rPr lang="en-US" dirty="0">
                 <a:solidFill>
                   <a:prstClr val="black">
                     <a:lumMod val="75000"/>
@@ -4628,10 +4021,10 @@
                 </a:solidFill>
                 <a:cs typeface="Segoe UI"/>
               </a:rPr>
-              <a:t>, </a:t>
-            </a:r>
-            <a:r>
-              <a:rPr lang="ru-RU" dirty="0">
+              <a:t> </a:t>
+            </a:r>
+            <a:r>
+              <a:rPr lang="en-US" dirty="0">
                 <a:solidFill>
                   <a:prstClr val="black">
                     <a:lumMod val="75000"/>
@@ -4641,10 +4034,10 @@
                 <a:latin typeface="Segoe UI" panose="020B0502040204020203" pitchFamily="34" charset="0"/>
                 <a:cs typeface="Segoe UI" panose="020B0502040204020203" pitchFamily="34" charset="0"/>
               </a:rPr>
-              <a:t>затем выберите изображение.</a:t>
+              <a:t>and choose the picture.</a:t>
             </a:r>
             <a:br>
-              <a:rPr lang="ru-RU" dirty="0">
+              <a:rPr lang="en-US" dirty="0">
                 <a:solidFill>
                   <a:prstClr val="black">
                     <a:lumMod val="75000"/>
@@ -4656,7 +4049,7 @@
               </a:rPr>
             </a:br>
             <a:br>
-              <a:rPr lang="ru-RU" dirty="0">
+              <a:rPr lang="en-US" dirty="0">
                 <a:solidFill>
                   <a:prstClr val="black">
                     <a:lumMod val="75000"/>
@@ -4667,17 +4060,17 @@
               </a:rPr>
             </a:br>
             <a:r>
-              <a:rPr lang="ru-RU" dirty="0">
+              <a:rPr lang="en-US" dirty="0">
                 <a:solidFill>
                   <a:srgbClr val="D24726"/>
                 </a:solidFill>
                 <a:latin typeface="Segoe UI Semibold" panose="020B0702040204020203" pitchFamily="34" charset="0"/>
                 <a:cs typeface="Segoe UI Semibold" panose="020B0702040204020203" pitchFamily="34" charset="0"/>
               </a:rPr>
-              <a:t>Совет. </a:t>
-            </a:r>
-            <a:r>
-              <a:rPr lang="ru-RU" dirty="0">
+              <a:t>Hint: </a:t>
+            </a:r>
+            <a:r>
+              <a:rPr lang="en-US" dirty="0">
                 <a:solidFill>
                   <a:prstClr val="black">
                     <a:lumMod val="75000"/>
@@ -4687,14 +4080,44 @@
                 <a:latin typeface="Segoe UI" panose="020B0502040204020203" pitchFamily="34" charset="0"/>
                 <a:cs typeface="Segoe UI" panose="020B0502040204020203" pitchFamily="34" charset="0"/>
               </a:rPr>
-              <a:t>При добавлении изображения необходимо подключение к сети.</a:t>
+              <a:t>You need to be online when you add the picture.</a:t>
             </a:r>
           </a:p>
         </p:txBody>
       </p:sp>
+      <p:pic>
+        <p:nvPicPr>
+          <p:cNvPr id="29" name="Picture 28" descr="Insert tab with option to insert picture"/>
+          <p:cNvPicPr>
+            <a:picLocks noChangeAspect="1"/>
+          </p:cNvPicPr>
+          <p:nvPr/>
+        </p:nvPicPr>
+        <p:blipFill>
+          <a:blip r:embed="rId2" cstate="print">
+            <a:extLst>
+              <a:ext uri="{28A0092B-C50C-407E-A947-70E740481C1C}">
+                <a14:useLocalDpi xmlns:a14="http://schemas.microsoft.com/office/drawing/2010/main" val="0"/>
+              </a:ext>
+            </a:extLst>
+          </a:blip>
+          <a:stretch>
+            <a:fillRect/>
+          </a:stretch>
+        </p:blipFill>
+        <p:spPr>
+          <a:xfrm>
+            <a:off x="6880200" y="1455791"/>
+            <a:ext cx="2795082" cy="1592728"/>
+          </a:xfrm>
+          <a:prstGeom prst="rect">
+            <a:avLst/>
+          </a:prstGeom>
+        </p:spPr>
+      </p:pic>
       <p:grpSp>
         <p:nvGrpSpPr>
-          <p:cNvPr id="22" name="Группа 21" descr="Маленький круг с цифрой 3, обозначающий действие 3"/>
+          <p:cNvPr id="22" name="Group 21" descr="Small circle with number 3 inside  indicating step 3"/>
           <p:cNvGrpSpPr/>
           <p:nvPr/>
         </p:nvGrpSpPr>
@@ -4708,7 +4131,7 @@
         </p:grpSpPr>
         <p:sp>
           <p:nvSpPr>
-            <p:cNvPr id="24" name="Овал 23" descr="Маленький круг"/>
+            <p:cNvPr id="24" name="Oval 23" descr="Small circle"/>
             <p:cNvSpPr/>
             <p:nvPr/>
           </p:nvSpPr>
@@ -4747,14 +4170,14 @@
             <a:bodyPr rtlCol="0" anchor="ctr"/>
             <a:lstStyle/>
             <a:p>
-              <a:pPr algn="ctr" rtl="0"/>
-              <a:endParaRPr lang="ru-RU"/>
+              <a:pPr algn="ctr"/>
+              <a:endParaRPr lang="en-US" dirty="0"/>
             </a:p>
           </p:txBody>
         </p:sp>
         <p:sp>
           <p:nvSpPr>
-            <p:cNvPr id="30" name="Надпись 29" descr="Цифра 3"/>
+            <p:cNvPr id="30" name="TextBox 29" descr="Number 3"/>
             <p:cNvSpPr txBox="1">
               <a:spLocks noChangeAspect="1"/>
             </p:cNvSpPr>
@@ -4776,9 +4199,9 @@
             </a:bodyPr>
             <a:lstStyle/>
             <a:p>
-              <a:pPr algn="ctr" rtl="0"/>
+              <a:pPr algn="ctr"/>
               <a:r>
-                <a:rPr lang="ru-RU">
+                <a:rPr lang="en-US" dirty="0">
                   <a:solidFill>
                     <a:schemeClr val="bg1"/>
                   </a:solidFill>
@@ -4793,7 +4216,7 @@
       </p:grpSp>
       <p:sp>
         <p:nvSpPr>
-          <p:cNvPr id="32" name="Объект 17"/>
+          <p:cNvPr id="32" name="Content Placeholder 17"/>
           <p:cNvSpPr txBox="1">
             <a:spLocks/>
           </p:cNvSpPr>
@@ -4802,7 +4225,7 @@
         <p:spPr>
           <a:xfrm>
             <a:off x="1056513" y="4236460"/>
-            <a:ext cx="5559822" cy="761144"/>
+            <a:ext cx="4504252" cy="761144"/>
           </a:xfrm>
           <a:prstGeom prst="rect">
             <a:avLst/>
@@ -5007,7 +4430,7 @@
             </a:lvl9pPr>
           </a:lstStyle>
           <a:p>
-            <a:pPr marL="0" lvl="0" indent="0" rtl="0">
+            <a:pPr marL="0" lvl="0" indent="0">
               <a:spcAft>
                 <a:spcPts val="600"/>
               </a:spcAft>
@@ -5015,7 +4438,7 @@
               <a:defRPr/>
             </a:pPr>
             <a:r>
-              <a:rPr lang="ru-RU" sz="1100" dirty="0">
+              <a:rPr lang="en-US" dirty="0">
                 <a:solidFill>
                   <a:prstClr val="black">
                     <a:lumMod val="75000"/>
@@ -5025,10 +4448,10 @@
                 <a:latin typeface="Segoe UI" panose="020B0502040204020203" pitchFamily="34" charset="0"/>
                 <a:cs typeface="Segoe UI" panose="020B0502040204020203" pitchFamily="34" charset="0"/>
               </a:rPr>
-              <a:t>Когда PowerPoint запросит разрешение на получение идей для оформления, нажмите кнопку</a:t>
-            </a:r>
-            <a:r>
-              <a:rPr lang="ru-RU" sz="1100" dirty="0">
+              <a:t>When PowerPoint asks your permission to get design ideas, select</a:t>
+            </a:r>
+            <a:r>
+              <a:rPr lang="en-US" dirty="0">
                 <a:solidFill>
                   <a:prstClr val="black">
                     <a:lumMod val="75000"/>
@@ -5040,17 +4463,17 @@
               <a:t> </a:t>
             </a:r>
             <a:r>
-              <a:rPr lang="ru-RU" sz="1100" dirty="0">
+              <a:rPr lang="en-US" dirty="0">
                 <a:solidFill>
                   <a:srgbClr val="D24726"/>
                 </a:solidFill>
                 <a:latin typeface="Segoe UI Semibold" panose="020B0702040204020203" pitchFamily="34" charset="0"/>
                 <a:cs typeface="Segoe UI Semibold" panose="020B0702040204020203" pitchFamily="34" charset="0"/>
               </a:rPr>
-              <a:t>Приступить</a:t>
-            </a:r>
-            <a:r>
-              <a:rPr lang="ru-RU" sz="1100" dirty="0">
+              <a:t>Let's Go</a:t>
+            </a:r>
+            <a:r>
+              <a:rPr lang="en-US" dirty="0">
                 <a:solidFill>
                   <a:prstClr val="black">
                     <a:lumMod val="75000"/>
@@ -5064,9 +4487,39 @@
           </a:p>
         </p:txBody>
       </p:sp>
+      <p:pic>
+        <p:nvPicPr>
+          <p:cNvPr id="23" name="Picture 22" descr="Design ideas dialog box asking for user confirmation to get design ideas"/>
+          <p:cNvPicPr>
+            <a:picLocks noChangeAspect="1"/>
+          </p:cNvPicPr>
+          <p:nvPr/>
+        </p:nvPicPr>
+        <p:blipFill>
+          <a:blip r:embed="rId3" cstate="print">
+            <a:extLst>
+              <a:ext uri="{28A0092B-C50C-407E-A947-70E740481C1C}">
+                <a14:useLocalDpi xmlns:a14="http://schemas.microsoft.com/office/drawing/2010/main" val="0"/>
+              </a:ext>
+            </a:extLst>
+          </a:blip>
+          <a:stretch>
+            <a:fillRect/>
+          </a:stretch>
+        </p:blipFill>
+        <p:spPr>
+          <a:xfrm>
+            <a:off x="6693033" y="3067244"/>
+            <a:ext cx="2900887" cy="3506681"/>
+          </a:xfrm>
+          <a:prstGeom prst="rect">
+            <a:avLst/>
+          </a:prstGeom>
+        </p:spPr>
+      </p:pic>
       <p:grpSp>
         <p:nvGrpSpPr>
-          <p:cNvPr id="37" name="Группа 36" descr="Маленький круг с цифрой 4, обозначающий действие 4"/>
+          <p:cNvPr id="37" name="Group 36" descr="Small circle with number 4 inside  indicating step 4"/>
           <p:cNvGrpSpPr/>
           <p:nvPr/>
         </p:nvGrpSpPr>
@@ -5080,7 +4533,7 @@
         </p:grpSpPr>
         <p:sp>
           <p:nvSpPr>
-            <p:cNvPr id="38" name="Овал 37" descr="Маленький круг"/>
+            <p:cNvPr id="38" name="Oval 37" descr="Small circle"/>
             <p:cNvSpPr/>
             <p:nvPr/>
           </p:nvSpPr>
@@ -5119,14 +4572,14 @@
             <a:bodyPr rtlCol="0" anchor="ctr"/>
             <a:lstStyle/>
             <a:p>
-              <a:pPr algn="ctr" rtl="0"/>
-              <a:endParaRPr lang="ru-RU"/>
+              <a:pPr algn="ctr"/>
+              <a:endParaRPr lang="en-US" dirty="0"/>
             </a:p>
           </p:txBody>
         </p:sp>
         <p:sp>
           <p:nvSpPr>
-            <p:cNvPr id="39" name="Надпись 38" descr="Цифра 4"/>
+            <p:cNvPr id="39" name="TextBox 38" descr="Number 4"/>
             <p:cNvSpPr txBox="1">
               <a:spLocks noChangeAspect="1"/>
             </p:cNvSpPr>
@@ -5148,9 +4601,9 @@
             </a:bodyPr>
             <a:lstStyle/>
             <a:p>
-              <a:pPr algn="ctr" rtl="0"/>
+              <a:pPr algn="ctr"/>
               <a:r>
-                <a:rPr lang="ru-RU">
+                <a:rPr lang="en-US" dirty="0">
                   <a:solidFill>
                     <a:schemeClr val="bg1"/>
                   </a:solidFill>
@@ -5165,7 +4618,7 @@
       </p:grpSp>
       <p:sp>
         <p:nvSpPr>
-          <p:cNvPr id="40" name="Объект 17"/>
+          <p:cNvPr id="40" name="Content Placeholder 17"/>
           <p:cNvSpPr txBox="1">
             <a:spLocks/>
           </p:cNvSpPr>
@@ -5174,7 +4627,7 @@
         <p:spPr>
           <a:xfrm>
             <a:off x="1056513" y="5177572"/>
-            <a:ext cx="5559822" cy="563538"/>
+            <a:ext cx="4504252" cy="563538"/>
           </a:xfrm>
           <a:prstGeom prst="rect">
             <a:avLst/>
@@ -5379,7 +4832,7 @@
             </a:lvl9pPr>
           </a:lstStyle>
           <a:p>
-            <a:pPr marL="0" lvl="0" indent="0" rtl="0">
+            <a:pPr marL="0" lvl="0" indent="0">
               <a:spcAft>
                 <a:spcPts val="2000"/>
               </a:spcAft>
@@ -5387,7 +4840,7 @@
               <a:defRPr/>
             </a:pPr>
             <a:r>
-              <a:rPr lang="ru-RU" sz="1100">
+              <a:rPr lang="en-US" dirty="0">
                 <a:solidFill>
                   <a:prstClr val="black">
                     <a:lumMod val="75000"/>
@@ -5397,20 +4850,20 @@
                 <a:latin typeface="Segoe UI" panose="020B0502040204020203" pitchFamily="34" charset="0"/>
                 <a:cs typeface="Segoe UI" panose="020B0502040204020203" pitchFamily="34" charset="0"/>
               </a:rPr>
-              <a:t>Выберите оформление в области задач </a:t>
-            </a:r>
-            <a:r>
-              <a:rPr lang="ru-RU" sz="1100">
+              <a:t>Choose a design you like from the </a:t>
+            </a:r>
+            <a:r>
+              <a:rPr lang="en-US" dirty="0">
                 <a:solidFill>
                   <a:srgbClr val="D24726"/>
                 </a:solidFill>
                 <a:latin typeface="Segoe UI Semibold" panose="020B0702040204020203" pitchFamily="34" charset="0"/>
                 <a:cs typeface="Segoe UI Semibold" panose="020B0702040204020203" pitchFamily="34" charset="0"/>
               </a:rPr>
-              <a:t>Идеи для оформления</a:t>
-            </a:r>
-            <a:r>
-              <a:rPr lang="ru-RU" sz="1100">
+              <a:t>Design Ideas </a:t>
+            </a:r>
+            <a:r>
+              <a:rPr lang="en-US" dirty="0">
                 <a:solidFill>
                   <a:prstClr val="black">
                     <a:lumMod val="75000"/>
@@ -5420,57 +4873,11 @@
                 <a:latin typeface="Segoe UI" panose="020B0502040204020203" pitchFamily="34" charset="0"/>
                 <a:cs typeface="Segoe UI" panose="020B0502040204020203" pitchFamily="34" charset="0"/>
               </a:rPr>
-              <a:t>.</a:t>
+              <a:t>task pane.</a:t>
             </a:r>
           </a:p>
         </p:txBody>
       </p:sp>
-      <p:pic>
-        <p:nvPicPr>
-          <p:cNvPr id="29" name="Рисунок 28" descr="Вкладка &quot;Вставка&quot; с элементом для вставки рисунка"/>
-          <p:cNvPicPr>
-            <a:picLocks noChangeAspect="1"/>
-          </p:cNvPicPr>
-          <p:nvPr/>
-        </p:nvPicPr>
-        <p:blipFill>
-          <a:blip r:embed="rId3"/>
-          <a:srcRect/>
-          <a:stretch/>
-        </p:blipFill>
-        <p:spPr>
-          <a:xfrm>
-            <a:off x="6880200" y="1455491"/>
-            <a:ext cx="2795082" cy="1520263"/>
-          </a:xfrm>
-          <a:prstGeom prst="rect">
-            <a:avLst/>
-          </a:prstGeom>
-        </p:spPr>
-      </p:pic>
-      <p:pic>
-        <p:nvPicPr>
-          <p:cNvPr id="23" name="Рисунок 22" descr="Диалоговое окно &quot;Идеи для оформления&quot;с запросом разрешения на их получение"/>
-          <p:cNvPicPr>
-            <a:picLocks noChangeAspect="1"/>
-          </p:cNvPicPr>
-          <p:nvPr/>
-        </p:nvPicPr>
-        <p:blipFill>
-          <a:blip r:embed="rId4"/>
-          <a:srcRect/>
-          <a:stretch/>
-        </p:blipFill>
-        <p:spPr>
-          <a:xfrm>
-            <a:off x="6693033" y="3067244"/>
-            <a:ext cx="2900886" cy="3506681"/>
-          </a:xfrm>
-          <a:prstGeom prst="rect">
-            <a:avLst/>
-          </a:prstGeom>
-        </p:spPr>
-      </p:pic>
     </p:spTree>
     <p:extLst>
       <p:ext uri="{BB962C8B-B14F-4D97-AF65-F5344CB8AC3E}">
@@ -5511,7 +4918,7 @@
       </p:grpSpPr>
       <p:sp>
         <p:nvSpPr>
-          <p:cNvPr id="3" name="Заголовок 2"/>
+          <p:cNvPr id="3" name="Title 2"/>
           <p:cNvSpPr>
             <a:spLocks noGrp="1"/>
           </p:cNvSpPr>
@@ -5521,23 +4928,22 @@
         </p:nvSpPr>
         <p:spPr/>
         <p:txBody>
-          <a:bodyPr rtlCol="0"/>
+          <a:bodyPr/>
           <a:lstStyle/>
           <a:p>
-            <a:pPr rtl="0"/>
-            <a:r>
-              <a:rPr lang="ru-RU">
+            <a:r>
+              <a:rPr lang="en-US" dirty="0">
                 <a:latin typeface="Segoe UI Light" panose="020B0502040204020203" pitchFamily="34" charset="0"/>
                 <a:cs typeface="Segoe UI Light" panose="020B0502040204020203" pitchFamily="34" charset="0"/>
               </a:rPr>
-              <a:t>Трансформация</a:t>
+              <a:t>Morph</a:t>
             </a:r>
           </a:p>
         </p:txBody>
       </p:sp>
       <p:sp>
         <p:nvSpPr>
-          <p:cNvPr id="5" name="Объект 4"/>
+          <p:cNvPr id="5" name="Content Placeholder 4"/>
           <p:cNvSpPr>
             <a:spLocks noGrp="1"/>
           </p:cNvSpPr>
@@ -5557,7 +4963,7 @@
           </a:bodyPr>
           <a:lstStyle/>
           <a:p>
-            <a:pPr marL="0" indent="0" rtl="0">
+            <a:pPr marL="0" indent="0">
               <a:lnSpc>
                 <a:spcPts val="1800"/>
               </a:lnSpc>
@@ -5570,7 +4976,7 @@
               <a:buNone/>
             </a:pPr>
             <a:r>
-              <a:rPr lang="ru-RU" sz="1100" dirty="0">
+              <a:rPr lang="en-US" sz="1200" dirty="0">
                 <a:solidFill>
                   <a:prstClr val="black">
                     <a:lumMod val="75000"/>
@@ -5580,11 +4986,11 @@
                 <a:latin typeface="Segoe UI" panose="020B0502040204020203" pitchFamily="34" charset="0"/>
                 <a:cs typeface="Segoe UI" panose="020B0502040204020203" pitchFamily="34" charset="0"/>
               </a:rPr>
-              <a:t>Трансформация позволяет сделать анимацию и перемещение объектов в презентации плавными. При этом вы работаете с двумя похожими отдельными слайдами, но в результате создается впечатление, что действие происходит на одном. </a:t>
+              <a:t>Morph makes smooth animations and object movements in your presentation. You use two similar slides to perform the animation, but it looks to your audience like the action happens on one slide. </a:t>
             </a:r>
           </a:p>
           <a:p>
-            <a:pPr marL="0" indent="0" rtl="0">
+            <a:pPr marL="0" indent="0">
               <a:lnSpc>
                 <a:spcPts val="1800"/>
               </a:lnSpc>
@@ -5597,17 +5003,17 @@
               <a:buNone/>
             </a:pPr>
             <a:r>
-              <a:rPr lang="ru-RU" sz="1100" b="1" dirty="0">
+              <a:rPr lang="en-US" sz="1200" b="1" dirty="0">
                 <a:solidFill>
                   <a:srgbClr val="D24726"/>
                 </a:solidFill>
                 <a:latin typeface="Segoe UI" panose="020B0502040204020203" pitchFamily="34" charset="0"/>
                 <a:cs typeface="Segoe UI" panose="020B0502040204020203" pitchFamily="34" charset="0"/>
               </a:rPr>
-              <a:t>Воспроизведение </a:t>
-            </a:r>
-            <a:r>
-              <a:rPr lang="ru-RU" sz="1100" dirty="0">
+              <a:t>Play</a:t>
+            </a:r>
+            <a:r>
+              <a:rPr lang="en-US" sz="1200" dirty="0">
                 <a:solidFill>
                   <a:prstClr val="black">
                     <a:lumMod val="75000"/>
@@ -5617,11 +5023,11 @@
                 <a:latin typeface="Segoe UI" panose="020B0502040204020203" pitchFamily="34" charset="0"/>
                 <a:cs typeface="Segoe UI" panose="020B0502040204020203" pitchFamily="34" charset="0"/>
               </a:rPr>
-              <a:t>небольшой пример в видео справа.</a:t>
+              <a:t> the video on the right to see a quick example.</a:t>
             </a:r>
           </a:p>
           <a:p>
-            <a:pPr marL="0" indent="0" rtl="0">
+            <a:pPr marL="0" indent="0">
               <a:lnSpc>
                 <a:spcPts val="1800"/>
               </a:lnSpc>
@@ -5634,7 +5040,7 @@
               <a:buNone/>
             </a:pPr>
             <a:r>
-              <a:rPr lang="ru-RU" sz="1100" dirty="0">
+              <a:rPr lang="en-US" sz="1200" dirty="0">
                 <a:solidFill>
                   <a:prstClr val="black">
                     <a:lumMod val="75000"/>
@@ -5644,11 +5050,11 @@
                 <a:latin typeface="Segoe UI" panose="020B0502040204020203" pitchFamily="34" charset="0"/>
                 <a:cs typeface="Segoe UI" panose="020B0502040204020203" pitchFamily="34" charset="0"/>
               </a:rPr>
-              <a:t>Трансформация доступна только по подписке. Если у вас есть подписка на Office 365, вы можете воспользоваться этой функцией (см. инструкции на следующем слайде).</a:t>
+              <a:t>Morph is a subscription-only feature. If you have an Office 365 subscription, you can try it yourself with the steps on the next slide.</a:t>
             </a:r>
           </a:p>
           <a:p>
-            <a:pPr marL="0" indent="0" rtl="0">
+            <a:pPr marL="0" indent="0">
               <a:lnSpc>
                 <a:spcPts val="1800"/>
               </a:lnSpc>
@@ -5660,7 +5066,7 @@
               </a:spcAft>
               <a:buNone/>
             </a:pPr>
-            <a:endParaRPr lang="ru-RU" sz="1100" dirty="0">
+            <a:endParaRPr lang="en-US" sz="1200" dirty="0">
               <a:solidFill>
                 <a:prstClr val="black">
                   <a:lumMod val="75000"/>
@@ -5675,7 +5081,7 @@
       </p:sp>
       <p:pic>
         <p:nvPicPr>
-          <p:cNvPr id="7" name="Видео: трансформация" descr="В видео показан пример трансформации. Вы можете воспроизводить и приостанавливать видео с помощью клавиш ALT+W">
+          <p:cNvPr id="7" name="Morph video" descr="Video showing an example of the Morph feature which can be played or paused using the short-key Alt+P">
             <a:hlinkClick r:id="" action="ppaction://media"/>
             <a:extLst>
               <a:ext uri="{FF2B5EF4-FFF2-40B4-BE49-F238E27FC236}">
@@ -5696,7 +5102,7 @@
                     <p:ext uri="{3AFAAA56-56D3-431D-BCD4-E75A35582382}">
                       <p173:tracksInfo xmlns:p173="http://schemas.microsoft.com/office/powerpoint/2017/3/main" displayLoc="media">
                         <p173:trackLst>
-                          <p173:track id="{7D80394A-61EE-4513-90D2-E9A3DA581656}" label="caption" lang="" r:embed="rId5"/>
+                          <p173:track id="{7D80394A-61EE-4513-90D2-E9A3DA581656}" label="caption" lang="" r:embed="rId4"/>
                         </p173:trackLst>
                       </p173:tracksInfo>
                     </p:ext>
@@ -5707,7 +5113,7 @@
           </p:nvPr>
         </p:nvPicPr>
         <p:blipFill>
-          <a:blip r:embed="rId6"/>
+          <a:blip r:embed="rId5"/>
           <a:stretch>
             <a:fillRect/>
           </a:stretch>
@@ -5839,7 +5245,7 @@
       </p:grpSpPr>
       <p:sp>
         <p:nvSpPr>
-          <p:cNvPr id="3" name="Заголовок 2"/>
+          <p:cNvPr id="3" name="Title 2"/>
           <p:cNvSpPr>
             <a:spLocks noGrp="1"/>
           </p:cNvSpPr>
@@ -5849,27 +5255,26 @@
         </p:nvSpPr>
         <p:spPr/>
         <p:txBody>
-          <a:bodyPr rtlCol="0"/>
+          <a:bodyPr/>
           <a:lstStyle/>
           <a:p>
-            <a:pPr rtl="0"/>
-            <a:r>
-              <a:rPr lang="ru-RU" dirty="0"/>
-              <a:t>Настройка </a:t>
-            </a:r>
-            <a:r>
-              <a:rPr lang="ru-RU" dirty="0">
+            <a:r>
+              <a:rPr lang="en-US" dirty="0"/>
+              <a:t>Setting up </a:t>
+            </a:r>
+            <a:r>
+              <a:rPr lang="en-US" dirty="0">
                 <a:latin typeface="Segoe UI Light" panose="020B0502040204020203" pitchFamily="34" charset="0"/>
                 <a:cs typeface="Segoe UI Light" panose="020B0502040204020203" pitchFamily="34" charset="0"/>
               </a:rPr>
-              <a:t>трансформации</a:t>
+              <a:t>Morph</a:t>
             </a:r>
           </a:p>
         </p:txBody>
       </p:sp>
       <p:sp>
         <p:nvSpPr>
-          <p:cNvPr id="30" name="Объект 17"/>
+          <p:cNvPr id="30" name="Content Placeholder 17"/>
           <p:cNvSpPr txBox="1">
             <a:spLocks/>
           </p:cNvSpPr>
@@ -5877,8 +5282,8 @@
         </p:nvSpPr>
         <p:spPr>
           <a:xfrm>
-            <a:off x="541610" y="1298449"/>
-            <a:ext cx="3175582" cy="619048"/>
+            <a:off x="541609" y="1455491"/>
+            <a:ext cx="5110161" cy="471149"/>
           </a:xfrm>
           <a:prstGeom prst="rect">
             <a:avLst/>
@@ -6083,22 +5488,22 @@
             </a:lvl9pPr>
           </a:lstStyle>
           <a:p>
-            <a:pPr marL="0" indent="0" rtl="0">
+            <a:pPr marL="0" indent="0">
               <a:spcAft>
                 <a:spcPts val="2000"/>
               </a:spcAft>
               <a:buNone/>
             </a:pPr>
             <a:r>
-              <a:rPr lang="ru-RU" sz="1100" dirty="0"/>
-              <a:t>Попробуйте сами применить этот переход к двум простым объектам.</a:t>
+              <a:rPr lang="en-US" dirty="0"/>
+              <a:t>Try it yourself with these two simple “planets”:</a:t>
             </a:r>
           </a:p>
         </p:txBody>
       </p:sp>
       <p:grpSp>
         <p:nvGrpSpPr>
-          <p:cNvPr id="13" name="Группа 12" descr="Маленький круг с цифрой 1, обозначающий действие 1"/>
+          <p:cNvPr id="13" name="Group 12" descr="Small circle with number 1 inside  indicating step 1"/>
           <p:cNvGrpSpPr/>
           <p:nvPr/>
         </p:nvGrpSpPr>
@@ -6112,7 +5517,7 @@
         </p:grpSpPr>
         <p:sp>
           <p:nvSpPr>
-            <p:cNvPr id="14" name="Овал 13" descr="Маленький круг"/>
+            <p:cNvPr id="14" name="Oval 13" descr="Small circle"/>
             <p:cNvSpPr/>
             <p:nvPr/>
           </p:nvSpPr>
@@ -6151,14 +5556,14 @@
             <a:bodyPr rtlCol="0" anchor="ctr"/>
             <a:lstStyle/>
             <a:p>
-              <a:pPr algn="ctr" rtl="0"/>
-              <a:endParaRPr lang="ru-RU"/>
+              <a:pPr algn="ctr"/>
+              <a:endParaRPr lang="en-US" dirty="0"/>
             </a:p>
           </p:txBody>
         </p:sp>
         <p:sp>
           <p:nvSpPr>
-            <p:cNvPr id="15" name="Надпись 14" descr="Цифра 1"/>
+            <p:cNvPr id="15" name="TextBox 14" descr="Number 1"/>
             <p:cNvSpPr txBox="1">
               <a:spLocks noChangeAspect="1"/>
             </p:cNvSpPr>
@@ -6180,9 +5585,9 @@
             </a:bodyPr>
             <a:lstStyle/>
             <a:p>
-              <a:pPr algn="ctr" rtl="0"/>
+              <a:pPr algn="ctr"/>
               <a:r>
-                <a:rPr lang="ru-RU">
+                <a:rPr lang="en-US" dirty="0">
                   <a:solidFill>
                     <a:schemeClr val="bg1"/>
                   </a:solidFill>
@@ -6197,7 +5602,7 @@
       </p:grpSp>
       <p:sp>
         <p:nvSpPr>
-          <p:cNvPr id="16" name="Объект 17"/>
+          <p:cNvPr id="16" name="Content Placeholder 17"/>
           <p:cNvSpPr txBox="1">
             <a:spLocks/>
           </p:cNvSpPr>
@@ -6205,8 +5610,8 @@
         </p:nvSpPr>
         <p:spPr>
           <a:xfrm>
-            <a:off x="1066039" y="1958189"/>
-            <a:ext cx="2979351" cy="913994"/>
+            <a:off x="1066040" y="1958189"/>
+            <a:ext cx="2486328" cy="913994"/>
           </a:xfrm>
           <a:prstGeom prst="rect">
             <a:avLst/>
@@ -6214,7 +5619,7 @@
         </p:spPr>
         <p:txBody>
           <a:bodyPr vert="horz" lIns="91440" tIns="45720" rIns="91440" bIns="45720" rtlCol="0">
-            <a:noAutofit/>
+            <a:normAutofit/>
           </a:bodyPr>
           <a:lstStyle>
             <a:lvl1pPr marL="228600" indent="-228600" algn="l" defTabSz="914400" rtl="0" eaLnBrk="1" latinLnBrk="0" hangingPunct="1">
@@ -6411,14 +5816,14 @@
             </a:lvl9pPr>
           </a:lstStyle>
           <a:p>
-            <a:pPr marL="0" indent="0" rtl="0">
+            <a:pPr marL="0" indent="0">
               <a:spcAft>
                 <a:spcPts val="2000"/>
               </a:spcAft>
               <a:buNone/>
             </a:pPr>
             <a:r>
-              <a:rPr lang="ru-RU" sz="1100" dirty="0">
+              <a:rPr lang="en-US" dirty="0">
                 <a:solidFill>
                   <a:prstClr val="black">
                     <a:lumMod val="75000"/>
@@ -6428,10 +5833,10 @@
                 <a:latin typeface="Segoe UI" panose="020B0502040204020203" pitchFamily="34" charset="0"/>
                 <a:cs typeface="Segoe UI" panose="020B0502040204020203" pitchFamily="34" charset="0"/>
               </a:rPr>
-              <a:t>Создайте дубликат слайда: щелкните правой кнопкой эскиз слайда и выберите элемент</a:t>
-            </a:r>
-            <a:r>
-              <a:rPr lang="ru-RU" sz="1100" dirty="0">
+              <a:t>Duplicate this slide: Right-click the slide thumbnail and select</a:t>
+            </a:r>
+            <a:r>
+              <a:rPr lang="en-US" dirty="0">
                 <a:solidFill>
                   <a:prstClr val="black">
                     <a:lumMod val="75000"/>
@@ -6443,17 +5848,17 @@
               <a:t> </a:t>
             </a:r>
             <a:r>
-              <a:rPr lang="ru-RU" sz="1100" dirty="0">
+              <a:rPr lang="en-US" dirty="0">
                 <a:solidFill>
                   <a:srgbClr val="D24726"/>
                 </a:solidFill>
                 <a:latin typeface="Segoe UI Semibold" panose="020B0702040204020203" pitchFamily="34" charset="0"/>
                 <a:cs typeface="Segoe UI Semibold" panose="020B0702040204020203" pitchFamily="34" charset="0"/>
               </a:rPr>
-              <a:t>Дублировать слайд</a:t>
-            </a:r>
-            <a:r>
-              <a:rPr lang="ru-RU" sz="1100" dirty="0">
+              <a:t>Duplicate Slide</a:t>
+            </a:r>
+            <a:r>
+              <a:rPr lang="en-US" dirty="0">
                 <a:solidFill>
                   <a:prstClr val="black">
                     <a:lumMod val="75000"/>
@@ -6468,9 +5873,39 @@
           </a:p>
         </p:txBody>
       </p:sp>
+      <p:pic>
+        <p:nvPicPr>
+          <p:cNvPr id="2" name="Picture 1" descr="Slide thumbnail context menu showing the Duplicate Slide option"/>
+          <p:cNvPicPr>
+            <a:picLocks noChangeAspect="1"/>
+          </p:cNvPicPr>
+          <p:nvPr/>
+        </p:nvPicPr>
+        <p:blipFill>
+          <a:blip r:embed="rId2" cstate="print">
+            <a:extLst>
+              <a:ext uri="{28A0092B-C50C-407E-A947-70E740481C1C}">
+                <a14:useLocalDpi xmlns:a14="http://schemas.microsoft.com/office/drawing/2010/main" val="0"/>
+              </a:ext>
+            </a:extLst>
+          </a:blip>
+          <a:stretch>
+            <a:fillRect/>
+          </a:stretch>
+        </p:blipFill>
+        <p:spPr>
+          <a:xfrm>
+            <a:off x="4045391" y="1455491"/>
+            <a:ext cx="1402148" cy="1803887"/>
+          </a:xfrm>
+          <a:prstGeom prst="rect">
+            <a:avLst/>
+          </a:prstGeom>
+        </p:spPr>
+      </p:pic>
       <p:grpSp>
         <p:nvGrpSpPr>
-          <p:cNvPr id="18" name="Группа 17" descr="Маленький круг с цифрой 2, обозначающий действие 2"/>
+          <p:cNvPr id="18" name="Group 17" descr="Small circle with number 2 inside  indicating step 2"/>
           <p:cNvGrpSpPr/>
           <p:nvPr/>
         </p:nvGrpSpPr>
@@ -6484,7 +5919,7 @@
         </p:grpSpPr>
         <p:sp>
           <p:nvSpPr>
-            <p:cNvPr id="23" name="Овал 22" descr="Маленький круг"/>
+            <p:cNvPr id="23" name="Oval 22" descr="Small circle"/>
             <p:cNvSpPr/>
             <p:nvPr/>
           </p:nvSpPr>
@@ -6523,14 +5958,14 @@
             <a:bodyPr rtlCol="0" anchor="ctr"/>
             <a:lstStyle/>
             <a:p>
-              <a:pPr algn="ctr" rtl="0"/>
-              <a:endParaRPr lang="ru-RU"/>
+              <a:pPr algn="ctr"/>
+              <a:endParaRPr lang="en-US" dirty="0"/>
             </a:p>
           </p:txBody>
         </p:sp>
         <p:sp>
           <p:nvSpPr>
-            <p:cNvPr id="24" name="Надпись 23" descr="Цифра 2"/>
+            <p:cNvPr id="24" name="TextBox 23" descr="Number 2"/>
             <p:cNvSpPr txBox="1">
               <a:spLocks noChangeAspect="1"/>
             </p:cNvSpPr>
@@ -6552,9 +5987,9 @@
             </a:bodyPr>
             <a:lstStyle/>
             <a:p>
-              <a:pPr algn="ctr" rtl="0"/>
+              <a:pPr algn="ctr"/>
               <a:r>
-                <a:rPr lang="ru-RU">
+                <a:rPr lang="en-US" dirty="0">
                   <a:solidFill>
                     <a:schemeClr val="bg1"/>
                   </a:solidFill>
@@ -6569,7 +6004,7 @@
       </p:grpSp>
       <p:sp>
         <p:nvSpPr>
-          <p:cNvPr id="25" name="Объект 17"/>
+          <p:cNvPr id="25" name="Content Placeholder 17"/>
           <p:cNvSpPr txBox="1">
             <a:spLocks/>
           </p:cNvSpPr>
@@ -6783,14 +6218,14 @@
             </a:lvl9pPr>
           </a:lstStyle>
           <a:p>
-            <a:pPr marL="0" indent="0" rtl="0">
+            <a:pPr marL="0" indent="0">
               <a:spcAft>
                 <a:spcPts val="2000"/>
               </a:spcAft>
               <a:buNone/>
             </a:pPr>
             <a:r>
-              <a:rPr lang="ru-RU" sz="1100" dirty="0">
+              <a:rPr lang="en-US" dirty="0">
                 <a:solidFill>
                   <a:prstClr val="black">
                     <a:lumMod val="75000"/>
@@ -6800,20 +6235,20 @@
                 <a:latin typeface="Segoe UI" panose="020B0502040204020203" pitchFamily="34" charset="0"/>
                 <a:cs typeface="Segoe UI" panose="020B0502040204020203" pitchFamily="34" charset="0"/>
               </a:rPr>
-              <a:t>На втором из двух одинаковых слайдов измените параметры фигуры (например, положение, размер или цвет), а затем выберите </a:t>
-            </a:r>
-            <a:r>
-              <a:rPr lang="ru-RU" sz="1100" dirty="0">
+              <a:t>In the second of these two identical slides, change the shapes on the right in some way (move, resize, change color), then go to </a:t>
+            </a:r>
+            <a:r>
+              <a:rPr lang="en-US" dirty="0">
                 <a:solidFill>
                   <a:srgbClr val="D24726"/>
                 </a:solidFill>
                 <a:latin typeface="Segoe UI Semibold" panose="020B0702040204020203" pitchFamily="34" charset="0"/>
                 <a:cs typeface="Segoe UI Semibold" panose="020B0702040204020203" pitchFamily="34" charset="0"/>
               </a:rPr>
-              <a:t>Переходы</a:t>
-            </a:r>
-            <a:r>
-              <a:rPr lang="ru-RU" sz="1100" dirty="0">
+              <a:t>Transitions</a:t>
+            </a:r>
+            <a:r>
+              <a:rPr lang="en-US" dirty="0">
                 <a:solidFill>
                   <a:prstClr val="black">
                     <a:lumMod val="75000"/>
@@ -6822,20 +6257,20 @@
                 </a:solidFill>
                 <a:cs typeface="Segoe UI"/>
               </a:rPr>
-              <a:t> &gt; </a:t>
-            </a:r>
-            <a:r>
-              <a:rPr lang="ru-RU" sz="1100" dirty="0">
+              <a:t> &gt; </a:t>
+            </a:r>
+            <a:r>
+              <a:rPr lang="en-US" dirty="0">
                 <a:solidFill>
                   <a:srgbClr val="D24726"/>
                 </a:solidFill>
                 <a:latin typeface="Segoe UI Semibold" panose="020B0702040204020203" pitchFamily="34" charset="0"/>
                 <a:cs typeface="Segoe UI Semibold" panose="020B0702040204020203" pitchFamily="34" charset="0"/>
               </a:rPr>
-              <a:t>Трансформация</a:t>
-            </a:r>
-            <a:r>
-              <a:rPr lang="ru-RU" sz="1100" dirty="0">
+              <a:t>Morph</a:t>
+            </a:r>
+            <a:r>
+              <a:rPr lang="en-US" dirty="0">
                 <a:solidFill>
                   <a:prstClr val="black">
                     <a:lumMod val="75000"/>
@@ -6850,9 +6285,39 @@
           </a:p>
         </p:txBody>
       </p:sp>
+      <p:pic>
+        <p:nvPicPr>
+          <p:cNvPr id="6" name="Picture 5" descr="Transition tab showing morph transition"/>
+          <p:cNvPicPr>
+            <a:picLocks noChangeAspect="1"/>
+          </p:cNvPicPr>
+          <p:nvPr/>
+        </p:nvPicPr>
+        <p:blipFill>
+          <a:blip r:embed="rId3" cstate="print">
+            <a:extLst>
+              <a:ext uri="{28A0092B-C50C-407E-A947-70E740481C1C}">
+                <a14:useLocalDpi xmlns:a14="http://schemas.microsoft.com/office/drawing/2010/main" val="0"/>
+              </a:ext>
+            </a:extLst>
+          </a:blip>
+          <a:stretch>
+            <a:fillRect/>
+          </a:stretch>
+        </p:blipFill>
+        <p:spPr>
+          <a:xfrm>
+            <a:off x="3683896" y="3159609"/>
+            <a:ext cx="2468760" cy="1185923"/>
+          </a:xfrm>
+          <a:prstGeom prst="rect">
+            <a:avLst/>
+          </a:prstGeom>
+        </p:spPr>
+      </p:pic>
       <p:grpSp>
         <p:nvGrpSpPr>
-          <p:cNvPr id="26" name="Группа 25" descr="Маленький круг с цифрой 3, обозначающий действие 3"/>
+          <p:cNvPr id="26" name="Group 25" descr="Small circle with number 3 inside  indicating step 3"/>
           <p:cNvGrpSpPr/>
           <p:nvPr/>
         </p:nvGrpSpPr>
@@ -6866,7 +6331,7 @@
         </p:grpSpPr>
         <p:sp>
           <p:nvSpPr>
-            <p:cNvPr id="27" name="Овал 26" descr="Маленький круг"/>
+            <p:cNvPr id="27" name="Oval 26" descr="Small circle"/>
             <p:cNvSpPr/>
             <p:nvPr/>
           </p:nvSpPr>
@@ -6905,14 +6370,14 @@
             <a:bodyPr rtlCol="0" anchor="ctr"/>
             <a:lstStyle/>
             <a:p>
-              <a:pPr algn="ctr" rtl="0"/>
-              <a:endParaRPr lang="ru-RU"/>
+              <a:pPr algn="ctr"/>
+              <a:endParaRPr lang="en-US" dirty="0"/>
             </a:p>
           </p:txBody>
         </p:sp>
         <p:sp>
           <p:nvSpPr>
-            <p:cNvPr id="28" name="Надпись 27" descr="Цифра 3"/>
+            <p:cNvPr id="28" name="TextBox 27" descr="Number 3"/>
             <p:cNvSpPr txBox="1">
               <a:spLocks noChangeAspect="1"/>
             </p:cNvSpPr>
@@ -6934,9 +6399,9 @@
             </a:bodyPr>
             <a:lstStyle/>
             <a:p>
-              <a:pPr algn="ctr" rtl="0"/>
+              <a:pPr algn="ctr"/>
               <a:r>
-                <a:rPr lang="ru-RU">
+                <a:rPr lang="en-US" dirty="0">
                   <a:solidFill>
                     <a:schemeClr val="bg1"/>
                   </a:solidFill>
@@ -6951,7 +6416,7 @@
       </p:grpSp>
       <p:sp>
         <p:nvSpPr>
-          <p:cNvPr id="29" name="Объект 17"/>
+          <p:cNvPr id="29" name="Content Placeholder 17"/>
           <p:cNvSpPr txBox="1">
             <a:spLocks/>
           </p:cNvSpPr>
@@ -7165,14 +6630,14 @@
             </a:lvl9pPr>
           </a:lstStyle>
           <a:p>
-            <a:pPr marL="0" indent="0" rtl="0">
+            <a:pPr marL="0" indent="0">
               <a:spcAft>
                 <a:spcPts val="2000"/>
               </a:spcAft>
               <a:buNone/>
             </a:pPr>
             <a:r>
-              <a:rPr lang="ru-RU" sz="1100" dirty="0">
+              <a:rPr lang="en-US" dirty="0">
                 <a:solidFill>
                   <a:prstClr val="black">
                     <a:lumMod val="75000"/>
@@ -7182,10 +6647,10 @@
                 <a:latin typeface="Segoe UI" panose="020B0502040204020203" pitchFamily="34" charset="0"/>
                 <a:cs typeface="Segoe UI" panose="020B0502040204020203" pitchFamily="34" charset="0"/>
               </a:rPr>
-              <a:t>Вернитесь на первый слайд, нажмите кнопку</a:t>
-            </a:r>
-            <a:r>
-              <a:rPr lang="ru-RU" sz="1100" dirty="0">
+              <a:t>Return to the first of the two slides and press</a:t>
+            </a:r>
+            <a:r>
+              <a:rPr lang="en-US" dirty="0">
                 <a:solidFill>
                   <a:prstClr val="black">
                     <a:lumMod val="75000"/>
@@ -7196,17 +6661,17 @@
               <a:t> </a:t>
             </a:r>
             <a:r>
-              <a:rPr lang="ru-RU" sz="1100" dirty="0">
+              <a:rPr lang="en-US" dirty="0">
                 <a:solidFill>
                   <a:srgbClr val="D24726"/>
                 </a:solidFill>
                 <a:latin typeface="Segoe UI Semibold" panose="020B0702040204020203" pitchFamily="34" charset="0"/>
                 <a:cs typeface="Segoe UI Semibold" panose="020B0702040204020203" pitchFamily="34" charset="0"/>
               </a:rPr>
-              <a:t>Слайд-шоу </a:t>
-            </a:r>
-            <a:r>
-              <a:rPr lang="ru-RU" sz="1100" dirty="0">
+              <a:t>Slide Show </a:t>
+            </a:r>
+            <a:r>
+              <a:rPr lang="en-US" dirty="0">
                 <a:solidFill>
                   <a:prstClr val="black">
                     <a:lumMod val="75000"/>
@@ -7216,10 +6681,10 @@
                 <a:latin typeface="Segoe UI" panose="020B0502040204020203" pitchFamily="34" charset="0"/>
                 <a:cs typeface="Segoe UI" panose="020B0502040204020203" pitchFamily="34" charset="0"/>
               </a:rPr>
-              <a:t>и выберите команду</a:t>
-            </a:r>
-            <a:r>
-              <a:rPr lang="ru-RU" sz="1100" dirty="0">
+              <a:t>button and then select</a:t>
+            </a:r>
+            <a:r>
+              <a:rPr lang="en-US" dirty="0">
                 <a:solidFill>
                   <a:prstClr val="black">
                     <a:lumMod val="75000"/>
@@ -7230,17 +6695,17 @@
               <a:t> </a:t>
             </a:r>
             <a:r>
-              <a:rPr lang="ru-RU" sz="1100" dirty="0">
+              <a:rPr lang="en-US" dirty="0">
                 <a:solidFill>
                   <a:srgbClr val="D24726"/>
                 </a:solidFill>
                 <a:latin typeface="Segoe UI Semibold" panose="020B0702040204020203" pitchFamily="34" charset="0"/>
                 <a:cs typeface="Segoe UI Semibold" panose="020B0702040204020203" pitchFamily="34" charset="0"/>
               </a:rPr>
-              <a:t>Воспроизведение</a:t>
-            </a:r>
-            <a:r>
-              <a:rPr lang="ru-RU" sz="1100" dirty="0">
+              <a:t>Play</a:t>
+            </a:r>
+            <a:r>
+              <a:rPr lang="en-US" dirty="0">
                 <a:solidFill>
                   <a:prstClr val="black">
                     <a:lumMod val="75000"/>
@@ -7248,10 +6713,10 @@
                   </a:prstClr>
                 </a:solidFill>
               </a:rPr>
-              <a:t>, </a:t>
-            </a:r>
-            <a:r>
-              <a:rPr lang="ru-RU" sz="1100" dirty="0">
+              <a:t> </a:t>
+            </a:r>
+            <a:r>
+              <a:rPr lang="en-US" dirty="0">
                 <a:solidFill>
                   <a:prstClr val="black">
                     <a:lumMod val="75000"/>
@@ -7261,14 +6726,44 @@
                 <a:latin typeface="Segoe UI" panose="020B0502040204020203" pitchFamily="34" charset="0"/>
                 <a:cs typeface="Segoe UI" panose="020B0502040204020203" pitchFamily="34" charset="0"/>
               </a:rPr>
-              <a:t>чтобы увидеть трансформацию круга.</a:t>
+              <a:t>to see your circle morph!</a:t>
             </a:r>
           </a:p>
         </p:txBody>
       </p:sp>
+      <p:pic>
+        <p:nvPicPr>
+          <p:cNvPr id="5" name="Picture 4" descr="Slide Show button"/>
+          <p:cNvPicPr>
+            <a:picLocks noChangeAspect="1"/>
+          </p:cNvPicPr>
+          <p:nvPr/>
+        </p:nvPicPr>
+        <p:blipFill>
+          <a:blip r:embed="rId4" cstate="print">
+            <a:extLst>
+              <a:ext uri="{28A0092B-C50C-407E-A947-70E740481C1C}">
+                <a14:useLocalDpi xmlns:a14="http://schemas.microsoft.com/office/drawing/2010/main" val="0"/>
+              </a:ext>
+            </a:extLst>
+          </a:blip>
+          <a:stretch>
+            <a:fillRect/>
+          </a:stretch>
+        </p:blipFill>
+        <p:spPr>
+          <a:xfrm>
+            <a:off x="3837079" y="4344232"/>
+            <a:ext cx="2134319" cy="887084"/>
+          </a:xfrm>
+          <a:prstGeom prst="rect">
+            <a:avLst/>
+          </a:prstGeom>
+        </p:spPr>
+      </p:pic>
       <p:sp>
         <p:nvSpPr>
-          <p:cNvPr id="17" name="Объект 17"/>
+          <p:cNvPr id="17" name="Content Placeholder 17"/>
           <p:cNvSpPr txBox="1">
             <a:spLocks/>
           </p:cNvSpPr>
@@ -7276,8 +6771,8 @@
         </p:nvSpPr>
         <p:spPr>
           <a:xfrm>
-            <a:off x="628961" y="5832234"/>
-            <a:ext cx="3924749" cy="692907"/>
+            <a:off x="628962" y="5832234"/>
+            <a:ext cx="3449878" cy="692907"/>
           </a:xfrm>
           <a:prstGeom prst="rect">
             <a:avLst/>
@@ -7285,7 +6780,7 @@
         </p:spPr>
         <p:txBody>
           <a:bodyPr vert="horz" lIns="91440" tIns="45720" rIns="91440" bIns="45720" rtlCol="0">
-            <a:noAutofit/>
+            <a:normAutofit/>
           </a:bodyPr>
           <a:lstStyle>
             <a:lvl1pPr marL="228600" indent="-228600" algn="l" defTabSz="914400" rtl="0" eaLnBrk="1" latinLnBrk="0" hangingPunct="1">
@@ -7482,45 +6977,34 @@
             </a:lvl9pPr>
           </a:lstStyle>
           <a:p>
-            <a:pPr marL="0" indent="0" rtl="0">
+            <a:pPr marL="0" indent="0">
               <a:spcAft>
                 <a:spcPts val="2000"/>
               </a:spcAft>
               <a:buNone/>
             </a:pPr>
             <a:r>
-              <a:rPr lang="ru-RU" sz="1100" dirty="0">
+              <a:rPr lang="en-US" dirty="0">
                 <a:solidFill>
                   <a:srgbClr val="D24726"/>
                 </a:solidFill>
                 <a:latin typeface="Segoe UI Semibold" panose="020B0702040204020203" pitchFamily="34" charset="0"/>
                 <a:cs typeface="Segoe UI Semibold" panose="020B0702040204020203" pitchFamily="34" charset="0"/>
               </a:rPr>
-              <a:t>Совет. </a:t>
-            </a:r>
-            <a:r>
-              <a:rPr lang="ru-RU" sz="1100" dirty="0">
-                <a:solidFill>
-                  <a:prstClr val="black">
-                    <a:lumMod val="75000"/>
-                    <a:lumOff val="25000"/>
-                  </a:prstClr>
-                </a:solidFill>
-              </a:rPr>
-              <a:t>С помощью функции </a:t>
-            </a:r>
-            <a:r>
-              <a:rPr lang="ru-RU" sz="1100" dirty="0">
+              <a:t>Hint: </a:t>
+            </a:r>
+            <a:r>
+              <a:rPr lang="en-US" dirty="0">
                 <a:solidFill>
                   <a:srgbClr val="404040"/>
                 </a:solidFill>
                 <a:latin typeface="Segoe UI Semibold" panose="020B0702040204020203" pitchFamily="34" charset="0"/>
                 <a:cs typeface="Segoe UI Semibold" panose="020B0702040204020203" pitchFamily="34" charset="0"/>
               </a:rPr>
-              <a:t>Параметры эффектов</a:t>
-            </a:r>
-            <a:r>
-              <a:rPr lang="ru-RU" sz="1100" dirty="0">
+              <a:t>Effect Options </a:t>
+            </a:r>
+            <a:r>
+              <a:rPr lang="en-US" dirty="0">
                 <a:solidFill>
                   <a:prstClr val="black">
                     <a:lumMod val="75000"/>
@@ -7530,10 +7014,10 @@
                 <a:latin typeface="Segoe UI" panose="020B0502040204020203" pitchFamily="34" charset="0"/>
                 <a:cs typeface="Segoe UI" panose="020B0502040204020203" pitchFamily="34" charset="0"/>
               </a:rPr>
-              <a:t> можно настроить больше параметров</a:t>
-            </a:r>
-            <a:r>
-              <a:rPr lang="ru-RU" sz="1100" dirty="0">
+              <a:t>gives you even more options for</a:t>
+            </a:r>
+            <a:r>
+              <a:rPr lang="en-US" dirty="0">
                 <a:solidFill>
                   <a:prstClr val="black">
                     <a:lumMod val="75000"/>
@@ -7544,7 +7028,7 @@
               <a:t> </a:t>
             </a:r>
             <a:r>
-              <a:rPr lang="ru-RU" sz="1100" dirty="0">
+              <a:rPr lang="en-US" dirty="0">
                 <a:solidFill>
                   <a:prstClr val="black">
                     <a:lumMod val="75000"/>
@@ -7554,10 +7038,10 @@
                 <a:latin typeface="Segoe UI Semibold" panose="020B0702040204020203" pitchFamily="34" charset="0"/>
                 <a:cs typeface="Segoe UI Semibold" panose="020B0702040204020203" pitchFamily="34" charset="0"/>
               </a:rPr>
-              <a:t>Трансформация</a:t>
-            </a:r>
-            <a:r>
-              <a:rPr lang="ru-RU" sz="1100" dirty="0">
+              <a:t>Morph</a:t>
+            </a:r>
+            <a:r>
+              <a:rPr lang="en-US" dirty="0">
                 <a:solidFill>
                   <a:prstClr val="black">
                     <a:lumMod val="75000"/>
@@ -7570,90 +7054,15 @@
           </a:p>
         </p:txBody>
       </p:sp>
-      <p:pic>
-        <p:nvPicPr>
-          <p:cNvPr id="2" name="Рисунок 1" descr="Контекстное меню эскиза слайда с элементом &quot;Дублировать слайд&quot;"/>
-          <p:cNvPicPr>
-            <a:picLocks noChangeAspect="1"/>
-          </p:cNvPicPr>
-          <p:nvPr/>
-        </p:nvPicPr>
-        <p:blipFill>
-          <a:blip r:embed="rId3"/>
-          <a:srcRect/>
-          <a:stretch/>
-        </p:blipFill>
-        <p:spPr>
-          <a:xfrm>
-            <a:off x="4402007" y="1642838"/>
-            <a:ext cx="1402148" cy="1429192"/>
-          </a:xfrm>
-          <a:prstGeom prst="rect">
-            <a:avLst/>
-          </a:prstGeom>
-        </p:spPr>
-      </p:pic>
-      <p:pic>
-        <p:nvPicPr>
-          <p:cNvPr id="6" name="Рисунок 5" descr="Вкладка &quot;Переходы&quot; со значком трансформации"/>
-          <p:cNvPicPr>
-            <a:picLocks noChangeAspect="1"/>
-          </p:cNvPicPr>
-          <p:nvPr/>
-        </p:nvPicPr>
-        <p:blipFill>
-          <a:blip r:embed="rId4"/>
-          <a:srcRect/>
-          <a:stretch/>
-        </p:blipFill>
-        <p:spPr>
-          <a:xfrm>
-            <a:off x="4040512" y="3172786"/>
-            <a:ext cx="2468760" cy="1159569"/>
-          </a:xfrm>
-          <a:prstGeom prst="rect">
-            <a:avLst/>
-          </a:prstGeom>
-        </p:spPr>
-      </p:pic>
-      <p:pic>
-        <p:nvPicPr>
-          <p:cNvPr id="5" name="Рисунок 4" descr="Кнопка &quot;Слайд-шоу&quot;"/>
-          <p:cNvPicPr>
-            <a:picLocks noChangeAspect="1"/>
-          </p:cNvPicPr>
-          <p:nvPr/>
-        </p:nvPicPr>
-        <p:blipFill>
-          <a:blip r:embed="rId5"/>
-          <a:srcRect/>
-          <a:stretch/>
-        </p:blipFill>
-        <p:spPr>
-          <a:xfrm>
-            <a:off x="4193695" y="4344232"/>
-            <a:ext cx="2134319" cy="887083"/>
-          </a:xfrm>
-          <a:prstGeom prst="rect">
-            <a:avLst/>
-          </a:prstGeom>
-        </p:spPr>
-      </p:pic>
       <p:cxnSp>
         <p:nvCxnSpPr>
-          <p:cNvPr id="20" name="Прямая соединительная линия 19">
-            <a:extLst>
-              <a:ext uri="{C183D7F6-B498-43B3-948B-1728B52AA6E4}">
-                <adec:decorative xmlns:adec="http://schemas.microsoft.com/office/drawing/2017/decorative" val="1"/>
-              </a:ext>
-            </a:extLst>
-          </p:cNvPr>
+          <p:cNvPr id="20" name="Straight Connector 19" descr="Light grey line separating Morph text and images"/>
           <p:cNvCxnSpPr/>
           <p:nvPr/>
         </p:nvCxnSpPr>
         <p:spPr>
           <a:xfrm>
-            <a:off x="6653482" y="1472431"/>
+            <a:off x="6296866" y="1472431"/>
             <a:ext cx="0" cy="4892634"/>
           </a:xfrm>
           <a:prstGeom prst="line">
@@ -7684,7 +7093,7 @@
       </p:cxnSp>
       <p:sp>
         <p:nvSpPr>
-          <p:cNvPr id="10" name="Овал 9" descr="Большой синий круг и в нем маленький голубой круг"/>
+          <p:cNvPr id="10" name="Oval 9" descr="Large, blue circle with a small light blue circle inside"/>
           <p:cNvSpPr/>
           <p:nvPr/>
         </p:nvSpPr>
@@ -7725,7 +7134,7 @@
           <a:bodyPr rtlCol="0" anchor="ctr"/>
           <a:lstStyle/>
           <a:p>
-            <a:pPr marL="0" marR="0" lvl="0" indent="0" algn="ctr" defTabSz="914400" rtl="0" eaLnBrk="1" fontAlgn="auto" latinLnBrk="0" hangingPunct="1">
+            <a:pPr marL="0" marR="0" lvl="0" indent="0" algn="ctr" defTabSz="914400" eaLnBrk="1" fontAlgn="auto" latinLnBrk="0" hangingPunct="1">
               <a:lnSpc>
                 <a:spcPct val="100000"/>
               </a:lnSpc>
@@ -7742,7 +7151,7 @@
               <a:tabLst/>
               <a:defRPr/>
             </a:pPr>
-            <a:endParaRPr kumimoji="0" lang="ru-RU" sz="1800" b="0" i="0" u="none" strike="noStrike" kern="0" cap="none" spc="0" normalizeH="0" baseline="0">
+            <a:endParaRPr kumimoji="0" lang="en-US" sz="1800" b="0" i="0" u="none" strike="noStrike" kern="0" cap="none" spc="0" normalizeH="0" baseline="0" noProof="0" dirty="0">
               <a:ln>
                 <a:noFill/>
               </a:ln>
@@ -7758,7 +7167,7 @@
       </p:sp>
       <p:sp>
         <p:nvSpPr>
-          <p:cNvPr id="11" name="Овал 10" descr="Маленький голубой круг внутри большого синего круга"/>
+          <p:cNvPr id="11" name="Oval 10" descr="Small light blue circle inside a large dark blue circle"/>
           <p:cNvSpPr/>
           <p:nvPr/>
         </p:nvSpPr>
@@ -7800,7 +7209,7 @@
           <a:bodyPr rtlCol="0" anchor="ctr"/>
           <a:lstStyle/>
           <a:p>
-            <a:pPr marL="0" marR="0" lvl="0" indent="0" algn="ctr" defTabSz="914400" rtl="0" eaLnBrk="1" fontAlgn="auto" latinLnBrk="0" hangingPunct="1">
+            <a:pPr marL="0" marR="0" lvl="0" indent="0" algn="ctr" defTabSz="914400" eaLnBrk="1" fontAlgn="auto" latinLnBrk="0" hangingPunct="1">
               <a:lnSpc>
                 <a:spcPct val="100000"/>
               </a:lnSpc>
@@ -7817,7 +7226,7 @@
               <a:tabLst/>
               <a:defRPr/>
             </a:pPr>
-            <a:endParaRPr kumimoji="0" lang="ru-RU" sz="1800" b="0" i="0" u="none" strike="noStrike" kern="0" cap="none" spc="0" normalizeH="0" baseline="0">
+            <a:endParaRPr kumimoji="0" lang="en-US" sz="1800" b="0" i="0" u="none" strike="noStrike" kern="0" cap="none" spc="0" normalizeH="0" baseline="0" noProof="0" dirty="0">
               <a:ln>
                 <a:noFill/>
               </a:ln>
@@ -7863,7 +7272,7 @@
       </p:grpSpPr>
       <p:sp>
         <p:nvSpPr>
-          <p:cNvPr id="2" name="Заголовок 1"/>
+          <p:cNvPr id="2" name="Title 1"/>
           <p:cNvSpPr>
             <a:spLocks noGrp="1"/>
           </p:cNvSpPr>
@@ -7873,25 +7282,25 @@
         </p:nvSpPr>
         <p:spPr/>
         <p:txBody>
-          <a:bodyPr rtlCol="0">
+          <a:bodyPr>
             <a:normAutofit/>
           </a:bodyPr>
           <a:lstStyle/>
           <a:p>
-            <a:pPr lvl="0" rtl="0"/>
-            <a:r>
-              <a:rPr lang="ru-RU">
+            <a:pPr lvl="0"/>
+            <a:r>
+              <a:rPr lang="en-US" dirty="0">
                 <a:latin typeface="Segoe UI Light" panose="020B0502040204020203" pitchFamily="34" charset="0"/>
                 <a:cs typeface="Segoe UI Light" panose="020B0502040204020203" pitchFamily="34" charset="0"/>
               </a:rPr>
-              <a:t>Работайте вместе в реальном времени</a:t>
+              <a:t>Working together in real time</a:t>
             </a:r>
           </a:p>
         </p:txBody>
       </p:sp>
       <p:sp>
         <p:nvSpPr>
-          <p:cNvPr id="5" name="Объект 4"/>
+          <p:cNvPr id="5" name="Content Placeholder 4"/>
           <p:cNvSpPr>
             <a:spLocks noGrp="1"/>
           </p:cNvSpPr>
@@ -7911,7 +7320,7 @@
           </a:bodyPr>
           <a:lstStyle/>
           <a:p>
-            <a:pPr marL="0" indent="0" rtl="0">
+            <a:pPr marL="0" indent="0">
               <a:lnSpc>
                 <a:spcPts val="1800"/>
               </a:lnSpc>
@@ -7924,7 +7333,7 @@
               <a:buNone/>
             </a:pPr>
             <a:r>
-              <a:rPr lang="ru-RU" sz="1100">
+              <a:rPr lang="en-US" sz="1200" dirty="0">
                 <a:solidFill>
                   <a:prstClr val="black">
                     <a:lumMod val="75000"/>
@@ -7934,10 +7343,10 @@
                 <a:latin typeface="Segoe UI" panose="020B0502040204020203" pitchFamily="34" charset="0"/>
                 <a:cs typeface="Segoe UI" panose="020B0502040204020203" pitchFamily="34" charset="0"/>
               </a:rPr>
-              <a:t>Если вы предоставите другим людям доступ к своей презентации, они смогут работать над ней одновременно с вами. </a:t>
+              <a:t>When you share your presentation with others, you’ll see them working with you at the same time. </a:t>
             </a:r>
             <a:br>
-              <a:rPr lang="ru-RU" sz="1100">
+              <a:rPr lang="en-US" sz="1200" dirty="0">
                 <a:solidFill>
                   <a:prstClr val="black">
                     <a:lumMod val="75000"/>
@@ -7949,7 +7358,7 @@
               </a:rPr>
             </a:br>
             <a:br>
-              <a:rPr lang="ru-RU" sz="1100">
+              <a:rPr lang="en-US" sz="1200" dirty="0">
                 <a:solidFill>
                   <a:prstClr val="black">
                     <a:lumMod val="75000"/>
@@ -7961,7 +7370,7 @@
               </a:rPr>
             </a:br>
             <a:r>
-              <a:rPr lang="ru-RU" sz="1100">
+              <a:rPr lang="en-US" sz="1200" dirty="0">
                 <a:solidFill>
                   <a:prstClr val="black">
                     <a:lumMod val="75000"/>
@@ -7971,28 +7380,35 @@
                 <a:latin typeface="Segoe UI" panose="020B0502040204020203" pitchFamily="34" charset="0"/>
                 <a:cs typeface="Segoe UI" panose="020B0502040204020203" pitchFamily="34" charset="0"/>
               </a:rPr>
-              <a:t>Вот как это сделать:</a:t>
+              <a:t>How it works:</a:t>
             </a:r>
           </a:p>
         </p:txBody>
       </p:sp>
       <p:pic>
         <p:nvPicPr>
-          <p:cNvPr id="11" name="Рисунок 10" descr="Значок общего доступа, на котором показано число людей, работающих над презентацией "/>
+          <p:cNvPr id="11" name="Picture 10" descr="Share icon showing number of people  working on the presentation "/>
           <p:cNvPicPr>
             <a:picLocks noChangeAspect="1"/>
           </p:cNvPicPr>
           <p:nvPr/>
         </p:nvPicPr>
         <p:blipFill>
-          <a:blip r:embed="rId3"/>
-          <a:srcRect/>
-          <a:stretch/>
+          <a:blip r:embed="rId2">
+            <a:extLst>
+              <a:ext uri="{28A0092B-C50C-407E-A947-70E740481C1C}">
+                <a14:useLocalDpi xmlns:a14="http://schemas.microsoft.com/office/drawing/2010/main" val="0"/>
+              </a:ext>
+            </a:extLst>
+          </a:blip>
+          <a:stretch>
+            <a:fillRect/>
+          </a:stretch>
         </p:blipFill>
         <p:spPr>
           <a:xfrm>
             <a:off x="561984" y="2425111"/>
-            <a:ext cx="3262550" cy="1475659"/>
+            <a:ext cx="3262550" cy="1475660"/>
           </a:xfrm>
           <a:prstGeom prst="rect">
             <a:avLst/>
@@ -8001,7 +7417,7 @@
       </p:pic>
       <p:grpSp>
         <p:nvGrpSpPr>
-          <p:cNvPr id="33" name="Группа 32" descr="Маленький круг с цифрой 1, обозначающий действие 1"/>
+          <p:cNvPr id="33" name="Group 32" descr="Small circle with number 1 inside indicating step 1"/>
           <p:cNvGrpSpPr/>
           <p:nvPr/>
         </p:nvGrpSpPr>
@@ -8015,7 +7431,7 @@
         </p:grpSpPr>
         <p:sp>
           <p:nvSpPr>
-            <p:cNvPr id="34" name="Овал 33" descr="Маленький круг"/>
+            <p:cNvPr id="34" name="Oval 33" descr="Small circle"/>
             <p:cNvSpPr/>
             <p:nvPr/>
           </p:nvSpPr>
@@ -8054,14 +7470,14 @@
             <a:bodyPr rtlCol="0" anchor="ctr"/>
             <a:lstStyle/>
             <a:p>
-              <a:pPr algn="ctr" rtl="0"/>
-              <a:endParaRPr lang="ru-RU"/>
+              <a:pPr algn="ctr"/>
+              <a:endParaRPr lang="en-US" dirty="0"/>
             </a:p>
           </p:txBody>
         </p:sp>
         <p:sp>
           <p:nvSpPr>
-            <p:cNvPr id="35" name="Надпись 34" descr="Цифра 1"/>
+            <p:cNvPr id="35" name="TextBox 34" descr="Number 1"/>
             <p:cNvSpPr txBox="1"/>
             <p:nvPr/>
           </p:nvSpPr>
@@ -8081,9 +7497,9 @@
             </a:bodyPr>
             <a:lstStyle/>
             <a:p>
-              <a:pPr algn="ctr" rtl="0"/>
+              <a:pPr algn="ctr"/>
               <a:r>
-                <a:rPr lang="ru-RU">
+                <a:rPr lang="en-US" dirty="0">
                   <a:solidFill>
                     <a:schemeClr val="bg1"/>
                   </a:solidFill>
@@ -8098,7 +7514,7 @@
       </p:grpSp>
       <p:sp>
         <p:nvSpPr>
-          <p:cNvPr id="42" name="Объект 17"/>
+          <p:cNvPr id="42" name="Content Placeholder 17"/>
           <p:cNvSpPr txBox="1">
             <a:spLocks/>
           </p:cNvSpPr>
@@ -8106,8 +7522,8 @@
         </p:nvSpPr>
         <p:spPr>
           <a:xfrm>
-            <a:off x="1066038" y="4571824"/>
-            <a:ext cx="2958409" cy="1591232"/>
+            <a:off x="1066039" y="4571824"/>
+            <a:ext cx="2696774" cy="992581"/>
           </a:xfrm>
           <a:prstGeom prst="rect">
             <a:avLst/>
@@ -8312,14 +7728,14 @@
             </a:lvl9pPr>
           </a:lstStyle>
           <a:p>
-            <a:pPr marL="0" indent="0" rtl="0">
+            <a:pPr marL="0" indent="0">
               <a:spcAft>
                 <a:spcPts val="2000"/>
               </a:spcAft>
               <a:buNone/>
             </a:pPr>
             <a:r>
-              <a:rPr lang="ru-RU" sz="1100" dirty="0">
+              <a:rPr lang="en-US" dirty="0">
                 <a:solidFill>
                   <a:prstClr val="black">
                     <a:lumMod val="75000"/>
@@ -8329,20 +7745,20 @@
                 <a:latin typeface="Segoe UI" panose="020B0502040204020203" pitchFamily="34" charset="0"/>
                 <a:cs typeface="Segoe UI" panose="020B0502040204020203" pitchFamily="34" charset="0"/>
               </a:rPr>
-              <a:t>Вверху на ленте нажмите кнопку </a:t>
-            </a:r>
-            <a:r>
-              <a:rPr lang="ru-RU" sz="1100" dirty="0">
+              <a:t>Select </a:t>
+            </a:r>
+            <a:r>
+              <a:rPr lang="en-US" dirty="0">
                 <a:solidFill>
                   <a:srgbClr val="D24726"/>
                 </a:solidFill>
                 <a:latin typeface="Segoe UI" panose="020B0502040204020203" pitchFamily="34" charset="0"/>
                 <a:cs typeface="Segoe UI" panose="020B0502040204020203" pitchFamily="34" charset="0"/>
               </a:rPr>
-              <a:t>Поделиться</a:t>
-            </a:r>
-            <a:r>
-              <a:rPr lang="ru-RU" sz="1100" dirty="0">
+              <a:t>Share</a:t>
+            </a:r>
+            <a:r>
+              <a:rPr lang="en-US" dirty="0">
                 <a:solidFill>
                   <a:prstClr val="black">
                     <a:lumMod val="75000"/>
@@ -8352,51 +7768,84 @@
                 <a:latin typeface="Segoe UI" panose="020B0502040204020203" pitchFamily="34" charset="0"/>
                 <a:cs typeface="Segoe UI" panose="020B0502040204020203" pitchFamily="34" charset="0"/>
               </a:rPr>
-              <a:t>, или воспользуйтесь клавишами </a:t>
-            </a:r>
-            <a:r>
-              <a:rPr lang="ru-RU" sz="1100" dirty="0">
-                <a:solidFill>
-                  <a:srgbClr val="D24726"/>
+              <a:t> from above the ribbon, or by using </a:t>
+            </a:r>
+            <a:r>
+              <a:rPr lang="en-US">
+                <a:solidFill>
+                  <a:prstClr val="black">
+                    <a:lumMod val="75000"/>
+                    <a:lumOff val="25000"/>
+                  </a:prstClr>
                 </a:solidFill>
                 <a:latin typeface="Segoe UI" panose="020B0502040204020203" pitchFamily="34" charset="0"/>
                 <a:cs typeface="Segoe UI" panose="020B0502040204020203" pitchFamily="34" charset="0"/>
               </a:rPr>
-              <a:t>ALT+ZS</a:t>
-            </a:r>
-            <a:r>
-              <a:rPr lang="ru-RU" sz="1100" dirty="0">
-                <a:solidFill>
-                  <a:prstClr val="black">
-                    <a:lumMod val="75000"/>
-                    <a:lumOff val="25000"/>
-                  </a:prstClr>
+              <a:t>short-key </a:t>
+            </a:r>
+            <a:r>
+              <a:rPr lang="en-US">
+                <a:solidFill>
+                  <a:srgbClr val="D24726"/>
                 </a:solidFill>
                 <a:latin typeface="Segoe UI" panose="020B0502040204020203" pitchFamily="34" charset="0"/>
                 <a:cs typeface="Segoe UI" panose="020B0502040204020203" pitchFamily="34" charset="0"/>
               </a:rPr>
-              <a:t>, чтобы пригласить людей к совместной работе (на этом этапе можно сохранить файл в облаке).</a:t>
+              <a:t>Alt-ZS</a:t>
+            </a:r>
+            <a:r>
+              <a:rPr lang="en-US">
+                <a:solidFill>
+                  <a:prstClr val="black">
+                    <a:lumMod val="75000"/>
+                    <a:lumOff val="25000"/>
+                  </a:prstClr>
+                </a:solidFill>
+                <a:latin typeface="Segoe UI" panose="020B0502040204020203" pitchFamily="34" charset="0"/>
+                <a:cs typeface="Segoe UI" panose="020B0502040204020203" pitchFamily="34" charset="0"/>
+              </a:rPr>
+              <a:t>, </a:t>
+            </a:r>
+            <a:r>
+              <a:rPr lang="en-US" dirty="0">
+                <a:solidFill>
+                  <a:prstClr val="black">
+                    <a:lumMod val="75000"/>
+                    <a:lumOff val="25000"/>
+                  </a:prstClr>
+                </a:solidFill>
+                <a:latin typeface="Segoe UI" panose="020B0502040204020203" pitchFamily="34" charset="0"/>
+                <a:cs typeface="Segoe UI" panose="020B0502040204020203" pitchFamily="34" charset="0"/>
+              </a:rPr>
+              <a:t>to invite people to work with you (You can save to the cloud at this point.)</a:t>
             </a:r>
           </a:p>
         </p:txBody>
       </p:sp>
       <p:pic>
         <p:nvPicPr>
-          <p:cNvPr id="9" name="Рисунок 8" descr="Маркер, показывающий, кто работает над слайдом"/>
+          <p:cNvPr id="9" name="Picture 8" descr="Marker showing who is working on a slide"/>
           <p:cNvPicPr>
             <a:picLocks noChangeAspect="1"/>
           </p:cNvPicPr>
           <p:nvPr/>
         </p:nvPicPr>
         <p:blipFill>
-          <a:blip r:embed="rId4"/>
-          <a:srcRect/>
-          <a:stretch/>
+          <a:blip r:embed="rId3" cstate="print">
+            <a:extLst>
+              <a:ext uri="{28A0092B-C50C-407E-A947-70E740481C1C}">
+                <a14:useLocalDpi xmlns:a14="http://schemas.microsoft.com/office/drawing/2010/main" val="0"/>
+              </a:ext>
+            </a:extLst>
+          </a:blip>
+          <a:stretch>
+            <a:fillRect/>
+          </a:stretch>
         </p:blipFill>
         <p:spPr>
           <a:xfrm>
             <a:off x="3861352" y="2434307"/>
-            <a:ext cx="3841692" cy="2512927"/>
+            <a:ext cx="3841692" cy="2512928"/>
           </a:xfrm>
           <a:prstGeom prst="rect">
             <a:avLst/>
@@ -8405,7 +7854,7 @@
       </p:pic>
       <p:grpSp>
         <p:nvGrpSpPr>
-          <p:cNvPr id="36" name="Группа 35" descr="Маленький круг с цифрой 2, обозначающий действие 2"/>
+          <p:cNvPr id="36" name="Group 35" descr="Small circle with number 2 inside indicating step 2"/>
           <p:cNvGrpSpPr/>
           <p:nvPr/>
         </p:nvGrpSpPr>
@@ -8419,7 +7868,7 @@
         </p:grpSpPr>
         <p:sp>
           <p:nvSpPr>
-            <p:cNvPr id="37" name="Овал 36" descr="Маленький круг"/>
+            <p:cNvPr id="37" name="Oval 36" descr="Small circle"/>
             <p:cNvSpPr/>
             <p:nvPr/>
           </p:nvSpPr>
@@ -8458,14 +7907,14 @@
             <a:bodyPr rtlCol="0" anchor="ctr"/>
             <a:lstStyle/>
             <a:p>
-              <a:pPr algn="ctr" rtl="0"/>
-              <a:endParaRPr lang="ru-RU"/>
+              <a:pPr algn="ctr"/>
+              <a:endParaRPr lang="en-US" dirty="0"/>
             </a:p>
           </p:txBody>
         </p:sp>
         <p:sp>
           <p:nvSpPr>
-            <p:cNvPr id="38" name="Надпись 37" descr="Цифра 2"/>
+            <p:cNvPr id="38" name="TextBox 37" descr="Number 2"/>
             <p:cNvSpPr txBox="1"/>
             <p:nvPr/>
           </p:nvSpPr>
@@ -8485,9 +7934,9 @@
             </a:bodyPr>
             <a:lstStyle/>
             <a:p>
-              <a:pPr algn="ctr" rtl="0"/>
+              <a:pPr algn="ctr"/>
               <a:r>
-                <a:rPr lang="ru-RU">
+                <a:rPr lang="en-US" dirty="0">
                   <a:solidFill>
                     <a:schemeClr val="bg1"/>
                   </a:solidFill>
@@ -8502,7 +7951,7 @@
       </p:grpSp>
       <p:sp>
         <p:nvSpPr>
-          <p:cNvPr id="43" name="Объект 17"/>
+          <p:cNvPr id="43" name="Content Placeholder 17"/>
           <p:cNvSpPr txBox="1">
             <a:spLocks/>
           </p:cNvSpPr>
@@ -8716,14 +8165,14 @@
             </a:lvl9pPr>
           </a:lstStyle>
           <a:p>
-            <a:pPr marL="0" indent="0" rtl="0">
+            <a:pPr marL="0" indent="0">
               <a:spcAft>
                 <a:spcPts val="2000"/>
               </a:spcAft>
               <a:buNone/>
             </a:pPr>
             <a:r>
-              <a:rPr lang="ru-RU" sz="1100">
+              <a:rPr lang="en-US" dirty="0">
                 <a:solidFill>
                   <a:prstClr val="black">
                     <a:lumMod val="75000"/>
@@ -8733,28 +8182,35 @@
                 <a:latin typeface="Segoe UI" panose="020B0502040204020203" pitchFamily="34" charset="0"/>
                 <a:cs typeface="Segoe UI" panose="020B0502040204020203" pitchFamily="34" charset="0"/>
               </a:rPr>
-              <a:t>Когда другие люди работают над презентацией, маркер показывает, кто над каким слайдом работает…</a:t>
+              <a:t>When other people are in the presentation, a marker shows who is on which slide…</a:t>
             </a:r>
           </a:p>
         </p:txBody>
       </p:sp>
       <p:pic>
         <p:nvPicPr>
-          <p:cNvPr id="12" name="Рисунок 11" descr="Маркер, показывающий, какая часть слайда редактируется"/>
+          <p:cNvPr id="12" name="Picture 11" descr="Maker showing the part of the slide being edited"/>
           <p:cNvPicPr>
             <a:picLocks noChangeAspect="1"/>
           </p:cNvPicPr>
           <p:nvPr/>
         </p:nvPicPr>
         <p:blipFill>
-          <a:blip r:embed="rId5"/>
-          <a:srcRect/>
-          <a:stretch/>
+          <a:blip r:embed="rId4" cstate="print">
+            <a:extLst>
+              <a:ext uri="{28A0092B-C50C-407E-A947-70E740481C1C}">
+                <a14:useLocalDpi xmlns:a14="http://schemas.microsoft.com/office/drawing/2010/main" val="0"/>
+              </a:ext>
+            </a:extLst>
+          </a:blip>
+          <a:stretch>
+            <a:fillRect/>
+          </a:stretch>
         </p:blipFill>
         <p:spPr>
           <a:xfrm>
             <a:off x="7899419" y="2350394"/>
-            <a:ext cx="3563782" cy="2305343"/>
+            <a:ext cx="3563782" cy="2305344"/>
           </a:xfrm>
           <a:prstGeom prst="rect">
             <a:avLst/>
@@ -8763,7 +8219,7 @@
       </p:pic>
       <p:grpSp>
         <p:nvGrpSpPr>
-          <p:cNvPr id="39" name="Группа 38" descr="Маленький круг с цифрой 3, обозначающий действие 3"/>
+          <p:cNvPr id="39" name="Group 38" descr="Small circle with number 3 inside  indicating step 3"/>
           <p:cNvGrpSpPr/>
           <p:nvPr/>
         </p:nvGrpSpPr>
@@ -8777,7 +8233,7 @@
         </p:grpSpPr>
         <p:sp>
           <p:nvSpPr>
-            <p:cNvPr id="40" name="Овал 39" descr="Маленький круг"/>
+            <p:cNvPr id="40" name="Oval 39" descr="Small circle"/>
             <p:cNvSpPr/>
             <p:nvPr/>
           </p:nvSpPr>
@@ -8816,14 +8272,14 @@
             <a:bodyPr rtlCol="0" anchor="ctr"/>
             <a:lstStyle/>
             <a:p>
-              <a:pPr algn="ctr" rtl="0"/>
-              <a:endParaRPr lang="ru-RU"/>
+              <a:pPr algn="ctr"/>
+              <a:endParaRPr lang="en-US" dirty="0"/>
             </a:p>
           </p:txBody>
         </p:sp>
         <p:sp>
           <p:nvSpPr>
-            <p:cNvPr id="41" name="Надпись 40" descr="Цифра 3"/>
+            <p:cNvPr id="41" name="TextBox 40" descr="Number 3"/>
             <p:cNvSpPr txBox="1"/>
             <p:nvPr/>
           </p:nvSpPr>
@@ -8843,9 +8299,9 @@
             </a:bodyPr>
             <a:lstStyle/>
             <a:p>
-              <a:pPr algn="ctr" rtl="0"/>
+              <a:pPr algn="ctr"/>
               <a:r>
-                <a:rPr lang="ru-RU">
+                <a:rPr lang="en-US" dirty="0">
                   <a:solidFill>
                     <a:schemeClr val="bg1"/>
                   </a:solidFill>
@@ -8860,7 +8316,7 @@
       </p:grpSp>
       <p:sp>
         <p:nvSpPr>
-          <p:cNvPr id="44" name="Объект 17"/>
+          <p:cNvPr id="44" name="Content Placeholder 17"/>
           <p:cNvSpPr txBox="1">
             <a:spLocks/>
           </p:cNvSpPr>
@@ -9074,14 +8530,14 @@
             </a:lvl9pPr>
           </a:lstStyle>
           <a:p>
-            <a:pPr marL="0" indent="0" rtl="0">
+            <a:pPr marL="0" indent="0">
               <a:spcAft>
                 <a:spcPts val="2000"/>
               </a:spcAft>
               <a:buNone/>
             </a:pPr>
             <a:r>
-              <a:rPr lang="ru-RU" sz="1100">
+              <a:rPr lang="en-US" dirty="0">
                 <a:solidFill>
                   <a:prstClr val="black">
                     <a:lumMod val="75000"/>
@@ -9091,7 +8547,7 @@
                 <a:latin typeface="Segoe UI" panose="020B0502040204020203" pitchFamily="34" charset="0"/>
                 <a:cs typeface="Segoe UI" panose="020B0502040204020203" pitchFamily="34" charset="0"/>
               </a:rPr>
-              <a:t>…и какую часть слайда редактирует.</a:t>
+              <a:t>…and the part of the slide they're editing.</a:t>
             </a:r>
           </a:p>
         </p:txBody>
@@ -9136,7 +8592,7 @@
       </p:grpSpPr>
       <p:sp>
         <p:nvSpPr>
-          <p:cNvPr id="6" name="Заголовок 5"/>
+          <p:cNvPr id="6" name="Title 5"/>
           <p:cNvSpPr>
             <a:spLocks noGrp="1"/>
           </p:cNvSpPr>
@@ -9146,23 +8602,22 @@
         </p:nvSpPr>
         <p:spPr/>
         <p:txBody>
-          <a:bodyPr rtlCol="0"/>
+          <a:bodyPr/>
           <a:lstStyle/>
           <a:p>
-            <a:pPr rtl="0"/>
-            <a:r>
-              <a:rPr lang="ru-RU">
+            <a:r>
+              <a:rPr lang="en-US" dirty="0">
                 <a:latin typeface="Segoe UI Light" panose="020B0502040204020203" pitchFamily="34" charset="0"/>
                 <a:cs typeface="Segoe UI Light" panose="020B0502040204020203" pitchFamily="34" charset="0"/>
               </a:rPr>
-              <a:t>Станьте экспертом благодаря помощнику</a:t>
+              <a:t>You’re an expert with Tell Me</a:t>
             </a:r>
           </a:p>
         </p:txBody>
       </p:sp>
       <p:sp>
         <p:nvSpPr>
-          <p:cNvPr id="38" name="Объект 17"/>
+          <p:cNvPr id="38" name="Content Placeholder 17"/>
           <p:cNvSpPr txBox="1">
             <a:spLocks/>
           </p:cNvSpPr>
@@ -9376,14 +8831,14 @@
             </a:lvl9pPr>
           </a:lstStyle>
           <a:p>
-            <a:pPr marL="0" indent="0" rtl="0">
+            <a:pPr marL="0" indent="0">
               <a:spcAft>
                 <a:spcPts val="2000"/>
               </a:spcAft>
               <a:buNone/>
             </a:pPr>
             <a:r>
-              <a:rPr lang="ru-RU" sz="1100">
+              <a:rPr lang="en-US" dirty="0">
                 <a:solidFill>
                   <a:prstClr val="black">
                     <a:lumMod val="75000"/>
@@ -9393,10 +8848,10 @@
                 <a:latin typeface="Segoe UI" panose="020B0502040204020203" pitchFamily="34" charset="0"/>
                 <a:cs typeface="Segoe UI" panose="020B0502040204020203" pitchFamily="34" charset="0"/>
               </a:rPr>
-              <a:t>Помощник находит правильные команды, когда они нужны, </a:t>
+              <a:t>The Tell Me box finds the right command when you need it, </a:t>
             </a:r>
             <a:br>
-              <a:rPr lang="ru-RU" sz="1100">
+              <a:rPr lang="en-US" dirty="0">
                 <a:solidFill>
                   <a:prstClr val="black">
                     <a:lumMod val="75000"/>
@@ -9408,7 +8863,7 @@
               </a:rPr>
             </a:br>
             <a:r>
-              <a:rPr lang="ru-RU" sz="1100">
+              <a:rPr lang="en-US" dirty="0">
                 <a:solidFill>
                   <a:prstClr val="black">
                     <a:lumMod val="75000"/>
@@ -9418,33 +8873,33 @@
                 <a:latin typeface="Segoe UI" panose="020B0502040204020203" pitchFamily="34" charset="0"/>
                 <a:cs typeface="Segoe UI" panose="020B0502040204020203" pitchFamily="34" charset="0"/>
               </a:rPr>
-              <a:t>позволяя вам сэкономить время и сосредоточиться на своей работе.</a:t>
+              <a:t>so you can save time and focus on your work.</a:t>
             </a:r>
             <a:br>
-              <a:rPr lang="ru-RU" sz="1100">
+              <a:rPr lang="en-US" dirty="0">
                 <a:latin typeface="Segoe UI" panose="020B0502040204020203" pitchFamily="34" charset="0"/>
                 <a:cs typeface="Segoe UI" panose="020B0502040204020203" pitchFamily="34" charset="0"/>
               </a:rPr>
             </a:br>
             <a:br>
-              <a:rPr lang="ru-RU" sz="1100">
+              <a:rPr lang="en-US" dirty="0">
                 <a:latin typeface="Segoe UI" panose="020B0502040204020203" pitchFamily="34" charset="0"/>
                 <a:cs typeface="Segoe UI" panose="020B0502040204020203" pitchFamily="34" charset="0"/>
               </a:rPr>
             </a:br>
             <a:r>
-              <a:rPr lang="ru-RU" sz="1100">
+              <a:rPr lang="en-US" dirty="0">
                 <a:latin typeface="Segoe UI" panose="020B0502040204020203" pitchFamily="34" charset="0"/>
                 <a:cs typeface="Segoe UI" panose="020B0502040204020203" pitchFamily="34" charset="0"/>
               </a:rPr>
-              <a:t>Попробуйте сами!</a:t>
+              <a:t>Try it:</a:t>
             </a:r>
           </a:p>
         </p:txBody>
       </p:sp>
       <p:grpSp>
         <p:nvGrpSpPr>
-          <p:cNvPr id="4" name="Группа 3" descr="Маленький круг с цифрой 1, обозначающий действие 1"/>
+          <p:cNvPr id="4" name="Group 3" descr="Small circle with number 1 inside  indicating step 1"/>
           <p:cNvGrpSpPr/>
           <p:nvPr/>
         </p:nvGrpSpPr>
@@ -9458,7 +8913,7 @@
         </p:grpSpPr>
         <p:sp>
           <p:nvSpPr>
-            <p:cNvPr id="2" name="Овал 1" descr="Маленький круг"/>
+            <p:cNvPr id="2" name="Oval 1" descr="Small circle"/>
             <p:cNvSpPr/>
             <p:nvPr/>
           </p:nvSpPr>
@@ -9497,14 +8952,14 @@
             <a:bodyPr rtlCol="0" anchor="ctr"/>
             <a:lstStyle/>
             <a:p>
-              <a:pPr algn="ctr" rtl="0"/>
-              <a:endParaRPr lang="ru-RU"/>
+              <a:pPr algn="ctr"/>
+              <a:endParaRPr lang="en-US" dirty="0"/>
             </a:p>
           </p:txBody>
         </p:sp>
         <p:sp>
           <p:nvSpPr>
-            <p:cNvPr id="3" name="Надпись 2" descr="Цифра 1"/>
+            <p:cNvPr id="3" name="TextBox 2" descr="Number 1"/>
             <p:cNvSpPr txBox="1">
               <a:spLocks noChangeAspect="1"/>
             </p:cNvSpPr>
@@ -9526,9 +8981,9 @@
             </a:bodyPr>
             <a:lstStyle/>
             <a:p>
-              <a:pPr algn="ctr" rtl="0"/>
+              <a:pPr algn="ctr"/>
               <a:r>
-                <a:rPr lang="ru-RU">
+                <a:rPr lang="en-US" dirty="0">
                   <a:solidFill>
                     <a:schemeClr val="bg1"/>
                   </a:solidFill>
@@ -9543,7 +8998,7 @@
       </p:grpSp>
       <p:sp>
         <p:nvSpPr>
-          <p:cNvPr id="29" name="Объект 17"/>
+          <p:cNvPr id="29" name="Content Placeholder 17"/>
           <p:cNvSpPr txBox="1">
             <a:spLocks/>
           </p:cNvSpPr>
@@ -9757,7 +9212,7 @@
             </a:lvl9pPr>
           </a:lstStyle>
           <a:p>
-            <a:pPr marL="0" lvl="0" indent="0" defTabSz="512763" rtl="0">
+            <a:pPr marL="0" lvl="0" indent="0" defTabSz="512763">
               <a:lnSpc>
                 <a:spcPct val="100000"/>
               </a:lnSpc>
@@ -9770,7 +9225,7 @@
               <a:buNone/>
             </a:pPr>
             <a:r>
-              <a:rPr lang="ru-RU" sz="1100">
+              <a:rPr lang="en-US" dirty="0">
                 <a:solidFill>
                   <a:prstClr val="black">
                     <a:lumMod val="75000"/>
@@ -9780,20 +9235,20 @@
                 <a:latin typeface="Segoe UI" panose="020B0502040204020203" pitchFamily="34" charset="0"/>
                 <a:cs typeface="Segoe UI" panose="020B0502040204020203" pitchFamily="34" charset="0"/>
               </a:rPr>
-              <a:t>Выберите справа </a:t>
-            </a:r>
-            <a:r>
-              <a:rPr lang="ru-RU" sz="1100">
+              <a:t>Select </a:t>
+            </a:r>
+            <a:r>
+              <a:rPr lang="en-US" dirty="0">
                 <a:solidFill>
                   <a:srgbClr val="404040"/>
                 </a:solidFill>
                 <a:latin typeface="Segoe UI" panose="020B0502040204020203" pitchFamily="34" charset="0"/>
                 <a:cs typeface="Segoe UI" panose="020B0502040204020203" pitchFamily="34" charset="0"/>
               </a:rPr>
-              <a:t>изображение робота</a:t>
-            </a:r>
-            <a:r>
-              <a:rPr lang="ru-RU" sz="1100">
+              <a:t>the Robot picture </a:t>
+            </a:r>
+            <a:r>
+              <a:rPr lang="en-US" dirty="0">
                 <a:solidFill>
                   <a:prstClr val="black">
                     <a:lumMod val="75000"/>
@@ -9803,14 +9258,138 @@
                 <a:latin typeface="Segoe UI" panose="020B0502040204020203" pitchFamily="34" charset="0"/>
                 <a:cs typeface="Segoe UI" panose="020B0502040204020203" pitchFamily="34" charset="0"/>
               </a:rPr>
-              <a:t>.</a:t>
+              <a:t>on the right.</a:t>
             </a:r>
           </a:p>
         </p:txBody>
       </p:sp>
+      <p:sp>
+        <p:nvSpPr>
+          <p:cNvPr id="25" name="Text Box 16" descr="Select me"/>
+          <p:cNvSpPr txBox="1"/>
+          <p:nvPr/>
+        </p:nvSpPr>
+        <p:spPr>
+          <a:xfrm rot="21077122">
+            <a:off x="6043297" y="1772253"/>
+            <a:ext cx="1334770" cy="435610"/>
+          </a:xfrm>
+          <a:prstGeom prst="rect">
+            <a:avLst/>
+          </a:prstGeom>
+          <a:noFill/>
+          <a:ln>
+            <a:noFill/>
+          </a:ln>
+          <a:effectLst/>
+          <a:extLst>
+            <a:ext uri="{C572A759-6A51-4108-AA02-DFA0A04FC94B}">
+              <ma14:wrappingTextBoxFlag xmlns:ma14="http://schemas.microsoft.com/office/mac/drawingml/2011/main" xmlns=""/>
+            </a:ext>
+          </a:extLst>
+        </p:spPr>
+        <p:txBody>
+          <a:bodyPr rot="0" spcFirstLastPara="0" vert="horz" wrap="none" lIns="91440" tIns="45720" rIns="91440" bIns="45720" numCol="1" spcCol="0" rtlCol="0" fromWordArt="0" anchor="t" anchorCtr="0" forceAA="0" compatLnSpc="1">
+            <a:prstTxWarp prst="textNoShape">
+              <a:avLst/>
+            </a:prstTxWarp>
+            <a:noAutofit/>
+          </a:bodyPr>
+          <a:lstStyle/>
+          <a:p>
+            <a:pPr marL="0" marR="0" algn="ctr">
+              <a:spcBef>
+                <a:spcPts val="0"/>
+              </a:spcBef>
+              <a:spcAft>
+                <a:spcPts val="200"/>
+              </a:spcAft>
+              <a:tabLst>
+                <a:tab pos="4931410" algn="l"/>
+              </a:tabLst>
+            </a:pPr>
+            <a:r>
+              <a:rPr lang="en-US" sz="1200" b="1" kern="1000" spc="100" dirty="0">
+                <a:ln>
+                  <a:noFill/>
+                </a:ln>
+                <a:solidFill>
+                  <a:srgbClr val="D24726"/>
+                </a:solidFill>
+                <a:effectLst/>
+                <a:latin typeface="Segoe UI Semibold" panose="020B0702040204020203" pitchFamily="34" charset="0"/>
+                <a:ea typeface="SimHei" panose="02010609060101010101" pitchFamily="49" charset="-122"/>
+                <a:cs typeface="Times New Roman" panose="02020603050405020304" pitchFamily="18" charset="0"/>
+              </a:rPr>
+              <a:t>SELECT ME</a:t>
+            </a:r>
+            <a:endParaRPr lang="en-US" sz="1200" b="1" kern="1400" dirty="0">
+              <a:solidFill>
+                <a:srgbClr val="D24726"/>
+              </a:solidFill>
+              <a:effectLst/>
+              <a:latin typeface="Segoe UI Light" panose="020B0502040204020203" pitchFamily="34" charset="0"/>
+              <a:ea typeface="SimHei" panose="02010609060101010101" pitchFamily="49" charset="-122"/>
+              <a:cs typeface="Times New Roman" panose="02020603050405020304" pitchFamily="18" charset="0"/>
+            </a:endParaRPr>
+          </a:p>
+        </p:txBody>
+      </p:sp>
+      <p:pic>
+        <p:nvPicPr>
+          <p:cNvPr id="24" name="Picture 23" descr="Curved arrow"/>
+          <p:cNvPicPr/>
+          <p:nvPr/>
+        </p:nvPicPr>
+        <p:blipFill>
+          <a:blip r:embed="rId2" cstate="print">
+            <a:extLst>
+              <a:ext uri="{28A0092B-C50C-407E-A947-70E740481C1C}">
+                <a14:useLocalDpi xmlns:a14="http://schemas.microsoft.com/office/drawing/2010/main" val="0"/>
+              </a:ext>
+            </a:extLst>
+          </a:blip>
+          <a:stretch>
+            <a:fillRect/>
+          </a:stretch>
+        </p:blipFill>
+        <p:spPr>
+          <a:xfrm rot="3861835" flipH="1">
+            <a:off x="6740574" y="1787378"/>
+            <a:ext cx="851862" cy="939987"/>
+          </a:xfrm>
+          <a:prstGeom prst="rect">
+            <a:avLst/>
+          </a:prstGeom>
+        </p:spPr>
+      </p:pic>
+      <p:pic>
+        <p:nvPicPr>
+          <p:cNvPr id="23" name="Picture 22" descr="Robot"/>
+          <p:cNvPicPr>
+            <a:picLocks noChangeAspect="1"/>
+          </p:cNvPicPr>
+          <p:nvPr/>
+        </p:nvPicPr>
+        <p:blipFill>
+          <a:blip r:embed="rId3"/>
+          <a:stretch>
+            <a:fillRect/>
+          </a:stretch>
+        </p:blipFill>
+        <p:spPr>
+          <a:xfrm>
+            <a:off x="7912741" y="1646170"/>
+            <a:ext cx="2775459" cy="4531804"/>
+          </a:xfrm>
+          <a:prstGeom prst="rect">
+            <a:avLst/>
+          </a:prstGeom>
+        </p:spPr>
+      </p:pic>
       <p:grpSp>
         <p:nvGrpSpPr>
-          <p:cNvPr id="19" name="Группа 18" descr="Маленький круг с цифрой 2, обозначающий действие 2"/>
+          <p:cNvPr id="19" name="Group 18" descr="Small circle with number 2 inside  indicating step 2"/>
           <p:cNvGrpSpPr/>
           <p:nvPr/>
         </p:nvGrpSpPr>
@@ -9824,7 +9403,7 @@
         </p:grpSpPr>
         <p:sp>
           <p:nvSpPr>
-            <p:cNvPr id="20" name="Овал 19" descr="Маленький круг"/>
+            <p:cNvPr id="20" name="Oval 19" descr="Small circle"/>
             <p:cNvSpPr/>
             <p:nvPr/>
           </p:nvSpPr>
@@ -9863,14 +9442,14 @@
             <a:bodyPr rtlCol="0" anchor="ctr"/>
             <a:lstStyle/>
             <a:p>
-              <a:pPr algn="ctr" rtl="0"/>
-              <a:endParaRPr lang="ru-RU"/>
+              <a:pPr algn="ctr"/>
+              <a:endParaRPr lang="en-US" dirty="0"/>
             </a:p>
           </p:txBody>
         </p:sp>
         <p:sp>
           <p:nvSpPr>
-            <p:cNvPr id="21" name="Надпись 20" descr="Цифра 2"/>
+            <p:cNvPr id="21" name="TextBox 20" descr="Number 2"/>
             <p:cNvSpPr txBox="1">
               <a:spLocks noChangeAspect="1"/>
             </p:cNvSpPr>
@@ -9892,9 +9471,9 @@
             </a:bodyPr>
             <a:lstStyle/>
             <a:p>
-              <a:pPr algn="ctr" rtl="0"/>
+              <a:pPr algn="ctr"/>
               <a:r>
-                <a:rPr lang="ru-RU">
+                <a:rPr lang="en-US" dirty="0">
                   <a:solidFill>
                     <a:schemeClr val="bg1"/>
                   </a:solidFill>
@@ -9909,7 +9488,7 @@
       </p:grpSp>
       <p:sp>
         <p:nvSpPr>
-          <p:cNvPr id="22" name="Объект 17"/>
+          <p:cNvPr id="22" name="Content Placeholder 17"/>
           <p:cNvSpPr txBox="1">
             <a:spLocks/>
           </p:cNvSpPr>
@@ -10123,11 +9702,11 @@
             </a:lvl9pPr>
           </a:lstStyle>
           <a:p>
-            <a:pPr marL="0" indent="0" rtl="0">
+            <a:pPr marL="0" indent="0">
               <a:buNone/>
             </a:pPr>
             <a:r>
-              <a:rPr lang="ru-RU" sz="1100">
+              <a:rPr lang="en-US" dirty="0">
                 <a:solidFill>
                   <a:prstClr val="black">
                     <a:lumMod val="75000"/>
@@ -10137,10 +9716,10 @@
                 <a:latin typeface="Segoe UI" panose="020B0502040204020203" pitchFamily="34" charset="0"/>
                 <a:cs typeface="Segoe UI" panose="020B0502040204020203" pitchFamily="34" charset="0"/>
               </a:rPr>
-              <a:t>Введите слово</a:t>
-            </a:r>
-            <a:r>
-              <a:rPr lang="ru-RU" sz="1100">
+              <a:t>Type</a:t>
+            </a:r>
+            <a:r>
+              <a:rPr lang="en-US" dirty="0">
                 <a:solidFill>
                   <a:prstClr val="black">
                     <a:lumMod val="75000"/>
@@ -10151,17 +9730,17 @@
               <a:t> </a:t>
             </a:r>
             <a:r>
-              <a:rPr lang="ru-RU" sz="1100" i="1">
+              <a:rPr lang="en-US" i="1" dirty="0">
                 <a:solidFill>
                   <a:srgbClr val="D24726"/>
                 </a:solidFill>
                 <a:latin typeface="Segoe UI" panose="020B0502040204020203" pitchFamily="34" charset="0"/>
                 <a:cs typeface="Segoe UI" panose="020B0502040204020203" pitchFamily="34" charset="0"/>
               </a:rPr>
-              <a:t>анимация</a:t>
-            </a:r>
-            <a:r>
-              <a:rPr lang="ru-RU" sz="1100">
+              <a:t>animation</a:t>
+            </a:r>
+            <a:r>
+              <a:rPr lang="en-US" dirty="0">
                 <a:solidFill>
                   <a:prstClr val="black">
                     <a:lumMod val="75000"/>
@@ -10172,7 +9751,7 @@
               <a:t> </a:t>
             </a:r>
             <a:r>
-              <a:rPr lang="ru-RU" sz="1100">
+              <a:rPr lang="en-US" dirty="0">
                 <a:solidFill>
                   <a:prstClr val="black">
                     <a:lumMod val="75000"/>
@@ -10182,20 +9761,20 @@
                 <a:latin typeface="Segoe UI" panose="020B0502040204020203" pitchFamily="34" charset="0"/>
                 <a:cs typeface="Segoe UI" panose="020B0502040204020203" pitchFamily="34" charset="0"/>
               </a:rPr>
-              <a:t>в поле </a:t>
-            </a:r>
-            <a:r>
-              <a:rPr lang="ru-RU" sz="1100">
+              <a:t>in the </a:t>
+            </a:r>
+            <a:r>
+              <a:rPr lang="en-US" dirty="0">
                 <a:solidFill>
                   <a:srgbClr val="D24726"/>
                 </a:solidFill>
                 <a:latin typeface="Segoe UI Semibold" panose="020B0702040204020203" pitchFamily="34" charset="0"/>
                 <a:cs typeface="Segoe UI Semibold" panose="020B0702040204020203" pitchFamily="34" charset="0"/>
               </a:rPr>
-              <a:t>помощника </a:t>
-            </a:r>
-            <a:r>
-              <a:rPr lang="ru-RU" sz="1100">
+              <a:t>Tell Me </a:t>
+            </a:r>
+            <a:r>
+              <a:rPr lang="en-US" dirty="0">
                 <a:solidFill>
                   <a:prstClr val="black">
                     <a:lumMod val="75000"/>
@@ -10205,20 +9784,20 @@
                 <a:latin typeface="Segoe UI" panose="020B0502040204020203" pitchFamily="34" charset="0"/>
                 <a:cs typeface="Segoe UI" panose="020B0502040204020203" pitchFamily="34" charset="0"/>
               </a:rPr>
-              <a:t>и выберите команду </a:t>
-            </a:r>
-            <a:r>
-              <a:rPr lang="ru-RU" sz="1100">
+              <a:t>box, and then choose </a:t>
+            </a:r>
+            <a:r>
+              <a:rPr lang="en-US" dirty="0">
                 <a:solidFill>
                   <a:srgbClr val="D24726"/>
                 </a:solidFill>
                 <a:latin typeface="Segoe UI Semibold" panose="020B0702040204020203" pitchFamily="34" charset="0"/>
                 <a:cs typeface="Segoe UI Semibold" panose="020B0702040204020203" pitchFamily="34" charset="0"/>
               </a:rPr>
-              <a:t>Добавить анимацию</a:t>
-            </a:r>
-            <a:r>
-              <a:rPr lang="ru-RU" sz="1100">
+              <a:t>Add Animation</a:t>
+            </a:r>
+            <a:r>
+              <a:rPr lang="en-US" dirty="0">
                 <a:solidFill>
                   <a:prstClr val="black">
                     <a:lumMod val="75000"/>
@@ -10233,9 +9812,39 @@
           </a:p>
         </p:txBody>
       </p:sp>
+      <p:pic>
+        <p:nvPicPr>
+          <p:cNvPr id="5" name="Picture 4" descr="Tell Me box"/>
+          <p:cNvPicPr>
+            <a:picLocks noChangeAspect="1"/>
+          </p:cNvPicPr>
+          <p:nvPr/>
+        </p:nvPicPr>
+        <p:blipFill>
+          <a:blip r:embed="rId4" cstate="print">
+            <a:extLst>
+              <a:ext uri="{28A0092B-C50C-407E-A947-70E740481C1C}">
+                <a14:useLocalDpi xmlns:a14="http://schemas.microsoft.com/office/drawing/2010/main" val="0"/>
+              </a:ext>
+            </a:extLst>
+          </a:blip>
+          <a:stretch>
+            <a:fillRect/>
+          </a:stretch>
+        </p:blipFill>
+        <p:spPr>
+          <a:xfrm>
+            <a:off x="4407766" y="3410945"/>
+            <a:ext cx="2106152" cy="220833"/>
+          </a:xfrm>
+          <a:prstGeom prst="rect">
+            <a:avLst/>
+          </a:prstGeom>
+        </p:spPr>
+      </p:pic>
       <p:grpSp>
         <p:nvGrpSpPr>
-          <p:cNvPr id="31" name="Группа 30" descr="Маленький круг с цифрой 3, обозначающий действие 3"/>
+          <p:cNvPr id="31" name="Group 30" descr="Small circle with number 3 inside  indicating step 3"/>
           <p:cNvGrpSpPr/>
           <p:nvPr/>
         </p:nvGrpSpPr>
@@ -10249,7 +9858,7 @@
         </p:grpSpPr>
         <p:sp>
           <p:nvSpPr>
-            <p:cNvPr id="32" name="Овал 31" descr="Маленький круг"/>
+            <p:cNvPr id="32" name="Oval 31" descr="Small circle"/>
             <p:cNvSpPr/>
             <p:nvPr/>
           </p:nvSpPr>
@@ -10288,14 +9897,14 @@
             <a:bodyPr rtlCol="0" anchor="ctr"/>
             <a:lstStyle/>
             <a:p>
-              <a:pPr algn="ctr" rtl="0"/>
-              <a:endParaRPr lang="ru-RU"/>
+              <a:pPr algn="ctr"/>
+              <a:endParaRPr lang="en-US" dirty="0"/>
             </a:p>
           </p:txBody>
         </p:sp>
         <p:sp>
           <p:nvSpPr>
-            <p:cNvPr id="33" name="Надпись 32" descr="Цифра 3"/>
+            <p:cNvPr id="33" name="TextBox 32" descr="Number 3"/>
             <p:cNvSpPr txBox="1">
               <a:spLocks noChangeAspect="1"/>
             </p:cNvSpPr>
@@ -10317,9 +9926,9 @@
             </a:bodyPr>
             <a:lstStyle/>
             <a:p>
-              <a:pPr algn="ctr" rtl="0"/>
+              <a:pPr algn="ctr"/>
               <a:r>
-                <a:rPr lang="ru-RU">
+                <a:rPr lang="en-US" dirty="0">
                   <a:solidFill>
                     <a:schemeClr val="bg1"/>
                   </a:solidFill>
@@ -10334,7 +9943,7 @@
       </p:grpSp>
       <p:sp>
         <p:nvSpPr>
-          <p:cNvPr id="34" name="Объект 17"/>
+          <p:cNvPr id="34" name="Content Placeholder 17"/>
           <p:cNvSpPr txBox="1">
             <a:spLocks/>
           </p:cNvSpPr>
@@ -10342,8 +9951,8 @@
         </p:nvSpPr>
         <p:spPr>
           <a:xfrm>
-            <a:off x="1064635" y="4303697"/>
-            <a:ext cx="2235135" cy="1446087"/>
+            <a:off x="1064636" y="4303697"/>
+            <a:ext cx="2134038" cy="1446087"/>
           </a:xfrm>
           <a:prstGeom prst="rect">
             <a:avLst/>
@@ -10548,14 +10157,14 @@
             </a:lvl9pPr>
           </a:lstStyle>
           <a:p>
-            <a:pPr marL="0" indent="0" defTabSz="512763" rtl="0">
+            <a:pPr marL="0" indent="0" defTabSz="512763">
               <a:spcAft>
                 <a:spcPts val="2000"/>
               </a:spcAft>
               <a:buNone/>
             </a:pPr>
             <a:r>
-              <a:rPr lang="ru-RU" sz="1100" dirty="0">
+              <a:rPr lang="en-US" dirty="0">
                 <a:solidFill>
                   <a:prstClr val="black">
                     <a:lumMod val="75000"/>
@@ -10565,20 +10174,20 @@
                 <a:latin typeface="Segoe UI" panose="020B0502040204020203" pitchFamily="34" charset="0"/>
                 <a:cs typeface="Segoe UI" panose="020B0502040204020203" pitchFamily="34" charset="0"/>
               </a:rPr>
-              <a:t>Выберите эффект анимации, например </a:t>
-            </a:r>
-            <a:r>
-              <a:rPr lang="ru-RU" sz="1100" dirty="0">
+              <a:t>Choose an animation effect, like </a:t>
+            </a:r>
+            <a:r>
+              <a:rPr lang="en-US" dirty="0">
                 <a:solidFill>
                   <a:srgbClr val="D24726"/>
                 </a:solidFill>
                 <a:latin typeface="Segoe UI Semibold" panose="020B0702040204020203" pitchFamily="34" charset="0"/>
                 <a:cs typeface="Segoe UI Semibold" panose="020B0702040204020203" pitchFamily="34" charset="0"/>
               </a:rPr>
-              <a:t>Масштабирование</a:t>
-            </a:r>
-            <a:r>
-              <a:rPr lang="ru-RU" sz="1100" dirty="0">
+              <a:t>Zoom</a:t>
+            </a:r>
+            <a:r>
+              <a:rPr lang="en-US" dirty="0">
                 <a:solidFill>
                   <a:prstClr val="black">
                     <a:lumMod val="75000"/>
@@ -10588,143 +10197,46 @@
                 <a:latin typeface="Segoe UI" panose="020B0502040204020203" pitchFamily="34" charset="0"/>
                 <a:cs typeface="Segoe UI" panose="020B0502040204020203" pitchFamily="34" charset="0"/>
               </a:rPr>
-              <a:t>, и наблюдайте за эффектом.</a:t>
-            </a:r>
-          </a:p>
-        </p:txBody>
-      </p:sp>
-      <p:sp>
-        <p:nvSpPr>
-          <p:cNvPr id="25" name="Текстовое поле 16" descr="Выберите меня"/>
-          <p:cNvSpPr txBox="1"/>
-          <p:nvPr/>
-        </p:nvSpPr>
-        <p:spPr>
-          <a:xfrm rot="21077122">
-            <a:off x="6043297" y="1772253"/>
-            <a:ext cx="1334770" cy="435610"/>
-          </a:xfrm>
-          <a:prstGeom prst="rect">
-            <a:avLst/>
-          </a:prstGeom>
-          <a:noFill/>
-          <a:ln>
-            <a:noFill/>
-          </a:ln>
-          <a:effectLst/>
-          <a:extLst>
-            <a:ext uri="{C572A759-6A51-4108-AA02-DFA0A04FC94B}">
-              <ma14:wrappingTextBoxFlag xmlns:ma14="http://schemas.microsoft.com/office/mac/drawingml/2011/main" xmlns=""/>
-            </a:ext>
-          </a:extLst>
-        </p:spPr>
-        <p:txBody>
-          <a:bodyPr rot="0" spcFirstLastPara="0" vert="horz" wrap="none" lIns="91440" tIns="45720" rIns="91440" bIns="45720" numCol="1" spcCol="0" rtlCol="0" fromWordArt="0" anchor="t" anchorCtr="0" forceAA="0" compatLnSpc="1">
-            <a:prstTxWarp prst="textNoShape">
-              <a:avLst/>
-            </a:prstTxWarp>
-            <a:noAutofit/>
-          </a:bodyPr>
-          <a:lstStyle/>
-          <a:p>
-            <a:pPr marL="0" marR="0" algn="ctr" rtl="0">
-              <a:spcBef>
-                <a:spcPts val="0"/>
-              </a:spcBef>
-              <a:spcAft>
-                <a:spcPts val="200"/>
-              </a:spcAft>
-              <a:tabLst>
-                <a:tab pos="4931410" algn="l"/>
-              </a:tabLst>
-            </a:pPr>
-            <a:r>
-              <a:rPr lang="ru-RU" sz="1200" b="1" kern="1000" spc="100">
-                <a:ln>
-                  <a:noFill/>
-                </a:ln>
-                <a:solidFill>
-                  <a:srgbClr val="D24726"/>
-                </a:solidFill>
-                <a:effectLst/>
-                <a:latin typeface="Segoe UI Semibold" panose="020B0702040204020203" pitchFamily="34" charset="0"/>
-                <a:ea typeface="SimHei" panose="02010609060101010101" pitchFamily="49" charset="-122"/>
-                <a:cs typeface="Times New Roman" panose="02020603050405020304" pitchFamily="18" charset="0"/>
-              </a:rPr>
-              <a:t>ВЫБЕРИТЕ МЕНЯ</a:t>
-            </a:r>
-            <a:endParaRPr lang="ru-RU" sz="1200" b="1" kern="1400">
-              <a:solidFill>
-                <a:srgbClr val="D24726"/>
-              </a:solidFill>
-              <a:effectLst/>
-              <a:latin typeface="Segoe UI Light" panose="020B0502040204020203" pitchFamily="34" charset="0"/>
-              <a:ea typeface="SimHei" panose="02010609060101010101" pitchFamily="49" charset="-122"/>
-              <a:cs typeface="Times New Roman" panose="02020603050405020304" pitchFamily="18" charset="0"/>
-            </a:endParaRPr>
+              <a:t>, and watch </a:t>
+            </a:r>
+            <a:br>
+              <a:rPr lang="en-US" dirty="0">
+                <a:solidFill>
+                  <a:prstClr val="black">
+                    <a:lumMod val="75000"/>
+                    <a:lumOff val="25000"/>
+                  </a:prstClr>
+                </a:solidFill>
+                <a:latin typeface="Segoe UI" panose="020B0502040204020203" pitchFamily="34" charset="0"/>
+                <a:cs typeface="Segoe UI" panose="020B0502040204020203" pitchFamily="34" charset="0"/>
+              </a:rPr>
+            </a:br>
+            <a:r>
+              <a:rPr lang="en-US" dirty="0">
+                <a:solidFill>
+                  <a:prstClr val="black">
+                    <a:lumMod val="75000"/>
+                    <a:lumOff val="25000"/>
+                  </a:prstClr>
+                </a:solidFill>
+                <a:latin typeface="Segoe UI" panose="020B0502040204020203" pitchFamily="34" charset="0"/>
+                <a:cs typeface="Segoe UI" panose="020B0502040204020203" pitchFamily="34" charset="0"/>
+              </a:rPr>
+              <a:t>what happens.</a:t>
+            </a:r>
           </a:p>
         </p:txBody>
       </p:sp>
       <p:pic>
         <p:nvPicPr>
-          <p:cNvPr id="5" name="Рисунок 4" descr="Поле помощника"/>
+          <p:cNvPr id="7" name="Picture 6" descr="Animation tab showing zoom option"/>
           <p:cNvPicPr>
             <a:picLocks noChangeAspect="1"/>
           </p:cNvPicPr>
           <p:nvPr/>
         </p:nvPicPr>
         <p:blipFill>
-          <a:blip r:embed="rId3"/>
-          <a:srcRect/>
-          <a:stretch/>
-        </p:blipFill>
-        <p:spPr>
-          <a:xfrm>
-            <a:off x="4526638" y="3410945"/>
-            <a:ext cx="2106152" cy="220832"/>
-          </a:xfrm>
-          <a:prstGeom prst="rect">
-            <a:avLst/>
-          </a:prstGeom>
-        </p:spPr>
-      </p:pic>
-      <p:pic>
-        <p:nvPicPr>
-          <p:cNvPr id="7" name="Рисунок 6" descr="Вкладка анимации с элементом изменения масштаба"/>
-          <p:cNvPicPr>
-            <a:picLocks noChangeAspect="1"/>
-          </p:cNvPicPr>
-          <p:nvPr/>
-        </p:nvPicPr>
-        <p:blipFill>
-          <a:blip r:embed="rId4"/>
-          <a:srcRect/>
-          <a:stretch/>
-        </p:blipFill>
-        <p:spPr>
-          <a:xfrm>
-            <a:off x="3182112" y="4069080"/>
-            <a:ext cx="3803903" cy="2438400"/>
-          </a:xfrm>
-          <a:prstGeom prst="rect">
-            <a:avLst/>
-          </a:prstGeom>
-        </p:spPr>
-      </p:pic>
-      <p:pic>
-        <p:nvPicPr>
-          <p:cNvPr id="24" name="Рисунок 23">
-            <a:extLst>
-              <a:ext uri="{C183D7F6-B498-43B3-948B-1728B52AA6E4}">
-                <adec:decorative xmlns:adec="http://schemas.microsoft.com/office/drawing/2017/decorative" val="1"/>
-              </a:ext>
-            </a:extLst>
-          </p:cNvPr>
-          <p:cNvPicPr/>
-          <p:nvPr/>
-        </p:nvPicPr>
-        <p:blipFill>
-          <a:blip r:embed="rId5" cstate="print">
+          <a:blip r:embed="rId5">
             <a:extLst>
               <a:ext uri="{28A0092B-C50C-407E-A947-70E740481C1C}">
                 <a14:useLocalDpi xmlns:a14="http://schemas.microsoft.com/office/drawing/2010/main" val="0"/>
@@ -10736,33 +10248,9 @@
           </a:stretch>
         </p:blipFill>
         <p:spPr>
-          <a:xfrm rot="3861835" flipH="1">
-            <a:off x="6740574" y="1787378"/>
-            <a:ext cx="851862" cy="939987"/>
-          </a:xfrm>
-          <a:prstGeom prst="rect">
-            <a:avLst/>
-          </a:prstGeom>
-        </p:spPr>
-      </p:pic>
-      <p:pic>
-        <p:nvPicPr>
-          <p:cNvPr id="23" name="Рисунок 22" descr="Робот"/>
-          <p:cNvPicPr>
-            <a:picLocks noChangeAspect="1"/>
-          </p:cNvPicPr>
-          <p:nvPr/>
-        </p:nvPicPr>
-        <p:blipFill>
-          <a:blip r:embed="rId6"/>
-          <a:stretch>
-            <a:fillRect/>
-          </a:stretch>
-        </p:blipFill>
-        <p:spPr>
           <a:xfrm>
-            <a:off x="7912741" y="1646170"/>
-            <a:ext cx="2775459" cy="4531804"/>
+            <a:off x="3063240" y="4069080"/>
+            <a:ext cx="3803904" cy="2438400"/>
           </a:xfrm>
           <a:prstGeom prst="rect">
             <a:avLst/>
@@ -10809,7 +10297,7 @@
       </p:grpSpPr>
       <p:sp>
         <p:nvSpPr>
-          <p:cNvPr id="8" name="Заголовок 7"/>
+          <p:cNvPr id="8" name="Title 7"/>
           <p:cNvSpPr>
             <a:spLocks noGrp="1"/>
           </p:cNvSpPr>
@@ -10817,32 +10305,24 @@
             <p:ph type="title"/>
           </p:nvPr>
         </p:nvSpPr>
-        <p:spPr>
-          <a:xfrm>
-            <a:off x="521207" y="448056"/>
-            <a:ext cx="9829801" cy="640080"/>
-          </a:xfrm>
-        </p:spPr>
+        <p:spPr/>
         <p:txBody>
-          <a:bodyPr rtlCol="0">
-            <a:normAutofit/>
-          </a:bodyPr>
+          <a:bodyPr/>
           <a:lstStyle/>
           <a:p>
-            <a:pPr rtl="0"/>
-            <a:r>
-              <a:rPr lang="ru-RU">
+            <a:r>
+              <a:rPr lang="en-US" dirty="0">
                 <a:latin typeface="Segoe UI Light" panose="020B0502040204020203" pitchFamily="34" charset="0"/>
                 <a:cs typeface="Segoe UI Light" panose="020B0502040204020203" pitchFamily="34" charset="0"/>
               </a:rPr>
-              <a:t>Поиск без выхода из режима просмотра слайдов</a:t>
+              <a:t>Explore without leaving your slides</a:t>
             </a:r>
           </a:p>
         </p:txBody>
       </p:sp>
       <p:sp>
         <p:nvSpPr>
-          <p:cNvPr id="16" name="Объект 17"/>
+          <p:cNvPr id="16" name="Content Placeholder 17"/>
           <p:cNvSpPr txBox="1">
             <a:spLocks/>
           </p:cNvSpPr>
@@ -10850,8 +10330,8 @@
         </p:nvSpPr>
         <p:spPr>
           <a:xfrm>
-            <a:off x="541608" y="1296100"/>
-            <a:ext cx="7587407" cy="1236475"/>
+            <a:off x="541609" y="1296100"/>
+            <a:ext cx="6093106" cy="1236475"/>
           </a:xfrm>
           <a:prstGeom prst="rect">
             <a:avLst/>
@@ -11056,58 +10536,65 @@
             </a:lvl9pPr>
           </a:lstStyle>
           <a:p>
-            <a:pPr marL="0" indent="0" rtl="0">
+            <a:pPr marL="0" indent="0">
               <a:spcAft>
                 <a:spcPts val="2000"/>
               </a:spcAft>
               <a:buNone/>
             </a:pPr>
             <a:r>
-              <a:rPr lang="ru-RU" sz="1100">
+              <a:rPr lang="en-US" dirty="0">
                 <a:latin typeface="Segoe UI" panose="020B0502040204020203" pitchFamily="34" charset="0"/>
                 <a:cs typeface="Segoe UI" panose="020B0502040204020203" pitchFamily="34" charset="0"/>
               </a:rPr>
-              <a:t>Интеллектуальный поиск позволяет просматривать справочные материалы непосредственно в PowerPoint.</a:t>
+              <a:t>Smart Lookup brings research directly in to PowerPoint.</a:t>
             </a:r>
             <a:br>
-              <a:rPr lang="ru-RU" sz="1100">
+              <a:rPr lang="en-US" dirty="0">
                 <a:latin typeface="Segoe UI" panose="020B0502040204020203" pitchFamily="34" charset="0"/>
                 <a:cs typeface="Segoe UI" panose="020B0502040204020203" pitchFamily="34" charset="0"/>
               </a:rPr>
             </a:br>
             <a:br>
-              <a:rPr lang="ru-RU" sz="1100">
+              <a:rPr lang="en-US" dirty="0">
                 <a:latin typeface="Segoe UI" panose="020B0502040204020203" pitchFamily="34" charset="0"/>
                 <a:cs typeface="Segoe UI" panose="020B0502040204020203" pitchFamily="34" charset="0"/>
               </a:rPr>
             </a:br>
             <a:r>
-              <a:rPr lang="ru-RU" sz="1100">
+              <a:rPr lang="en-US" dirty="0">
                 <a:latin typeface="Segoe UI" panose="020B0502040204020203" pitchFamily="34" charset="0"/>
                 <a:cs typeface="Segoe UI" panose="020B0502040204020203" pitchFamily="34" charset="0"/>
               </a:rPr>
-              <a:t>Попробуйте сами!</a:t>
+              <a:t>Try it:</a:t>
             </a:r>
           </a:p>
         </p:txBody>
       </p:sp>
       <p:pic>
         <p:nvPicPr>
-          <p:cNvPr id="18" name="Рисунок 17" descr="Три изображения, иллюстрирующих функцию &quot;Интеллектуальный поиск&quot;"/>
+          <p:cNvPr id="18" name="Picture 17" descr="Three pictures showing the Smart Lookup feature"/>
           <p:cNvPicPr>
             <a:picLocks noChangeAspect="1"/>
           </p:cNvPicPr>
           <p:nvPr/>
         </p:nvPicPr>
         <p:blipFill>
-          <a:blip r:embed="rId3"/>
-          <a:srcRect/>
-          <a:stretch/>
+          <a:blip r:embed="rId2" cstate="print">
+            <a:extLst>
+              <a:ext uri="{28A0092B-C50C-407E-A947-70E740481C1C}">
+                <a14:useLocalDpi xmlns:a14="http://schemas.microsoft.com/office/drawing/2010/main" val="0"/>
+              </a:ext>
+            </a:extLst>
+          </a:blip>
+          <a:stretch>
+            <a:fillRect/>
+          </a:stretch>
         </p:blipFill>
         <p:spPr>
           <a:xfrm>
-            <a:off x="494408" y="2145058"/>
-            <a:ext cx="11129521" cy="3197087"/>
+            <a:off x="494408" y="2144574"/>
+            <a:ext cx="11129521" cy="3198055"/>
           </a:xfrm>
           <a:prstGeom prst="rect">
             <a:avLst/>
@@ -11116,7 +10603,7 @@
       </p:pic>
       <p:grpSp>
         <p:nvGrpSpPr>
-          <p:cNvPr id="33" name="Группа 32" descr="Маленький круг с цифрой 1, обозначающий действие 1"/>
+          <p:cNvPr id="33" name="Group 32" descr="Small circle with number 1 inside  indicating step 1"/>
           <p:cNvGrpSpPr/>
           <p:nvPr/>
         </p:nvGrpSpPr>
@@ -11130,7 +10617,7 @@
         </p:grpSpPr>
         <p:sp>
           <p:nvSpPr>
-            <p:cNvPr id="34" name="Овал 33" descr="Маленький круг"/>
+            <p:cNvPr id="34" name="Oval 33" descr="Small circle"/>
             <p:cNvSpPr/>
             <p:nvPr/>
           </p:nvSpPr>
@@ -11169,14 +10656,14 @@
             <a:bodyPr rtlCol="0" anchor="ctr"/>
             <a:lstStyle/>
             <a:p>
-              <a:pPr algn="ctr" rtl="0"/>
-              <a:endParaRPr lang="ru-RU"/>
+              <a:pPr algn="ctr"/>
+              <a:endParaRPr lang="en-US" dirty="0"/>
             </a:p>
           </p:txBody>
         </p:sp>
         <p:sp>
           <p:nvSpPr>
-            <p:cNvPr id="35" name="Надпись 34" descr="Цифра 1"/>
+            <p:cNvPr id="35" name="TextBox 34" descr="Number 1"/>
             <p:cNvSpPr txBox="1"/>
             <p:nvPr/>
           </p:nvSpPr>
@@ -11196,9 +10683,9 @@
             </a:bodyPr>
             <a:lstStyle/>
             <a:p>
-              <a:pPr algn="ctr" rtl="0"/>
+              <a:pPr algn="ctr"/>
               <a:r>
-                <a:rPr lang="ru-RU">
+                <a:rPr lang="en-US" dirty="0">
                   <a:solidFill>
                     <a:schemeClr val="bg1"/>
                   </a:solidFill>
@@ -11213,7 +10700,7 @@
       </p:grpSp>
       <p:sp>
         <p:nvSpPr>
-          <p:cNvPr id="42" name="Объект 17"/>
+          <p:cNvPr id="42" name="Content Placeholder 17"/>
           <p:cNvSpPr txBox="1">
             <a:spLocks/>
           </p:cNvSpPr>
@@ -11222,7 +10709,7 @@
         <p:spPr>
           <a:xfrm>
             <a:off x="1066038" y="5273573"/>
-            <a:ext cx="3106366" cy="1298398"/>
+            <a:ext cx="2919669" cy="1298398"/>
           </a:xfrm>
           <a:prstGeom prst="rect">
             <a:avLst/>
@@ -11427,14 +10914,14 @@
             </a:lvl9pPr>
           </a:lstStyle>
           <a:p>
-            <a:pPr marL="0" indent="0" rtl="0">
+            <a:pPr marL="0" indent="0">
               <a:spcAft>
                 <a:spcPts val="2000"/>
               </a:spcAft>
               <a:buNone/>
             </a:pPr>
             <a:r>
-              <a:rPr lang="ru-RU" sz="1100" dirty="0">
+              <a:rPr lang="en-US" dirty="0">
                 <a:solidFill>
                   <a:prstClr val="black">
                     <a:lumMod val="75000"/>
@@ -11444,20 +10931,20 @@
                 <a:latin typeface="Segoe UI" panose="020B0502040204020203" pitchFamily="34" charset="0"/>
                 <a:cs typeface="Segoe UI" panose="020B0502040204020203" pitchFamily="34" charset="0"/>
               </a:rPr>
-              <a:t>Щелкните правой кнопкой мыши слово "</a:t>
-            </a:r>
-            <a:r>
-              <a:rPr lang="ru-RU" sz="1100" i="1" dirty="0">
+              <a:t>Right-click in the word </a:t>
+            </a:r>
+            <a:r>
+              <a:rPr lang="en-US" i="1" dirty="0">
                 <a:solidFill>
                   <a:srgbClr val="D24726"/>
                 </a:solidFill>
                 <a:latin typeface="Segoe UI" panose="020B0502040204020203" pitchFamily="34" charset="0"/>
                 <a:cs typeface="Segoe UI" panose="020B0502040204020203" pitchFamily="34" charset="0"/>
               </a:rPr>
-              <a:t>офисная"</a:t>
-            </a:r>
-            <a:r>
-              <a:rPr lang="ru-RU" sz="1100" dirty="0">
+              <a:t>office</a:t>
+            </a:r>
+            <a:r>
+              <a:rPr lang="en-US" dirty="0">
                 <a:solidFill>
                   <a:prstClr val="black">
                     <a:lumMod val="75000"/>
@@ -11467,10 +10954,10 @@
                 <a:latin typeface="Segoe UI" panose="020B0502040204020203" pitchFamily="34" charset="0"/>
                 <a:cs typeface="Segoe UI" panose="020B0502040204020203" pitchFamily="34" charset="0"/>
               </a:rPr>
-              <a:t> в словосочетании </a:t>
-            </a:r>
-            <a:r>
-              <a:rPr lang="ru-RU" sz="1800" dirty="0">
+              <a:t> in the following phrase: </a:t>
+            </a:r>
+            <a:r>
+              <a:rPr lang="en-US" sz="1800" dirty="0">
                 <a:solidFill>
                   <a:prstClr val="black">
                     <a:lumMod val="75000"/>
@@ -11480,14 +10967,14 @@
                 <a:latin typeface="Segoe UI" panose="020B0502040204020203" pitchFamily="34" charset="0"/>
                 <a:cs typeface="Segoe UI" panose="020B0502040204020203" pitchFamily="34" charset="0"/>
               </a:rPr>
-              <a:t>офисная мебель</a:t>
+              <a:t>office furniture</a:t>
             </a:r>
           </a:p>
         </p:txBody>
       </p:sp>
       <p:grpSp>
         <p:nvGrpSpPr>
-          <p:cNvPr id="36" name="Группа 35" descr="Маленький круг с цифрой 2, обозначающий действие 2"/>
+          <p:cNvPr id="36" name="Group 35" descr="Small circle with number 2 inside  indicating step 2"/>
           <p:cNvGrpSpPr/>
           <p:nvPr/>
         </p:nvGrpSpPr>
@@ -11501,7 +10988,7 @@
         </p:grpSpPr>
         <p:sp>
           <p:nvSpPr>
-            <p:cNvPr id="37" name="Овал 36" descr="Маленький круг"/>
+            <p:cNvPr id="37" name="Oval 36" descr="Small circle"/>
             <p:cNvSpPr/>
             <p:nvPr/>
           </p:nvSpPr>
@@ -11540,14 +11027,14 @@
             <a:bodyPr rtlCol="0" anchor="ctr"/>
             <a:lstStyle/>
             <a:p>
-              <a:pPr algn="ctr" rtl="0"/>
-              <a:endParaRPr lang="ru-RU"/>
+              <a:pPr algn="ctr"/>
+              <a:endParaRPr lang="en-US" dirty="0"/>
             </a:p>
           </p:txBody>
         </p:sp>
         <p:sp>
           <p:nvSpPr>
-            <p:cNvPr id="38" name="Надпись 37" descr="Цифра 2"/>
+            <p:cNvPr id="38" name="TextBox 37" descr="Number 2"/>
             <p:cNvSpPr txBox="1"/>
             <p:nvPr/>
           </p:nvSpPr>
@@ -11567,9 +11054,9 @@
             </a:bodyPr>
             <a:lstStyle/>
             <a:p>
-              <a:pPr algn="ctr" rtl="0"/>
+              <a:pPr algn="ctr"/>
               <a:r>
-                <a:rPr lang="ru-RU">
+                <a:rPr lang="en-US" dirty="0">
                   <a:solidFill>
                     <a:schemeClr val="bg1"/>
                   </a:solidFill>
@@ -11584,7 +11071,7 @@
       </p:grpSp>
       <p:sp>
         <p:nvSpPr>
-          <p:cNvPr id="43" name="Объект 17"/>
+          <p:cNvPr id="43" name="Content Placeholder 17"/>
           <p:cNvSpPr txBox="1">
             <a:spLocks/>
           </p:cNvSpPr>
@@ -11593,7 +11080,7 @@
         <p:spPr>
           <a:xfrm>
             <a:off x="4747855" y="5273573"/>
-            <a:ext cx="3271743" cy="1324053"/>
+            <a:ext cx="3106367" cy="1324053"/>
           </a:xfrm>
           <a:prstGeom prst="rect">
             <a:avLst/>
@@ -11798,14 +11285,14 @@
             </a:lvl9pPr>
           </a:lstStyle>
           <a:p>
-            <a:pPr marL="0" indent="0" rtl="0">
+            <a:pPr marL="0" indent="0">
               <a:spcAft>
                 <a:spcPts val="2000"/>
               </a:spcAft>
               <a:buNone/>
             </a:pPr>
             <a:r>
-              <a:rPr lang="ru-RU" sz="1100" dirty="0">
+              <a:rPr lang="en-US" dirty="0">
                 <a:solidFill>
                   <a:prstClr val="black">
                     <a:lumMod val="75000"/>
@@ -11815,20 +11302,20 @@
                 <a:latin typeface="Segoe UI" panose="020B0502040204020203" pitchFamily="34" charset="0"/>
                 <a:cs typeface="Segoe UI" panose="020B0502040204020203" pitchFamily="34" charset="0"/>
               </a:rPr>
-              <a:t>Выберите элемент </a:t>
-            </a:r>
-            <a:r>
-              <a:rPr lang="ru-RU" sz="1100" dirty="0">
+              <a:t>Choose </a:t>
+            </a:r>
+            <a:r>
+              <a:rPr lang="en-US" dirty="0">
                 <a:solidFill>
                   <a:srgbClr val="D24726"/>
                 </a:solidFill>
                 <a:latin typeface="Segoe UI Semibold" panose="020B0702040204020203" pitchFamily="34" charset="0"/>
                 <a:cs typeface="Segoe UI Semibold" panose="020B0702040204020203" pitchFamily="34" charset="0"/>
               </a:rPr>
-              <a:t>Интеллектуальный</a:t>
-            </a:r>
-            <a:r>
-              <a:rPr lang="ru-RU" sz="1100" dirty="0">
+              <a:t>Smart</a:t>
+            </a:r>
+            <a:r>
+              <a:rPr lang="en-US" dirty="0">
                 <a:solidFill>
                   <a:prstClr val="black">
                     <a:lumMod val="75000"/>
@@ -11840,37 +11327,37 @@
               <a:t> </a:t>
             </a:r>
             <a:r>
-              <a:rPr lang="ru-RU" sz="1100" dirty="0">
+              <a:rPr lang="en-US" dirty="0">
                 <a:solidFill>
                   <a:srgbClr val="D24726"/>
                 </a:solidFill>
                 <a:latin typeface="Segoe UI Semibold" panose="020B0702040204020203" pitchFamily="34" charset="0"/>
                 <a:cs typeface="Segoe UI Semibold" panose="020B0702040204020203" pitchFamily="34" charset="0"/>
               </a:rPr>
-              <a:t>поиск</a:t>
-            </a:r>
-            <a:r>
-              <a:rPr lang="ru-RU" sz="1100" dirty="0">
+              <a:t>Lookup</a:t>
+            </a:r>
+            <a:r>
+              <a:rPr lang="en-US" dirty="0">
                 <a:latin typeface="Segoe UI" panose="020B0502040204020203" pitchFamily="34" charset="0"/>
                 <a:cs typeface="Segoe UI" panose="020B0502040204020203" pitchFamily="34" charset="0"/>
               </a:rPr>
-              <a:t>. Помните, что результаты соответствуют контексту словосочетания, а не </a:t>
-            </a:r>
-            <a:r>
-              <a:rPr lang="ru-RU" sz="1800" dirty="0">
+              <a:t>, and notice that results are contextual for that phrase, not </a:t>
+            </a:r>
+            <a:r>
+              <a:rPr lang="en-US" sz="1800" dirty="0">
                 <a:latin typeface="Segoe UI" panose="020B0502040204020203" pitchFamily="34" charset="0"/>
                 <a:cs typeface="Segoe UI" panose="020B0502040204020203" pitchFamily="34" charset="0"/>
               </a:rPr>
-              <a:t>Приложения Microsoft Office</a:t>
-            </a:r>
-            <a:r>
-              <a:rPr lang="ru-RU" dirty="0">
+              <a:t>Microsoft Office apps</a:t>
+            </a:r>
+            <a:r>
+              <a:rPr lang="en-US" dirty="0">
                 <a:latin typeface="Segoe UI" panose="020B0502040204020203" pitchFamily="34" charset="0"/>
                 <a:cs typeface="Segoe UI" panose="020B0502040204020203" pitchFamily="34" charset="0"/>
               </a:rPr>
               <a:t>.</a:t>
             </a:r>
-            <a:endParaRPr lang="ru-RU" dirty="0">
+            <a:endParaRPr lang="en-US" dirty="0">
               <a:solidFill>
                 <a:srgbClr val="D24726"/>
               </a:solidFill>
@@ -11882,7 +11369,7 @@
       </p:sp>
       <p:grpSp>
         <p:nvGrpSpPr>
-          <p:cNvPr id="39" name="Группа 38" descr="Маленький круг с цифрой 3, обозначающий действие 3"/>
+          <p:cNvPr id="39" name="Group 38" descr="Small circle with number 3 inside  indicating step 3"/>
           <p:cNvGrpSpPr/>
           <p:nvPr/>
         </p:nvGrpSpPr>
@@ -11896,7 +11383,7 @@
         </p:grpSpPr>
         <p:sp>
           <p:nvSpPr>
-            <p:cNvPr id="40" name="Овал 39" descr="Маленький круг"/>
+            <p:cNvPr id="40" name="Oval 39" descr="Small circle"/>
             <p:cNvSpPr/>
             <p:nvPr/>
           </p:nvSpPr>
@@ -11935,14 +11422,14 @@
             <a:bodyPr rtlCol="0" anchor="ctr"/>
             <a:lstStyle/>
             <a:p>
-              <a:pPr algn="ctr" rtl="0"/>
-              <a:endParaRPr lang="ru-RU"/>
+              <a:pPr algn="ctr"/>
+              <a:endParaRPr lang="en-US" dirty="0"/>
             </a:p>
           </p:txBody>
         </p:sp>
         <p:sp>
           <p:nvSpPr>
-            <p:cNvPr id="41" name="Надпись 40" descr="Цифра 3"/>
+            <p:cNvPr id="41" name="TextBox 40" descr="Number 3"/>
             <p:cNvSpPr txBox="1"/>
             <p:nvPr/>
           </p:nvSpPr>
@@ -11962,9 +11449,9 @@
             </a:bodyPr>
             <a:lstStyle/>
             <a:p>
-              <a:pPr algn="ctr" rtl="0"/>
+              <a:pPr algn="ctr"/>
               <a:r>
-                <a:rPr lang="ru-RU">
+                <a:rPr lang="en-US" dirty="0">
                   <a:solidFill>
                     <a:schemeClr val="bg1"/>
                   </a:solidFill>
@@ -11979,7 +11466,7 @@
       </p:grpSp>
       <p:sp>
         <p:nvSpPr>
-          <p:cNvPr id="44" name="Объект 17"/>
+          <p:cNvPr id="44" name="Content Placeholder 17"/>
           <p:cNvSpPr txBox="1">
             <a:spLocks/>
           </p:cNvSpPr>
@@ -12193,21 +11680,21 @@
             </a:lvl9pPr>
           </a:lstStyle>
           <a:p>
-            <a:pPr marL="0" lvl="0" indent="0" rtl="0">
+            <a:pPr marL="0" lvl="0" indent="0">
               <a:spcAft>
                 <a:spcPts val="2000"/>
               </a:spcAft>
               <a:buNone/>
             </a:pPr>
             <a:r>
-              <a:rPr lang="ru-RU" sz="1100">
+              <a:rPr lang="en-US" dirty="0">
                 <a:latin typeface="Segoe UI" panose="020B0502040204020203" pitchFamily="34" charset="0"/>
                 <a:cs typeface="Segoe UI" panose="020B0502040204020203" pitchFamily="34" charset="0"/>
               </a:rPr>
-              <a:t>Ради интереса снова запустите интеллектуальный поиск: щелкните правой кнопкой слово </a:t>
-            </a:r>
-            <a:r>
-              <a:rPr lang="ru-RU" sz="1100" i="1">
+              <a:t>Just for fun, try Smart Lookup again by right-clicking in the word </a:t>
+            </a:r>
+            <a:r>
+              <a:rPr lang="en-US" i="1" dirty="0">
                 <a:solidFill>
                   <a:srgbClr val="D24726"/>
                 </a:solidFill>
@@ -12217,25 +11704,25 @@
               <a:t>Office</a:t>
             </a:r>
             <a:r>
-              <a:rPr lang="ru-RU" sz="1100"/>
+              <a:rPr lang="en-US" dirty="0"/>
               <a:t> </a:t>
             </a:r>
             <a:r>
-              <a:rPr lang="ru-RU" sz="1100">
+              <a:rPr lang="en-US" dirty="0">
                 <a:latin typeface="Segoe UI" panose="020B0502040204020203" pitchFamily="34" charset="0"/>
                 <a:cs typeface="Segoe UI" panose="020B0502040204020203" pitchFamily="34" charset="0"/>
               </a:rPr>
-              <a:t>в действии 2.</a:t>
+              <a:t>in Step 2.</a:t>
             </a:r>
           </a:p>
           <a:p>
-            <a:pPr marL="0" indent="0" rtl="0">
+            <a:pPr marL="0" indent="0">
               <a:spcAft>
                 <a:spcPts val="2000"/>
               </a:spcAft>
               <a:buNone/>
             </a:pPr>
-            <a:endParaRPr lang="ru-RU" sz="1100">
+            <a:endParaRPr lang="en-US" dirty="0">
               <a:solidFill>
                 <a:prstClr val="black">
                   <a:lumMod val="75000"/>
@@ -12286,7 +11773,7 @@
       </p:grpSpPr>
       <p:sp>
         <p:nvSpPr>
-          <p:cNvPr id="10" name="Заголовок 9"/>
+          <p:cNvPr id="10" name="Title 9"/>
           <p:cNvSpPr>
             <a:spLocks noGrp="1"/>
           </p:cNvSpPr>
@@ -12296,25 +11783,24 @@
         </p:nvSpPr>
         <p:spPr/>
         <p:txBody>
-          <a:bodyPr rtlCol="0">
+          <a:bodyPr>
             <a:normAutofit/>
           </a:bodyPr>
           <a:lstStyle/>
           <a:p>
-            <a:pPr rtl="0"/>
-            <a:r>
-              <a:rPr lang="ru-RU">
+            <a:r>
+              <a:rPr lang="en-US" dirty="0">
                 <a:latin typeface="Segoe UI Light" panose="020B0502040204020203" pitchFamily="34" charset="0"/>
                 <a:cs typeface="Segoe UI Light" panose="020B0502040204020203" pitchFamily="34" charset="0"/>
               </a:rPr>
-              <a:t>Есть еще вопросы о PowerPoint?</a:t>
+              <a:t>More questions about PowerPoint?</a:t>
             </a:r>
           </a:p>
         </p:txBody>
       </p:sp>
       <p:sp>
         <p:nvSpPr>
-          <p:cNvPr id="5" name="Объект 4"/>
+          <p:cNvPr id="5" name="Content Placeholder 4"/>
           <p:cNvSpPr>
             <a:spLocks noGrp="1"/>
           </p:cNvSpPr>
@@ -12329,12 +11815,12 @@
           </a:xfrm>
         </p:spPr>
         <p:txBody>
-          <a:bodyPr rtlCol="0">
+          <a:bodyPr>
             <a:normAutofit/>
           </a:bodyPr>
           <a:lstStyle/>
           <a:p>
-            <a:pPr marL="0" indent="0" rtl="0">
+            <a:pPr marL="0" indent="0">
               <a:lnSpc>
                 <a:spcPts val="3600"/>
               </a:lnSpc>
@@ -12344,42 +11830,42 @@
               <a:buNone/>
             </a:pPr>
             <a:r>
-              <a:rPr lang="ru-RU" sz="2000" dirty="0">
+              <a:rPr lang="en-US" sz="2000" dirty="0">
                 <a:latin typeface="Segoe UI Light" panose="020B0502040204020203" pitchFamily="34" charset="0"/>
                 <a:cs typeface="Segoe UI Light" panose="020B0502040204020203" pitchFamily="34" charset="0"/>
               </a:rPr>
-              <a:t>Нажмите кнопку </a:t>
-            </a:r>
-            <a:r>
-              <a:rPr lang="ru-RU" sz="2000" dirty="0">
+              <a:t>Select the </a:t>
+            </a:r>
+            <a:r>
+              <a:rPr lang="en-US" sz="2000" dirty="0">
                 <a:solidFill>
                   <a:srgbClr val="D24726"/>
                 </a:solidFill>
                 <a:latin typeface="Segoe UI Semibold" panose="020B0702040204020203" pitchFamily="34" charset="0"/>
                 <a:cs typeface="Segoe UI Semibold" panose="020B0702040204020203" pitchFamily="34" charset="0"/>
               </a:rPr>
-              <a:t>помощника                   </a:t>
-            </a:r>
-            <a:r>
-              <a:rPr lang="ru-RU" sz="2000" dirty="0">
+              <a:t>Tell Me                   </a:t>
+            </a:r>
+            <a:r>
+              <a:rPr lang="en-US" sz="2000" dirty="0">
                 <a:latin typeface="Segoe UI Light" panose="020B0502040204020203" pitchFamily="34" charset="0"/>
                 <a:cs typeface="Segoe UI Light" panose="020B0502040204020203" pitchFamily="34" charset="0"/>
               </a:rPr>
-              <a:t>и введите запрос.</a:t>
+              <a:t>button and type what you want to know.</a:t>
             </a:r>
             <a:br>
-              <a:rPr lang="ru-RU" sz="2000" dirty="0">
+              <a:rPr lang="en-US" sz="2000" dirty="0">
                 <a:latin typeface="Segoe UI Light" panose="020B0502040204020203" pitchFamily="34" charset="0"/>
                 <a:cs typeface="Segoe UI Light" panose="020B0502040204020203" pitchFamily="34" charset="0"/>
               </a:rPr>
             </a:br>
-            <a:endParaRPr lang="ru-RU" sz="2000" dirty="0">
+            <a:endParaRPr lang="en-US" sz="2000" dirty="0">
               <a:latin typeface="Segoe UI Light" panose="020B0502040204020203" pitchFamily="34" charset="0"/>
               <a:cs typeface="Segoe UI Light" panose="020B0502040204020203" pitchFamily="34" charset="0"/>
             </a:endParaRPr>
           </a:p>
           <a:p>
-            <a:pPr marL="0" indent="0" rtl="0">
+            <a:pPr marL="0" indent="0">
               <a:lnSpc>
                 <a:spcPts val="3600"/>
               </a:lnSpc>
@@ -12389,20 +11875,20 @@
               <a:buNone/>
             </a:pPr>
             <a:r>
-              <a:rPr lang="ru-RU" sz="2000" u="sng" dirty="0">
+              <a:rPr lang="en-US" sz="2000" u="sng" dirty="0">
                 <a:latin typeface="Segoe UI Light" panose="020B0502040204020203" pitchFamily="34" charset="0"/>
                 <a:cs typeface="Segoe UI Light" panose="020B0502040204020203" pitchFamily="34" charset="0"/>
-                <a:hlinkClick r:id="rId3" tooltip="Посетите блог группы разработчиков PowerPoint"/>
-              </a:rPr>
-              <a:t>Посетите блог группы разработчиков PowerPoint</a:t>
-            </a:r>
-            <a:endParaRPr lang="ru-RU" sz="2000" dirty="0">
+                <a:hlinkClick r:id="rId3" tooltip="Visit the PowerPoint team blog"/>
+              </a:rPr>
+              <a:t>Visit the PowerPoint team blog</a:t>
+            </a:r>
+            <a:endParaRPr lang="en-US" sz="2000" dirty="0">
               <a:latin typeface="Segoe UI Light" panose="020B0502040204020203" pitchFamily="34" charset="0"/>
               <a:cs typeface="Segoe UI Light" panose="020B0502040204020203" pitchFamily="34" charset="0"/>
             </a:endParaRPr>
           </a:p>
           <a:p>
-            <a:pPr marL="0" indent="0" rtl="0">
+            <a:pPr marL="0" indent="0">
               <a:lnSpc>
                 <a:spcPts val="3600"/>
               </a:lnSpc>
@@ -12415,35 +11901,46 @@
               <a:buNone/>
             </a:pPr>
             <a:r>
-              <a:rPr lang="ru-RU" sz="2000" dirty="0">
+              <a:rPr lang="en-US" sz="2000" dirty="0">
                 <a:latin typeface="Segoe UI Light" panose="020B0502040204020203" pitchFamily="34" charset="0"/>
                 <a:cs typeface="Segoe UI Light" panose="020B0502040204020203" pitchFamily="34" charset="0"/>
-                <a:hlinkClick r:id="rId4" tooltip="Перейдите к бесплатным учебным материалам по PowerPoint"/>
-              </a:rPr>
-              <a:t>Перейдите к бесплатным учебным материалам по PowerPoint</a:t>
-            </a:r>
-            <a:endParaRPr lang="ru-RU" sz="2000" dirty="0">
+                <a:hlinkClick r:id="rId4" tooltip="Go to free PowerPoint training"/>
+              </a:rPr>
+              <a:t>Go to free PowerPoint training</a:t>
+            </a:r>
+            <a:endParaRPr lang="en-US" sz="2000" dirty="0">
               <a:latin typeface="Segoe UI Light" panose="020B0502040204020203" pitchFamily="34" charset="0"/>
               <a:cs typeface="Segoe UI Light" panose="020B0502040204020203" pitchFamily="34" charset="0"/>
             </a:endParaRPr>
           </a:p>
           <a:p>
-            <a:pPr marL="0" indent="0" rtl="0">
+            <a:pPr marL="0" indent="0">
               <a:lnSpc>
                 <a:spcPts val="3600"/>
               </a:lnSpc>
+              <a:spcBef>
+                <a:spcPts val="1500"/>
+              </a:spcBef>
               <a:spcAft>
                 <a:spcPts val="0"/>
               </a:spcAft>
               <a:buNone/>
             </a:pPr>
-            <a:endParaRPr lang="ru-RU" sz="2000" dirty="0">
+            <a:r>
+              <a:rPr lang="en-US" sz="2000" dirty="0">
+                <a:latin typeface="Segoe UI Light" panose="020B0502040204020203" pitchFamily="34" charset="0"/>
+                <a:cs typeface="Segoe UI Light" panose="020B0502040204020203" pitchFamily="34" charset="0"/>
+                <a:hlinkClick r:id="rId5" tooltip="Give feedback about this tour"/>
+              </a:rPr>
+              <a:t>Give feedback about this tour</a:t>
+            </a:r>
+            <a:endParaRPr lang="en-US" sz="2000" dirty="0">
               <a:latin typeface="Segoe UI Light" panose="020B0502040204020203" pitchFamily="34" charset="0"/>
               <a:cs typeface="Segoe UI Light" panose="020B0502040204020203" pitchFamily="34" charset="0"/>
             </a:endParaRPr>
           </a:p>
           <a:p>
-            <a:pPr marL="0" indent="0" rtl="0">
+            <a:pPr marL="0" indent="0">
               <a:lnSpc>
                 <a:spcPts val="3600"/>
               </a:lnSpc>
@@ -12452,7 +11949,22 @@
               </a:spcAft>
               <a:buNone/>
             </a:pPr>
-            <a:endParaRPr lang="ru-RU" sz="2000" dirty="0">
+            <a:endParaRPr lang="en-US" sz="2000" dirty="0">
+              <a:latin typeface="Segoe UI Light" panose="020B0502040204020203" pitchFamily="34" charset="0"/>
+              <a:cs typeface="Segoe UI Light" panose="020B0502040204020203" pitchFamily="34" charset="0"/>
+            </a:endParaRPr>
+          </a:p>
+          <a:p>
+            <a:pPr marL="0" indent="0">
+              <a:lnSpc>
+                <a:spcPts val="3600"/>
+              </a:lnSpc>
+              <a:spcAft>
+                <a:spcPts val="0"/>
+              </a:spcAft>
+              <a:buNone/>
+            </a:pPr>
+            <a:endParaRPr lang="en-US" sz="2000" dirty="0">
               <a:latin typeface="Segoe UI Light" panose="020B0502040204020203" pitchFamily="34" charset="0"/>
               <a:cs typeface="Segoe UI Light" panose="020B0502040204020203" pitchFamily="34" charset="0"/>
             </a:endParaRPr>
@@ -12461,32 +11973,7 @@
       </p:sp>
       <p:pic>
         <p:nvPicPr>
-          <p:cNvPr id="2" name="Рисунок 1" descr="Кнопка помощника"/>
-          <p:cNvPicPr>
-            <a:picLocks noChangeAspect="1"/>
-          </p:cNvPicPr>
-          <p:nvPr/>
-        </p:nvPicPr>
-        <p:blipFill>
-          <a:blip r:embed="rId5"/>
-          <a:srcRect/>
-          <a:stretch/>
-        </p:blipFill>
-        <p:spPr>
-          <a:xfrm>
-            <a:off x="3977017" y="2350333"/>
-            <a:ext cx="1268511" cy="1189747"/>
-          </a:xfrm>
-          <a:prstGeom prst="rect">
-            <a:avLst/>
-          </a:prstGeom>
-        </p:spPr>
-      </p:pic>
-      <p:pic>
-        <p:nvPicPr>
-          <p:cNvPr id="8" name="Рисунок 7" descr="Стрелка вправо со ссылкой на блог группы разработчиков PowerPoint. Выберите изображение, чтобы посетить блог группы разработчиков PowerPoint ">
-            <a:hlinkClick r:id="rId3" tooltip="Щелкните здесь, чтобы посетить блог группы разработчиков PowerPoint."/>
-          </p:cNvPr>
+          <p:cNvPr id="2" name="Picture 1" descr="Tell Me button"/>
           <p:cNvPicPr>
             <a:picLocks noChangeAspect="1"/>
           </p:cNvPicPr>
@@ -12506,8 +11993,8 @@
         </p:blipFill>
         <p:spPr>
           <a:xfrm>
-            <a:off x="7712718" y="3566804"/>
-            <a:ext cx="661940" cy="661940"/>
+            <a:off x="2613981" y="2350333"/>
+            <a:ext cx="1269672" cy="1189747"/>
           </a:xfrm>
           <a:prstGeom prst="rect">
             <a:avLst/>
@@ -12516,16 +12003,14 @@
       </p:pic>
       <p:pic>
         <p:nvPicPr>
-          <p:cNvPr id="7" name="Рисунок 6" descr="Стрелка вправо со ссылкой на бесплатные учебные материалы по PowerPoint. Выберите это изображение для доступа к бесплатным учебным материалам по PowerPoint">
-            <a:hlinkClick r:id="rId4" tooltip="Щелкните здесь, чтобы перейти к бесплатным учебным материалам по PowerPoint."/>
-          </p:cNvPr>
+          <p:cNvPr id="11" name="Picture 10" descr="Tell Me box suggestions"/>
           <p:cNvPicPr>
             <a:picLocks noChangeAspect="1"/>
           </p:cNvPicPr>
           <p:nvPr/>
         </p:nvPicPr>
         <p:blipFill>
-          <a:blip r:embed="rId6" cstate="print">
+          <a:blip r:embed="rId7">
             <a:extLst>
               <a:ext uri="{28A0092B-C50C-407E-A947-70E740481C1C}">
                 <a14:useLocalDpi xmlns:a14="http://schemas.microsoft.com/office/drawing/2010/main" val="0"/>
@@ -12538,7 +12023,108 @@
         </p:blipFill>
         <p:spPr>
           <a:xfrm>
-            <a:off x="7712718" y="4252716"/>
+            <a:off x="8408066" y="2761488"/>
+            <a:ext cx="2476156" cy="2001277"/>
+          </a:xfrm>
+          <a:prstGeom prst="rect">
+            <a:avLst/>
+          </a:prstGeom>
+        </p:spPr>
+      </p:pic>
+      <p:pic>
+        <p:nvPicPr>
+          <p:cNvPr id="8" name="Picture 7" descr="Arrow pointing right with a hyperlink to the PowerPoint team blog. Select the image to visit the PowerPoint team blog ">
+            <a:hlinkClick r:id="rId3" tooltip="Select here to visit the PowerPoint team blog."/>
+          </p:cNvPr>
+          <p:cNvPicPr>
+            <a:picLocks noChangeAspect="1"/>
+          </p:cNvPicPr>
+          <p:nvPr/>
+        </p:nvPicPr>
+        <p:blipFill>
+          <a:blip r:embed="rId8" cstate="print">
+            <a:extLst>
+              <a:ext uri="{28A0092B-C50C-407E-A947-70E740481C1C}">
+                <a14:useLocalDpi xmlns:a14="http://schemas.microsoft.com/office/drawing/2010/main" val="0"/>
+              </a:ext>
+            </a:extLst>
+          </a:blip>
+          <a:stretch>
+            <a:fillRect/>
+          </a:stretch>
+        </p:blipFill>
+        <p:spPr>
+          <a:xfrm>
+            <a:off x="4009398" y="3566804"/>
+            <a:ext cx="661940" cy="661940"/>
+          </a:xfrm>
+          <a:prstGeom prst="rect">
+            <a:avLst/>
+          </a:prstGeom>
+        </p:spPr>
+      </p:pic>
+      <p:pic>
+        <p:nvPicPr>
+          <p:cNvPr id="7" name="Picture 6" descr="Arrow pointing right with a hyperlink to free PowerPoint training. Select the image to access free PowerPoint training">
+            <a:hlinkClick r:id="rId4" tooltip="Select here to go to free PowerPoint training."/>
+          </p:cNvPr>
+          <p:cNvPicPr>
+            <a:picLocks noChangeAspect="1"/>
+          </p:cNvPicPr>
+          <p:nvPr/>
+        </p:nvPicPr>
+        <p:blipFill>
+          <a:blip r:embed="rId8" cstate="print">
+            <a:extLst>
+              <a:ext uri="{28A0092B-C50C-407E-A947-70E740481C1C}">
+                <a14:useLocalDpi xmlns:a14="http://schemas.microsoft.com/office/drawing/2010/main" val="0"/>
+              </a:ext>
+            </a:extLst>
+          </a:blip>
+          <a:stretch>
+            <a:fillRect/>
+          </a:stretch>
+        </p:blipFill>
+        <p:spPr>
+          <a:xfrm>
+            <a:off x="4009398" y="4252716"/>
+            <a:ext cx="661940" cy="661940"/>
+          </a:xfrm>
+          <a:prstGeom prst="rect">
+            <a:avLst/>
+          </a:prstGeom>
+        </p:spPr>
+      </p:pic>
+      <p:pic>
+        <p:nvPicPr>
+          <p:cNvPr id="12" name="Picture 11" descr="Arrow pointing right with a hyperlink to give feedback about this tour. Select the image to give feedback about this tour">
+            <a:hlinkClick r:id="rId5" tooltip="Select here to give feedback about this tour."/>
+            <a:extLst>
+              <a:ext uri="{FF2B5EF4-FFF2-40B4-BE49-F238E27FC236}">
+                <a16:creationId xmlns:a16="http://schemas.microsoft.com/office/drawing/2014/main" id="{BA92070A-4E3D-4794-84A9-83B8DDF3A125}"/>
+              </a:ext>
+            </a:extLst>
+          </p:cNvPr>
+          <p:cNvPicPr>
+            <a:picLocks noChangeAspect="1"/>
+          </p:cNvPicPr>
+          <p:nvPr/>
+        </p:nvPicPr>
+        <p:blipFill>
+          <a:blip r:embed="rId8" cstate="print">
+            <a:extLst>
+              <a:ext uri="{28A0092B-C50C-407E-A947-70E740481C1C}">
+                <a14:useLocalDpi xmlns:a14="http://schemas.microsoft.com/office/drawing/2010/main" val="0"/>
+              </a:ext>
+            </a:extLst>
+          </a:blip>
+          <a:stretch>
+            <a:fillRect/>
+          </a:stretch>
+        </p:blipFill>
+        <p:spPr>
+          <a:xfrm>
+            <a:off x="4009398" y="4944145"/>
             <a:ext cx="661940" cy="661940"/>
           </a:xfrm>
           <a:prstGeom prst="rect">
@@ -12548,7 +12134,7 @@
       </p:pic>
       <p:sp>
         <p:nvSpPr>
-          <p:cNvPr id="9" name="Надпись 8"/>
+          <p:cNvPr id="9" name="TextBox 8"/>
           <p:cNvSpPr txBox="1"/>
           <p:nvPr/>
         </p:nvSpPr>
@@ -12568,40 +12154,17 @@
           </a:bodyPr>
           <a:lstStyle/>
           <a:p>
-            <a:pPr algn="l" rtl="0"/>
-            <a:r>
-              <a:rPr lang="ru-RU" sz="1400">
+            <a:pPr algn="l"/>
+            <a:r>
+              <a:rPr lang="en-US" sz="1400" dirty="0">
                 <a:latin typeface="Segoe UI Light" panose="020B0502040204020203" pitchFamily="34" charset="0"/>
                 <a:cs typeface="Segoe UI Light" panose="020B0502040204020203" pitchFamily="34" charset="0"/>
               </a:rPr>
-              <a:t>ЩЕЛКНИТЕ СТРЕЛКУ В РЕЖИМЕ СЛАЙД-ШОУ</a:t>
+              <a:t>SELECT THE ARROW WHEN IN SLIDE SHOW MODE</a:t>
             </a:r>
           </a:p>
         </p:txBody>
       </p:sp>
-      <p:pic>
-        <p:nvPicPr>
-          <p:cNvPr id="11" name="Рисунок 10" descr="Предложения в поле помощника"/>
-          <p:cNvPicPr>
-            <a:picLocks noChangeAspect="1"/>
-          </p:cNvPicPr>
-          <p:nvPr/>
-        </p:nvPicPr>
-        <p:blipFill>
-          <a:blip r:embed="rId7"/>
-          <a:srcRect/>
-          <a:stretch/>
-        </p:blipFill>
-        <p:spPr>
-          <a:xfrm>
-            <a:off x="8702500" y="2693768"/>
-            <a:ext cx="2476156" cy="1322878"/>
-          </a:xfrm>
-          <a:prstGeom prst="rect">
-            <a:avLst/>
-          </a:prstGeom>
-        </p:spPr>
-      </p:pic>
     </p:spTree>
     <p:extLst>
       <p:ext uri="{BB962C8B-B14F-4D97-AF65-F5344CB8AC3E}">
@@ -12628,7 +12191,7 @@
 </file>
 
 <file path=ppt/theme/theme1.xml><?xml version="1.0" encoding="utf-8"?>
-<a:theme xmlns:a="http://schemas.openxmlformats.org/drawingml/2006/main" name="Пользовательские">
+<a:theme xmlns:a="http://schemas.openxmlformats.org/drawingml/2006/main" name="WelcomeDoc">
   <a:themeElements>
     <a:clrScheme name="Office">
       <a:dk1>
@@ -12822,14 +12385,14 @@
   <a:extraClrSchemeLst/>
   <a:extLst>
     <a:ext uri="{05A4C25C-085E-4340-85A3-A5531E510DB2}">
-      <thm15:themeFamily xmlns:thm15="http://schemas.microsoft.com/office/thememl/2012/main" name="Office_60957330_TF10001108_Win32" id="{08D89365-2E4C-432D-9349-8DF9B80AEEA1}" vid="{010FF314-90DF-4A21-BD0D-ADCBA34234AC}"/>
+      <thm15:themeFamily xmlns:thm15="http://schemas.microsoft.com/office/thememl/2012/main" name="TF10001108_Welcome to Powerpoint 2016_CLR_v2" id="{CAB9082A-965C-42BE-8170-C940D3319B60}" vid="{82B84162-888A-4FD2-BEC9-B29B6DB2C73F}"/>
     </a:ext>
   </a:extLst>
 </a:theme>
 </file>
 
 <file path=ppt/theme/theme2.xml><?xml version="1.0" encoding="utf-8"?>
-<a:theme xmlns:a="http://schemas.openxmlformats.org/drawingml/2006/main" name="Тема Office">
+<a:theme xmlns:a="http://schemas.openxmlformats.org/drawingml/2006/main" name="Office Theme">
   <a:themeElements>
     <a:clrScheme name="Office">
       <a:dk1>
@@ -13090,7 +12653,7 @@
 </file>
 
 <file path=ppt/theme/theme3.xml><?xml version="1.0" encoding="utf-8"?>
-<a:theme xmlns:a="http://schemas.openxmlformats.org/drawingml/2006/main" name="Тема Office">
+<a:theme xmlns:a="http://schemas.openxmlformats.org/drawingml/2006/main" name="Office Theme">
   <a:themeElements>
     <a:clrScheme name="Office">
       <a:dk1>
@@ -13382,4 +12945,287 @@
     </a:ext>
   </a:extLst>
 </a:theme>
+</file>
+
+<file path=customXml/item1.xml><?xml version="1.0" encoding="utf-8"?>
+<ct:contentTypeSchema xmlns:ct="http://schemas.microsoft.com/office/2006/metadata/contentType" xmlns:ma="http://schemas.microsoft.com/office/2006/metadata/properties/metaAttributes" ct:_="" ma:_="" ma:contentTypeName="Document" ma:contentTypeID="0x01010079F111ED35F8CC479449609E8A0923A6" ma:contentTypeVersion="12" ma:contentTypeDescription="Create a new document." ma:contentTypeScope="" ma:versionID="a8a52e8c320b9a064ae3583ae3861c92">
+  <xsd:schema xmlns:xsd="http://www.w3.org/2001/XMLSchema" xmlns:xs="http://www.w3.org/2001/XMLSchema" xmlns:p="http://schemas.microsoft.com/office/2006/metadata/properties" xmlns:ns2="71af3243-3dd4-4a8d-8c0d-dd76da1f02a5" xmlns:ns3="16c05727-aa75-4e4a-9b5f-8a80a1165891" targetNamespace="http://schemas.microsoft.com/office/2006/metadata/properties" ma:root="true" ma:fieldsID="88020cb39231a0945110f9cd888b521a" ns2:_="" ns3:_="">
+    <xsd:import namespace="71af3243-3dd4-4a8d-8c0d-dd76da1f02a5"/>
+    <xsd:import namespace="16c05727-aa75-4e4a-9b5f-8a80a1165891"/>
+    <xsd:element name="properties">
+      <xsd:complexType>
+        <xsd:sequence>
+          <xsd:element name="documentManagement">
+            <xsd:complexType>
+              <xsd:all>
+                <xsd:element ref="ns2:MediaServiceMetadata" minOccurs="0"/>
+                <xsd:element ref="ns2:MediaServiceFastMetadata" minOccurs="0"/>
+                <xsd:element ref="ns2:MediaServiceOCR" minOccurs="0"/>
+                <xsd:element ref="ns2:MediaServiceAutoTags" minOccurs="0"/>
+                <xsd:element ref="ns2:MediaServiceEventHashCode" minOccurs="0"/>
+                <xsd:element ref="ns2:MediaServiceGenerationTime" minOccurs="0"/>
+                <xsd:element ref="ns3:SharedWithUsers" minOccurs="0"/>
+                <xsd:element ref="ns3:SharedWithDetails" minOccurs="0"/>
+                <xsd:element ref="ns2:MediaServiceAutoKeyPoints" minOccurs="0"/>
+                <xsd:element ref="ns2:MediaServiceKeyPoints" minOccurs="0"/>
+                <xsd:element ref="ns2:MediaServiceDateTaken" minOccurs="0"/>
+                <xsd:element ref="ns2:Status" minOccurs="0"/>
+              </xsd:all>
+            </xsd:complexType>
+          </xsd:element>
+        </xsd:sequence>
+      </xsd:complexType>
+    </xsd:element>
+  </xsd:schema>
+  <xsd:schema xmlns:xsd="http://www.w3.org/2001/XMLSchema" xmlns:xs="http://www.w3.org/2001/XMLSchema" xmlns:dms="http://schemas.microsoft.com/office/2006/documentManagement/types" xmlns:pc="http://schemas.microsoft.com/office/infopath/2007/PartnerControls" targetNamespace="71af3243-3dd4-4a8d-8c0d-dd76da1f02a5" elementFormDefault="qualified">
+    <xsd:import namespace="http://schemas.microsoft.com/office/2006/documentManagement/types"/>
+    <xsd:import namespace="http://schemas.microsoft.com/office/infopath/2007/PartnerControls"/>
+    <xsd:element name="MediaServiceMetadata" ma:index="8" nillable="true" ma:displayName="MediaServiceMetadata" ma:hidden="true" ma:internalName="MediaServiceMetadata" ma:readOnly="true">
+      <xsd:simpleType>
+        <xsd:restriction base="dms:Note"/>
+      </xsd:simpleType>
+    </xsd:element>
+    <xsd:element name="MediaServiceFastMetadata" ma:index="9" nillable="true" ma:displayName="MediaServiceFastMetadata" ma:hidden="true" ma:internalName="MediaServiceFastMetadata" ma:readOnly="true">
+      <xsd:simpleType>
+        <xsd:restriction base="dms:Note"/>
+      </xsd:simpleType>
+    </xsd:element>
+    <xsd:element name="MediaServiceOCR" ma:index="10" nillable="true" ma:displayName="MediaServiceOCR" ma:internalName="MediaServiceOCR" ma:readOnly="true">
+      <xsd:simpleType>
+        <xsd:restriction base="dms:Note">
+          <xsd:maxLength value="255"/>
+        </xsd:restriction>
+      </xsd:simpleType>
+    </xsd:element>
+    <xsd:element name="MediaServiceAutoTags" ma:index="11" nillable="true" ma:displayName="MediaServiceAutoTags" ma:internalName="MediaServiceAutoTags" ma:readOnly="true">
+      <xsd:simpleType>
+        <xsd:restriction base="dms:Text"/>
+      </xsd:simpleType>
+    </xsd:element>
+    <xsd:element name="MediaServiceEventHashCode" ma:index="12" nillable="true" ma:displayName="MediaServiceEventHashCode" ma:hidden="true" ma:internalName="MediaServiceEventHashCode" ma:readOnly="true">
+      <xsd:simpleType>
+        <xsd:restriction base="dms:Text"/>
+      </xsd:simpleType>
+    </xsd:element>
+    <xsd:element name="MediaServiceGenerationTime" ma:index="13" nillable="true" ma:displayName="MediaServiceGenerationTime" ma:hidden="true" ma:internalName="MediaServiceGenerationTime" ma:readOnly="true">
+      <xsd:simpleType>
+        <xsd:restriction base="dms:Text"/>
+      </xsd:simpleType>
+    </xsd:element>
+    <xsd:element name="MediaServiceAutoKeyPoints" ma:index="16" nillable="true" ma:displayName="MediaServiceAutoKeyPoints" ma:hidden="true" ma:internalName="MediaServiceAutoKeyPoints" ma:readOnly="true">
+      <xsd:simpleType>
+        <xsd:restriction base="dms:Note"/>
+      </xsd:simpleType>
+    </xsd:element>
+    <xsd:element name="MediaServiceKeyPoints" ma:index="17" nillable="true" ma:displayName="KeyPoints" ma:internalName="MediaServiceKeyPoints" ma:readOnly="false">
+      <xsd:simpleType>
+        <xsd:restriction base="dms:Note">
+          <xsd:maxLength value="255"/>
+        </xsd:restriction>
+      </xsd:simpleType>
+    </xsd:element>
+    <xsd:element name="MediaServiceDateTaken" ma:index="18" nillable="true" ma:displayName="MediaServiceDateTaken" ma:hidden="true" ma:internalName="MediaServiceDateTaken" ma:readOnly="true">
+      <xsd:simpleType>
+        <xsd:restriction base="dms:Text"/>
+      </xsd:simpleType>
+    </xsd:element>
+    <xsd:element name="Status" ma:index="19" nillable="true" ma:displayName="Status" ma:default="Not started" ma:format="Dropdown" ma:internalName="Status">
+      <xsd:simpleType>
+        <xsd:restriction base="dms:Choice">
+          <xsd:enumeration value="Not started"/>
+          <xsd:enumeration value="In Progress"/>
+          <xsd:enumeration value="Completed"/>
+        </xsd:restriction>
+      </xsd:simpleType>
+    </xsd:element>
+  </xsd:schema>
+  <xsd:schema xmlns:xsd="http://www.w3.org/2001/XMLSchema" xmlns:xs="http://www.w3.org/2001/XMLSchema" xmlns:dms="http://schemas.microsoft.com/office/2006/documentManagement/types" xmlns:pc="http://schemas.microsoft.com/office/infopath/2007/PartnerControls" targetNamespace="16c05727-aa75-4e4a-9b5f-8a80a1165891" elementFormDefault="qualified">
+    <xsd:import namespace="http://schemas.microsoft.com/office/2006/documentManagement/types"/>
+    <xsd:import namespace="http://schemas.microsoft.com/office/infopath/2007/PartnerControls"/>
+    <xsd:element name="SharedWithUsers" ma:index="14" nillable="true" ma:displayName="Shared With" ma:internalName="SharedWithUsers" ma:readOnly="true">
+      <xsd:complexType>
+        <xsd:complexContent>
+          <xsd:extension base="dms:UserMulti">
+            <xsd:sequence>
+              <xsd:element name="UserInfo" minOccurs="0" maxOccurs="unbounded">
+                <xsd:complexType>
+                  <xsd:sequence>
+                    <xsd:element name="DisplayName" type="xsd:string" minOccurs="0"/>
+                    <xsd:element name="AccountId" type="dms:UserId" minOccurs="0" nillable="true"/>
+                    <xsd:element name="AccountType" type="xsd:string" minOccurs="0"/>
+                  </xsd:sequence>
+                </xsd:complexType>
+              </xsd:element>
+            </xsd:sequence>
+          </xsd:extension>
+        </xsd:complexContent>
+      </xsd:complexType>
+    </xsd:element>
+    <xsd:element name="SharedWithDetails" ma:index="15" nillable="true" ma:displayName="Shared With Details" ma:internalName="SharedWithDetails" ma:readOnly="true">
+      <xsd:simpleType>
+        <xsd:restriction base="dms:Note">
+          <xsd:maxLength value="255"/>
+        </xsd:restriction>
+      </xsd:simpleType>
+    </xsd:element>
+  </xsd:schema>
+  <xsd:schema xmlns="http://schemas.openxmlformats.org/package/2006/metadata/core-properties" xmlns:xsd="http://www.w3.org/2001/XMLSchema" xmlns:xsi="http://www.w3.org/2001/XMLSchema-instance" xmlns:dc="http://purl.org/dc/elements/1.1/" xmlns:dcterms="http://purl.org/dc/terms/" xmlns:odoc="http://schemas.microsoft.com/internal/obd" targetNamespace="http://schemas.openxmlformats.org/package/2006/metadata/core-properties" elementFormDefault="qualified" attributeFormDefault="unqualified" blockDefault="#all">
+    <xsd:import namespace="http://purl.org/dc/elements/1.1/" schemaLocation="http://dublincore.org/schemas/xmls/qdc/2003/04/02/dc.xsd"/>
+    <xsd:import namespace="http://purl.org/dc/terms/" schemaLocation="http://dublincore.org/schemas/xmls/qdc/2003/04/02/dcterms.xsd"/>
+    <xsd:element name="coreProperties" type="CT_coreProperties"/>
+    <xsd:complexType name="CT_coreProperties">
+      <xsd:all>
+        <xsd:element ref="dc:creator" minOccurs="0" maxOccurs="1"/>
+        <xsd:element ref="dcterms:created" minOccurs="0" maxOccurs="1"/>
+        <xsd:element ref="dc:identifier" minOccurs="0" maxOccurs="1"/>
+        <xsd:element name="contentType" minOccurs="0" maxOccurs="1" type="xsd:string" ma:index="0" ma:displayName="Content Type"/>
+        <xsd:element ref="dc:title" minOccurs="0" maxOccurs="1" ma:index="4" ma:displayName="Title"/>
+        <xsd:element ref="dc:subject" minOccurs="0" maxOccurs="1"/>
+        <xsd:element ref="dc:description" minOccurs="0" maxOccurs="1"/>
+        <xsd:element name="keywords" minOccurs="0" maxOccurs="1" type="xsd:string"/>
+        <xsd:element ref="dc:language" minOccurs="0" maxOccurs="1"/>
+        <xsd:element name="category" minOccurs="0" maxOccurs="1" type="xsd:string"/>
+        <xsd:element name="version" minOccurs="0" maxOccurs="1" type="xsd:string"/>
+        <xsd:element name="revision" minOccurs="0" maxOccurs="1" type="xsd:string">
+          <xsd:annotation>
+            <xsd:documentation>
+                        This value indicates the number of saves or revisions. The application is responsible for updating this value after each revision.
+                    </xsd:documentation>
+          </xsd:annotation>
+        </xsd:element>
+        <xsd:element name="lastModifiedBy" minOccurs="0" maxOccurs="1" type="xsd:string"/>
+        <xsd:element ref="dcterms:modified" minOccurs="0" maxOccurs="1"/>
+        <xsd:element name="contentStatus" minOccurs="0" maxOccurs="1" type="xsd:string"/>
+      </xsd:all>
+    </xsd:complexType>
+  </xsd:schema>
+  <xs:schema xmlns:pc="http://schemas.microsoft.com/office/infopath/2007/PartnerControls" xmlns:xs="http://www.w3.org/2001/XMLSchema" targetNamespace="http://schemas.microsoft.com/office/infopath/2007/PartnerControls" elementFormDefault="qualified" attributeFormDefault="unqualified">
+    <xs:element name="Person">
+      <xs:complexType>
+        <xs:sequence>
+          <xs:element ref="pc:DisplayName" minOccurs="0"/>
+          <xs:element ref="pc:AccountId" minOccurs="0"/>
+          <xs:element ref="pc:AccountType" minOccurs="0"/>
+        </xs:sequence>
+      </xs:complexType>
+    </xs:element>
+    <xs:element name="DisplayName" type="xs:string"/>
+    <xs:element name="AccountId" type="xs:string"/>
+    <xs:element name="AccountType" type="xs:string"/>
+    <xs:element name="BDCAssociatedEntity">
+      <xs:complexType>
+        <xs:sequence>
+          <xs:element ref="pc:BDCEntity" minOccurs="0" maxOccurs="unbounded"/>
+        </xs:sequence>
+        <xs:attribute ref="pc:EntityNamespace"/>
+        <xs:attribute ref="pc:EntityName"/>
+        <xs:attribute ref="pc:SystemInstanceName"/>
+        <xs:attribute ref="pc:AssociationName"/>
+      </xs:complexType>
+    </xs:element>
+    <xs:attribute name="EntityNamespace" type="xs:string"/>
+    <xs:attribute name="EntityName" type="xs:string"/>
+    <xs:attribute name="SystemInstanceName" type="xs:string"/>
+    <xs:attribute name="AssociationName" type="xs:string"/>
+    <xs:element name="BDCEntity">
+      <xs:complexType>
+        <xs:sequence>
+          <xs:element ref="pc:EntityDisplayName" minOccurs="0"/>
+          <xs:element ref="pc:EntityInstanceReference" minOccurs="0"/>
+          <xs:element ref="pc:EntityId1" minOccurs="0"/>
+          <xs:element ref="pc:EntityId2" minOccurs="0"/>
+          <xs:element ref="pc:EntityId3" minOccurs="0"/>
+          <xs:element ref="pc:EntityId4" minOccurs="0"/>
+          <xs:element ref="pc:EntityId5" minOccurs="0"/>
+        </xs:sequence>
+      </xs:complexType>
+    </xs:element>
+    <xs:element name="EntityDisplayName" type="xs:string"/>
+    <xs:element name="EntityInstanceReference" type="xs:string"/>
+    <xs:element name="EntityId1" type="xs:string"/>
+    <xs:element name="EntityId2" type="xs:string"/>
+    <xs:element name="EntityId3" type="xs:string"/>
+    <xs:element name="EntityId4" type="xs:string"/>
+    <xs:element name="EntityId5" type="xs:string"/>
+    <xs:element name="Terms">
+      <xs:complexType>
+        <xs:sequence>
+          <xs:element ref="pc:TermInfo" minOccurs="0" maxOccurs="unbounded"/>
+        </xs:sequence>
+      </xs:complexType>
+    </xs:element>
+    <xs:element name="TermInfo">
+      <xs:complexType>
+        <xs:sequence>
+          <xs:element ref="pc:TermName" minOccurs="0"/>
+          <xs:element ref="pc:TermId" minOccurs="0"/>
+        </xs:sequence>
+      </xs:complexType>
+    </xs:element>
+    <xs:element name="TermName" type="xs:string"/>
+    <xs:element name="TermId" type="xs:string"/>
+  </xs:schema>
+</ct:contentTypeSchema>
+</file>
+
+<file path=customXml/item2.xml><?xml version="1.0" encoding="utf-8"?>
+<?mso-contentType ?>
+<FormTemplates xmlns="http://schemas.microsoft.com/sharepoint/v3/contenttype/forms">
+  <Display>DocumentLibraryForm</Display>
+  <Edit>DocumentLibraryForm</Edit>
+  <New>DocumentLibraryForm</New>
+</FormTemplates>
+</file>
+
+<file path=customXml/item3.xml><?xml version="1.0" encoding="utf-8"?>
+<p:properties xmlns:p="http://schemas.microsoft.com/office/2006/metadata/properties" xmlns:xsi="http://www.w3.org/2001/XMLSchema-instance" xmlns:pc="http://schemas.microsoft.com/office/infopath/2007/PartnerControls">
+  <documentManagement>
+    <Status xmlns="71af3243-3dd4-4a8d-8c0d-dd76da1f02a5">Not started</Status>
+    <MediaServiceKeyPoints xmlns="71af3243-3dd4-4a8d-8c0d-dd76da1f02a5" xsi:nil="true"/>
+  </documentManagement>
+</p:properties>
+</file>
+
+<file path=customXml/itemProps1.xml><?xml version="1.0" encoding="utf-8"?>
+<ds:datastoreItem xmlns:ds="http://schemas.openxmlformats.org/officeDocument/2006/customXml" ds:itemID="{FD7FC771-7DFE-49DA-B577-71181BFBCB2E}">
+  <ds:schemaRefs>
+    <ds:schemaRef ds:uri="http://schemas.microsoft.com/office/2006/metadata/contentType"/>
+    <ds:schemaRef ds:uri="http://schemas.microsoft.com/office/2006/metadata/properties/metaAttributes"/>
+    <ds:schemaRef ds:uri="http://www.w3.org/2001/XMLSchema"/>
+    <ds:schemaRef ds:uri="http://schemas.microsoft.com/office/2006/metadata/properties"/>
+    <ds:schemaRef ds:uri="71af3243-3dd4-4a8d-8c0d-dd76da1f02a5"/>
+    <ds:schemaRef ds:uri="16c05727-aa75-4e4a-9b5f-8a80a1165891"/>
+    <ds:schemaRef ds:uri="http://schemas.microsoft.com/office/2006/documentManagement/types"/>
+    <ds:schemaRef ds:uri="http://schemas.microsoft.com/office/infopath/2007/PartnerControls"/>
+    <ds:schemaRef ds:uri="http://schemas.openxmlformats.org/package/2006/metadata/core-properties"/>
+    <ds:schemaRef ds:uri="http://purl.org/dc/elements/1.1/"/>
+    <ds:schemaRef ds:uri="http://purl.org/dc/terms/"/>
+    <ds:schemaRef ds:uri="http://schemas.microsoft.com/internal/obd"/>
+  </ds:schemaRefs>
+</ds:datastoreItem>
+</file>
+
+<file path=customXml/itemProps2.xml><?xml version="1.0" encoding="utf-8"?>
+<ds:datastoreItem xmlns:ds="http://schemas.openxmlformats.org/officeDocument/2006/customXml" ds:itemID="{7EE8C63A-4744-4DE4-BB49-0FF0B5375C60}">
+  <ds:schemaRefs>
+    <ds:schemaRef ds:uri="http://schemas.microsoft.com/sharepoint/v3/contenttype/forms"/>
+  </ds:schemaRefs>
+</ds:datastoreItem>
+</file>
+
+<file path=customXml/itemProps3.xml><?xml version="1.0" encoding="utf-8"?>
+<ds:datastoreItem xmlns:ds="http://schemas.openxmlformats.org/officeDocument/2006/customXml" ds:itemID="{950072C5-DDE0-4258-BA7A-4D4B80DFA632}">
+  <ds:schemaRefs>
+    <ds:schemaRef ds:uri="http://schemas.microsoft.com/office/infopath/2007/PartnerControls"/>
+    <ds:schemaRef ds:uri="http://purl.org/dc/terms/"/>
+    <ds:schemaRef ds:uri="http://schemas.microsoft.com/office/2006/metadata/properties"/>
+    <ds:schemaRef ds:uri="http://schemas.microsoft.com/office/2006/documentManagement/types"/>
+    <ds:schemaRef ds:uri="http://purl.org/dc/elements/1.1/"/>
+    <ds:schemaRef ds:uri="http://schemas.openxmlformats.org/package/2006/metadata/core-properties"/>
+    <ds:schemaRef ds:uri="16c05727-aa75-4e4a-9b5f-8a80a1165891"/>
+    <ds:schemaRef ds:uri="71af3243-3dd4-4a8d-8c0d-dd76da1f02a5"/>
+    <ds:schemaRef ds:uri="http://www.w3.org/XML/1998/namespace"/>
+    <ds:schemaRef ds:uri="http://purl.org/dc/dcmitype/"/>
+  </ds:schemaRefs>
+</ds:datastoreItem>
 </file>